--- a/P4 PræsentationNY.pptx
+++ b/P4 PræsentationNY.pptx
@@ -5,7 +5,7 @@
     <p:sldMasterId id="2147483671" r:id="rId1"/>
   </p:sldMasterIdLst>
   <p:notesMasterIdLst>
-    <p:notesMasterId r:id="rId40"/>
+    <p:notesMasterId r:id="rId41"/>
   </p:notesMasterIdLst>
   <p:sldIdLst>
     <p:sldId id="256" r:id="rId2"/>
@@ -40,12 +40,13 @@
     <p:sldId id="279" r:id="rId31"/>
     <p:sldId id="292" r:id="rId32"/>
     <p:sldId id="280" r:id="rId33"/>
-    <p:sldId id="295" r:id="rId34"/>
-    <p:sldId id="289" r:id="rId35"/>
-    <p:sldId id="293" r:id="rId36"/>
-    <p:sldId id="294" r:id="rId37"/>
-    <p:sldId id="291" r:id="rId38"/>
-    <p:sldId id="290" r:id="rId39"/>
+    <p:sldId id="289" r:id="rId34"/>
+    <p:sldId id="298" r:id="rId35"/>
+    <p:sldId id="297" r:id="rId36"/>
+    <p:sldId id="299" r:id="rId37"/>
+    <p:sldId id="294" r:id="rId38"/>
+    <p:sldId id="291" r:id="rId39"/>
+    <p:sldId id="290" r:id="rId40"/>
   </p:sldIdLst>
   <p:sldSz cx="12192000" cy="6858000"/>
   <p:notesSz cx="6858000" cy="9144000"/>
@@ -146,7 +147,7 @@
   </p:defaultTextStyle>
   <p:extLst>
     <p:ext uri="{EFAFB233-063F-42B5-8137-9DF3F51BA10A}">
-      <p15:sldGuideLst xmlns:p15="http://schemas.microsoft.com/office/powerpoint/2012/main"/>
+      <p15:sldGuideLst xmlns:p15="http://schemas.microsoft.com/office/powerpoint/2012/main" xmlns=""/>
     </p:ext>
   </p:extLst>
 </p:presentation>
@@ -234,7 +235,8 @@
           <a:p>
             <a:fld id="{C8B3EA19-2DD6-41CF-A318-14DE02C6C063}" type="datetimeFigureOut">
               <a:rPr lang="da-DK" smtClean="0"/>
-              <a:t>21-06-2013</a:t>
+              <a:pPr/>
+              <a:t>22-06-2013</a:t>
             </a:fld>
             <a:endParaRPr lang="da-DK"/>
           </a:p>
@@ -393,7 +395,8 @@
           <a:p>
             <a:fld id="{AA101583-B1C9-4A14-BF67-0D5867116A50}" type="slidenum">
               <a:rPr lang="da-DK" smtClean="0"/>
-              <a:t>‹#›</a:t>
+              <a:pPr/>
+              <a:t>‹nr.›</a:t>
             </a:fld>
             <a:endParaRPr lang="da-DK"/>
           </a:p>
@@ -402,7 +405,7 @@
     </p:spTree>
     <p:extLst>
       <p:ext uri="{BB962C8B-B14F-4D97-AF65-F5344CB8AC3E}">
-        <p14:creationId xmlns:p14="http://schemas.microsoft.com/office/powerpoint/2010/main" val="3698641948"/>
+        <p14:creationId xmlns:p14="http://schemas.microsoft.com/office/powerpoint/2010/main" xmlns="" val="3698641948"/>
       </p:ext>
     </p:extLst>
   </p:cSld>
@@ -567,6 +570,7 @@
           <a:p>
             <a:fld id="{AA101583-B1C9-4A14-BF67-0D5867116A50}" type="slidenum">
               <a:rPr lang="da-DK" smtClean="0"/>
+              <a:pPr/>
               <a:t>1</a:t>
             </a:fld>
             <a:endParaRPr lang="da-DK"/>
@@ -576,7 +580,7 @@
     </p:spTree>
     <p:extLst>
       <p:ext uri="{BB962C8B-B14F-4D97-AF65-F5344CB8AC3E}">
-        <p14:creationId xmlns:p14="http://schemas.microsoft.com/office/powerpoint/2010/main" val="1525341716"/>
+        <p14:creationId xmlns:p14="http://schemas.microsoft.com/office/powerpoint/2010/main" xmlns="" val="1525341716"/>
       </p:ext>
     </p:extLst>
   </p:cSld>
@@ -651,6 +655,7 @@
           <a:p>
             <a:fld id="{AA101583-B1C9-4A14-BF67-0D5867116A50}" type="slidenum">
               <a:rPr lang="da-DK" smtClean="0"/>
+              <a:pPr/>
               <a:t>20</a:t>
             </a:fld>
             <a:endParaRPr lang="da-DK"/>
@@ -660,7 +665,7 @@
     </p:spTree>
     <p:extLst>
       <p:ext uri="{BB962C8B-B14F-4D97-AF65-F5344CB8AC3E}">
-        <p14:creationId xmlns:p14="http://schemas.microsoft.com/office/powerpoint/2010/main" val="3121044800"/>
+        <p14:creationId xmlns:p14="http://schemas.microsoft.com/office/powerpoint/2010/main" xmlns="" val="3121044800"/>
       </p:ext>
     </p:extLst>
   </p:cSld>
@@ -779,7 +784,6 @@
               <a:rPr lang="en-US" dirty="0" smtClean="0"/>
               <a:t>ANTLR</a:t>
             </a:r>
-            <a:endParaRPr lang="en-US" dirty="0" smtClean="0"/>
           </a:p>
         </p:txBody>
       </p:sp>
@@ -800,6 +804,7 @@
           <a:p>
             <a:fld id="{AA101583-B1C9-4A14-BF67-0D5867116A50}" type="slidenum">
               <a:rPr lang="da-DK" smtClean="0"/>
+              <a:pPr/>
               <a:t>27</a:t>
             </a:fld>
             <a:endParaRPr lang="da-DK"/>
@@ -809,7 +814,7 @@
     </p:spTree>
     <p:extLst>
       <p:ext uri="{BB962C8B-B14F-4D97-AF65-F5344CB8AC3E}">
-        <p14:creationId xmlns:p14="http://schemas.microsoft.com/office/powerpoint/2010/main" val="1959102068"/>
+        <p14:creationId xmlns:p14="http://schemas.microsoft.com/office/powerpoint/2010/main" xmlns="" val="1959102068"/>
       </p:ext>
     </p:extLst>
   </p:cSld>
@@ -1204,6 +1209,7 @@
           <a:p>
             <a:fld id="{AA101583-B1C9-4A14-BF67-0D5867116A50}" type="slidenum">
               <a:rPr lang="da-DK" smtClean="0"/>
+              <a:pPr/>
               <a:t>28</a:t>
             </a:fld>
             <a:endParaRPr lang="da-DK"/>
@@ -1213,7 +1219,7 @@
     </p:spTree>
     <p:extLst>
       <p:ext uri="{BB962C8B-B14F-4D97-AF65-F5344CB8AC3E}">
-        <p14:creationId xmlns:p14="http://schemas.microsoft.com/office/powerpoint/2010/main" val="3139743069"/>
+        <p14:creationId xmlns:p14="http://schemas.microsoft.com/office/powerpoint/2010/main" xmlns="" val="3139743069"/>
       </p:ext>
     </p:extLst>
   </p:cSld>
@@ -1406,7 +1412,8 @@
           <a:p>
             <a:fld id="{4681B6A1-9354-4C80-B1DA-8F5FE1CC4E4E}" type="datetime1">
               <a:rPr lang="en-US" smtClean="0"/>
-              <a:t>6/21/2013</a:t>
+              <a:pPr/>
+              <a:t>6/22/2013</a:t>
             </a:fld>
             <a:endParaRPr lang="en-US" dirty="0"/>
           </a:p>
@@ -1448,7 +1455,8 @@
           <a:p>
             <a:fld id="{D57F1E4F-1CFF-5643-939E-02111984F565}" type="slidenum">
               <a:rPr lang="en-US" smtClean="0"/>
-              <a:t>‹#›</a:t>
+              <a:pPr/>
+              <a:t>‹nr.›</a:t>
             </a:fld>
             <a:endParaRPr lang="en-US" dirty="0"/>
           </a:p>
@@ -1457,7 +1465,7 @@
     </p:spTree>
     <p:extLst>
       <p:ext uri="{BB962C8B-B14F-4D97-AF65-F5344CB8AC3E}">
-        <p14:creationId xmlns:p14="http://schemas.microsoft.com/office/powerpoint/2010/main" val="732864836"/>
+        <p14:creationId xmlns:p14="http://schemas.microsoft.com/office/powerpoint/2010/main" xmlns="" val="732864836"/>
       </p:ext>
     </p:extLst>
   </p:cSld>
@@ -1681,7 +1689,8 @@
           <a:p>
             <a:fld id="{2BE4684E-6027-40D9-9E7B-772559224A5A}" type="datetime1">
               <a:rPr lang="en-US" smtClean="0"/>
-              <a:t>6/21/2013</a:t>
+              <a:pPr/>
+              <a:t>6/22/2013</a:t>
             </a:fld>
             <a:endParaRPr lang="en-US" dirty="0"/>
           </a:p>
@@ -1723,7 +1732,8 @@
           <a:p>
             <a:fld id="{D57F1E4F-1CFF-5643-939E-02111984F565}" type="slidenum">
               <a:rPr lang="en-US" smtClean="0"/>
-              <a:t>‹#›</a:t>
+              <a:pPr/>
+              <a:t>‹nr.›</a:t>
             </a:fld>
             <a:endParaRPr lang="en-US" dirty="0"/>
           </a:p>
@@ -1732,7 +1742,7 @@
     </p:spTree>
     <p:extLst>
       <p:ext uri="{BB962C8B-B14F-4D97-AF65-F5344CB8AC3E}">
-        <p14:creationId xmlns:p14="http://schemas.microsoft.com/office/powerpoint/2010/main" val="1500031978"/>
+        <p14:creationId xmlns:p14="http://schemas.microsoft.com/office/powerpoint/2010/main" xmlns="" val="1500031978"/>
       </p:ext>
     </p:extLst>
   </p:cSld>
@@ -1875,7 +1885,8 @@
           <a:p>
             <a:fld id="{1DDE3E77-3498-4135-AC0E-1CBC48A07D0B}" type="datetime1">
               <a:rPr lang="en-US" smtClean="0"/>
-              <a:t>6/21/2013</a:t>
+              <a:pPr/>
+              <a:t>6/22/2013</a:t>
             </a:fld>
             <a:endParaRPr lang="en-US" dirty="0"/>
           </a:p>
@@ -1917,7 +1928,8 @@
           <a:p>
             <a:fld id="{D57F1E4F-1CFF-5643-939E-02111984F565}" type="slidenum">
               <a:rPr lang="en-US" smtClean="0"/>
-              <a:t>‹#›</a:t>
+              <a:pPr/>
+              <a:t>‹nr.›</a:t>
             </a:fld>
             <a:endParaRPr lang="en-US" dirty="0"/>
           </a:p>
@@ -1926,7 +1938,7 @@
     </p:spTree>
     <p:extLst>
       <p:ext uri="{BB962C8B-B14F-4D97-AF65-F5344CB8AC3E}">
-        <p14:creationId xmlns:p14="http://schemas.microsoft.com/office/powerpoint/2010/main" val="3662668711"/>
+        <p14:creationId xmlns:p14="http://schemas.microsoft.com/office/powerpoint/2010/main" xmlns="" val="3662668711"/>
       </p:ext>
     </p:extLst>
   </p:cSld>
@@ -2143,7 +2155,8 @@
           <a:p>
             <a:fld id="{0091735D-921F-48A1-9EF7-A17782A02EB6}" type="datetime1">
               <a:rPr lang="en-US" smtClean="0"/>
-              <a:t>6/21/2013</a:t>
+              <a:pPr/>
+              <a:t>6/22/2013</a:t>
             </a:fld>
             <a:endParaRPr lang="en-US" dirty="0"/>
           </a:p>
@@ -2185,7 +2198,8 @@
           <a:p>
             <a:fld id="{D57F1E4F-1CFF-5643-939E-02111984F565}" type="slidenum">
               <a:rPr lang="en-US" smtClean="0"/>
-              <a:t>‹#›</a:t>
+              <a:pPr/>
+              <a:t>‹nr.›</a:t>
             </a:fld>
             <a:endParaRPr lang="en-US" dirty="0"/>
           </a:p>
@@ -2282,7 +2296,7 @@
     </p:spTree>
     <p:extLst>
       <p:ext uri="{BB962C8B-B14F-4D97-AF65-F5344CB8AC3E}">
-        <p14:creationId xmlns:p14="http://schemas.microsoft.com/office/powerpoint/2010/main" val="1219518226"/>
+        <p14:creationId xmlns:p14="http://schemas.microsoft.com/office/powerpoint/2010/main" xmlns="" val="1219518226"/>
       </p:ext>
     </p:extLst>
   </p:cSld>
@@ -2475,7 +2489,8 @@
           <a:p>
             <a:fld id="{1CDA5A8F-77D6-4347-9EA4-E096BE2EF580}" type="datetime1">
               <a:rPr lang="en-US" smtClean="0"/>
-              <a:t>6/21/2013</a:t>
+              <a:pPr/>
+              <a:t>6/22/2013</a:t>
             </a:fld>
             <a:endParaRPr lang="en-US" dirty="0"/>
           </a:p>
@@ -2517,7 +2532,8 @@
           <a:p>
             <a:fld id="{D57F1E4F-1CFF-5643-939E-02111984F565}" type="slidenum">
               <a:rPr lang="en-US" smtClean="0"/>
-              <a:t>‹#›</a:t>
+              <a:pPr/>
+              <a:t>‹nr.›</a:t>
             </a:fld>
             <a:endParaRPr lang="en-US" dirty="0"/>
           </a:p>
@@ -2526,7 +2542,7 @@
     </p:spTree>
     <p:extLst>
       <p:ext uri="{BB962C8B-B14F-4D97-AF65-F5344CB8AC3E}">
-        <p14:creationId xmlns:p14="http://schemas.microsoft.com/office/powerpoint/2010/main" val="3019710673"/>
+        <p14:creationId xmlns:p14="http://schemas.microsoft.com/office/powerpoint/2010/main" xmlns="" val="3019710673"/>
       </p:ext>
     </p:extLst>
   </p:cSld>
@@ -3085,7 +3101,8 @@
           <a:p>
             <a:fld id="{45EAE252-630F-42E5-98DD-7FF028B6083C}" type="datetime1">
               <a:rPr lang="en-US" smtClean="0"/>
-              <a:t>6/21/2013</a:t>
+              <a:pPr/>
+              <a:t>6/22/2013</a:t>
             </a:fld>
             <a:endParaRPr lang="en-US" dirty="0"/>
           </a:p>
@@ -3127,7 +3144,8 @@
           <a:p>
             <a:fld id="{D57F1E4F-1CFF-5643-939E-02111984F565}" type="slidenum">
               <a:rPr lang="en-US" smtClean="0"/>
-              <a:t>‹#›</a:t>
+              <a:pPr/>
+              <a:t>‹nr.›</a:t>
             </a:fld>
             <a:endParaRPr lang="en-US" dirty="0"/>
           </a:p>
@@ -3136,7 +3154,7 @@
     </p:spTree>
     <p:extLst>
       <p:ext uri="{BB962C8B-B14F-4D97-AF65-F5344CB8AC3E}">
-        <p14:creationId xmlns:p14="http://schemas.microsoft.com/office/powerpoint/2010/main" val="1960643781"/>
+        <p14:creationId xmlns:p14="http://schemas.microsoft.com/office/powerpoint/2010/main" xmlns="" val="1960643781"/>
       </p:ext>
     </p:extLst>
   </p:cSld>
@@ -3932,7 +3950,8 @@
           <a:p>
             <a:fld id="{53158F56-AC20-471C-BF16-7CFBEAF824B0}" type="datetime1">
               <a:rPr lang="en-US" smtClean="0"/>
-              <a:t>6/21/2013</a:t>
+              <a:pPr/>
+              <a:t>6/22/2013</a:t>
             </a:fld>
             <a:endParaRPr lang="en-US" dirty="0"/>
           </a:p>
@@ -3974,7 +3993,8 @@
           <a:p>
             <a:fld id="{D57F1E4F-1CFF-5643-939E-02111984F565}" type="slidenum">
               <a:rPr lang="en-US" smtClean="0"/>
-              <a:t>‹#›</a:t>
+              <a:pPr/>
+              <a:t>‹nr.›</a:t>
             </a:fld>
             <a:endParaRPr lang="en-US" dirty="0"/>
           </a:p>
@@ -3983,7 +4003,7 @@
     </p:spTree>
     <p:extLst>
       <p:ext uri="{BB962C8B-B14F-4D97-AF65-F5344CB8AC3E}">
-        <p14:creationId xmlns:p14="http://schemas.microsoft.com/office/powerpoint/2010/main" val="389484570"/>
+        <p14:creationId xmlns:p14="http://schemas.microsoft.com/office/powerpoint/2010/main" xmlns="" val="389484570"/>
       </p:ext>
     </p:extLst>
   </p:cSld>
@@ -4102,7 +4122,8 @@
           <a:p>
             <a:fld id="{77CC805B-CB16-4FA0-A66A-00ED9818BA48}" type="datetime1">
               <a:rPr lang="en-US" smtClean="0"/>
-              <a:t>6/21/2013</a:t>
+              <a:pPr/>
+              <a:t>6/22/2013</a:t>
             </a:fld>
             <a:endParaRPr lang="en-US" dirty="0"/>
           </a:p>
@@ -4144,7 +4165,8 @@
           <a:p>
             <a:fld id="{D57F1E4F-1CFF-5643-939E-02111984F565}" type="slidenum">
               <a:rPr lang="en-US" smtClean="0"/>
-              <a:t>‹#›</a:t>
+              <a:pPr/>
+              <a:t>‹nr.›</a:t>
             </a:fld>
             <a:endParaRPr lang="en-US" dirty="0"/>
           </a:p>
@@ -4153,7 +4175,7 @@
     </p:spTree>
     <p:extLst>
       <p:ext uri="{BB962C8B-B14F-4D97-AF65-F5344CB8AC3E}">
-        <p14:creationId xmlns:p14="http://schemas.microsoft.com/office/powerpoint/2010/main" val="1244265866"/>
+        <p14:creationId xmlns:p14="http://schemas.microsoft.com/office/powerpoint/2010/main" xmlns="" val="1244265866"/>
       </p:ext>
     </p:extLst>
   </p:cSld>
@@ -4282,7 +4304,8 @@
           <a:p>
             <a:fld id="{4884B6EA-1785-4FAC-A732-388541F7F43F}" type="datetime1">
               <a:rPr lang="en-US" smtClean="0"/>
-              <a:t>6/21/2013</a:t>
+              <a:pPr/>
+              <a:t>6/22/2013</a:t>
             </a:fld>
             <a:endParaRPr lang="en-US" dirty="0"/>
           </a:p>
@@ -4324,7 +4347,8 @@
           <a:p>
             <a:fld id="{D57F1E4F-1CFF-5643-939E-02111984F565}" type="slidenum">
               <a:rPr lang="en-US" smtClean="0"/>
-              <a:t>‹#›</a:t>
+              <a:pPr/>
+              <a:t>‹nr.›</a:t>
             </a:fld>
             <a:endParaRPr lang="en-US" dirty="0"/>
           </a:p>
@@ -4333,7 +4357,7 @@
     </p:spTree>
     <p:extLst>
       <p:ext uri="{BB962C8B-B14F-4D97-AF65-F5344CB8AC3E}">
-        <p14:creationId xmlns:p14="http://schemas.microsoft.com/office/powerpoint/2010/main" val="3471008039"/>
+        <p14:creationId xmlns:p14="http://schemas.microsoft.com/office/powerpoint/2010/main" xmlns="" val="3471008039"/>
       </p:ext>
     </p:extLst>
   </p:cSld>
@@ -4452,7 +4476,8 @@
           <a:p>
             <a:fld id="{46D550D0-B1B6-4C5A-B500-37468E03E34A}" type="datetime1">
               <a:rPr lang="en-US" smtClean="0"/>
-              <a:t>6/21/2013</a:t>
+              <a:pPr/>
+              <a:t>6/22/2013</a:t>
             </a:fld>
             <a:endParaRPr lang="en-US" dirty="0"/>
           </a:p>
@@ -4494,7 +4519,8 @@
           <a:p>
             <a:fld id="{D57F1E4F-1CFF-5643-939E-02111984F565}" type="slidenum">
               <a:rPr lang="en-US" smtClean="0"/>
-              <a:t>‹#›</a:t>
+              <a:pPr/>
+              <a:t>‹nr.›</a:t>
             </a:fld>
             <a:endParaRPr lang="en-US" dirty="0"/>
           </a:p>
@@ -4503,7 +4529,7 @@
     </p:spTree>
     <p:extLst>
       <p:ext uri="{BB962C8B-B14F-4D97-AF65-F5344CB8AC3E}">
-        <p14:creationId xmlns:p14="http://schemas.microsoft.com/office/powerpoint/2010/main" val="2241778123"/>
+        <p14:creationId xmlns:p14="http://schemas.microsoft.com/office/powerpoint/2010/main" xmlns="" val="2241778123"/>
       </p:ext>
     </p:extLst>
   </p:cSld>
@@ -4696,7 +4722,8 @@
           <a:p>
             <a:fld id="{62A54C1A-A7C7-4D0C-BC89-6A7A29A53B6F}" type="datetime1">
               <a:rPr lang="en-US" smtClean="0"/>
-              <a:t>6/21/2013</a:t>
+              <a:pPr/>
+              <a:t>6/22/2013</a:t>
             </a:fld>
             <a:endParaRPr lang="en-US" dirty="0"/>
           </a:p>
@@ -4738,7 +4765,8 @@
           <a:p>
             <a:fld id="{D57F1E4F-1CFF-5643-939E-02111984F565}" type="slidenum">
               <a:rPr lang="en-US" smtClean="0"/>
-              <a:t>‹#›</a:t>
+              <a:pPr/>
+              <a:t>‹nr.›</a:t>
             </a:fld>
             <a:endParaRPr lang="en-US" dirty="0"/>
           </a:p>
@@ -4747,7 +4775,7 @@
     </p:spTree>
     <p:extLst>
       <p:ext uri="{BB962C8B-B14F-4D97-AF65-F5344CB8AC3E}">
-        <p14:creationId xmlns:p14="http://schemas.microsoft.com/office/powerpoint/2010/main" val="1066466615"/>
+        <p14:creationId xmlns:p14="http://schemas.microsoft.com/office/powerpoint/2010/main" xmlns="" val="1066466615"/>
       </p:ext>
     </p:extLst>
   </p:cSld>
@@ -4988,7 +5016,8 @@
           <a:p>
             <a:fld id="{C4369086-5944-448B-A4E3-A0D2D7495E5E}" type="datetime1">
               <a:rPr lang="en-US" smtClean="0"/>
-              <a:t>6/21/2013</a:t>
+              <a:pPr/>
+              <a:t>6/22/2013</a:t>
             </a:fld>
             <a:endParaRPr lang="en-US" dirty="0"/>
           </a:p>
@@ -5030,7 +5059,8 @@
           <a:p>
             <a:fld id="{D57F1E4F-1CFF-5643-939E-02111984F565}" type="slidenum">
               <a:rPr lang="en-US" smtClean="0"/>
-              <a:t>‹#›</a:t>
+              <a:pPr/>
+              <a:t>‹nr.›</a:t>
             </a:fld>
             <a:endParaRPr lang="en-US" dirty="0"/>
           </a:p>
@@ -5039,7 +5069,7 @@
     </p:spTree>
     <p:extLst>
       <p:ext uri="{BB962C8B-B14F-4D97-AF65-F5344CB8AC3E}">
-        <p14:creationId xmlns:p14="http://schemas.microsoft.com/office/powerpoint/2010/main" val="1552170654"/>
+        <p14:creationId xmlns:p14="http://schemas.microsoft.com/office/powerpoint/2010/main" xmlns="" val="1552170654"/>
       </p:ext>
     </p:extLst>
   </p:cSld>
@@ -5426,7 +5456,8 @@
           <a:p>
             <a:fld id="{3063B1AD-9F5B-40BE-A3F3-DCF65277BEC1}" type="datetime1">
               <a:rPr lang="en-US" smtClean="0"/>
-              <a:t>6/21/2013</a:t>
+              <a:pPr/>
+              <a:t>6/22/2013</a:t>
             </a:fld>
             <a:endParaRPr lang="en-US" dirty="0"/>
           </a:p>
@@ -5468,7 +5499,8 @@
           <a:p>
             <a:fld id="{D57F1E4F-1CFF-5643-939E-02111984F565}" type="slidenum">
               <a:rPr lang="en-US" smtClean="0"/>
-              <a:t>‹#›</a:t>
+              <a:pPr/>
+              <a:t>‹nr.›</a:t>
             </a:fld>
             <a:endParaRPr lang="en-US" dirty="0"/>
           </a:p>
@@ -5477,7 +5509,7 @@
     </p:spTree>
     <p:extLst>
       <p:ext uri="{BB962C8B-B14F-4D97-AF65-F5344CB8AC3E}">
-        <p14:creationId xmlns:p14="http://schemas.microsoft.com/office/powerpoint/2010/main" val="2445141360"/>
+        <p14:creationId xmlns:p14="http://schemas.microsoft.com/office/powerpoint/2010/main" xmlns="" val="2445141360"/>
       </p:ext>
     </p:extLst>
   </p:cSld>
@@ -5544,7 +5576,8 @@
           <a:p>
             <a:fld id="{AD06227D-A21B-4FB4-8FDA-7E721415BB68}" type="datetime1">
               <a:rPr lang="en-US" smtClean="0"/>
-              <a:t>6/21/2013</a:t>
+              <a:pPr/>
+              <a:t>6/22/2013</a:t>
             </a:fld>
             <a:endParaRPr lang="en-US" dirty="0"/>
           </a:p>
@@ -5586,7 +5619,8 @@
           <a:p>
             <a:fld id="{D57F1E4F-1CFF-5643-939E-02111984F565}" type="slidenum">
               <a:rPr lang="en-US" smtClean="0"/>
-              <a:t>‹#›</a:t>
+              <a:pPr/>
+              <a:t>‹nr.›</a:t>
             </a:fld>
             <a:endParaRPr lang="en-US" dirty="0"/>
           </a:p>
@@ -5595,7 +5629,7 @@
     </p:spTree>
     <p:extLst>
       <p:ext uri="{BB962C8B-B14F-4D97-AF65-F5344CB8AC3E}">
-        <p14:creationId xmlns:p14="http://schemas.microsoft.com/office/powerpoint/2010/main" val="171307283"/>
+        <p14:creationId xmlns:p14="http://schemas.microsoft.com/office/powerpoint/2010/main" xmlns="" val="171307283"/>
       </p:ext>
     </p:extLst>
   </p:cSld>
@@ -5639,7 +5673,8 @@
           <a:p>
             <a:fld id="{96E1A39A-A4F9-4AB0-A1CA-930D97FE5971}" type="datetime1">
               <a:rPr lang="en-US" smtClean="0"/>
-              <a:t>6/21/2013</a:t>
+              <a:pPr/>
+              <a:t>6/22/2013</a:t>
             </a:fld>
             <a:endParaRPr lang="en-US" dirty="0"/>
           </a:p>
@@ -5681,7 +5716,8 @@
           <a:p>
             <a:fld id="{D57F1E4F-1CFF-5643-939E-02111984F565}" type="slidenum">
               <a:rPr lang="en-US" smtClean="0"/>
-              <a:t>‹#›</a:t>
+              <a:pPr/>
+              <a:t>‹nr.›</a:t>
             </a:fld>
             <a:endParaRPr lang="en-US" dirty="0"/>
           </a:p>
@@ -5690,7 +5726,7 @@
     </p:spTree>
     <p:extLst>
       <p:ext uri="{BB962C8B-B14F-4D97-AF65-F5344CB8AC3E}">
-        <p14:creationId xmlns:p14="http://schemas.microsoft.com/office/powerpoint/2010/main" val="454905040"/>
+        <p14:creationId xmlns:p14="http://schemas.microsoft.com/office/powerpoint/2010/main" xmlns="" val="454905040"/>
       </p:ext>
     </p:extLst>
   </p:cSld>
@@ -5918,7 +5954,8 @@
           <a:p>
             <a:fld id="{37CEB81A-4B85-47F8-A93E-67357D318765}" type="datetime1">
               <a:rPr lang="en-US" smtClean="0"/>
-              <a:t>6/21/2013</a:t>
+              <a:pPr/>
+              <a:t>6/22/2013</a:t>
             </a:fld>
             <a:endParaRPr lang="en-US" dirty="0"/>
           </a:p>
@@ -5960,7 +5997,8 @@
           <a:p>
             <a:fld id="{D57F1E4F-1CFF-5643-939E-02111984F565}" type="slidenum">
               <a:rPr lang="en-US" smtClean="0"/>
-              <a:t>‹#›</a:t>
+              <a:pPr/>
+              <a:t>‹nr.›</a:t>
             </a:fld>
             <a:endParaRPr lang="en-US" dirty="0"/>
           </a:p>
@@ -5969,7 +6007,7 @@
     </p:spTree>
     <p:extLst>
       <p:ext uri="{BB962C8B-B14F-4D97-AF65-F5344CB8AC3E}">
-        <p14:creationId xmlns:p14="http://schemas.microsoft.com/office/powerpoint/2010/main" val="3820055682"/>
+        <p14:creationId xmlns:p14="http://schemas.microsoft.com/office/powerpoint/2010/main" xmlns="" val="3820055682"/>
       </p:ext>
     </p:extLst>
   </p:cSld>
@@ -6193,7 +6231,8 @@
           <a:p>
             <a:fld id="{9C840B45-3373-45A8-81BA-944F76DB6D60}" type="datetime1">
               <a:rPr lang="en-US" smtClean="0"/>
-              <a:t>6/21/2013</a:t>
+              <a:pPr/>
+              <a:t>6/22/2013</a:t>
             </a:fld>
             <a:endParaRPr lang="en-US" dirty="0"/>
           </a:p>
@@ -6235,7 +6274,8 @@
           <a:p>
             <a:fld id="{D57F1E4F-1CFF-5643-939E-02111984F565}" type="slidenum">
               <a:rPr lang="en-US" smtClean="0"/>
-              <a:t>‹#›</a:t>
+              <a:pPr/>
+              <a:t>‹nr.›</a:t>
             </a:fld>
             <a:endParaRPr lang="en-US" dirty="0"/>
           </a:p>
@@ -6244,7 +6284,7 @@
     </p:spTree>
     <p:extLst>
       <p:ext uri="{BB962C8B-B14F-4D97-AF65-F5344CB8AC3E}">
-        <p14:creationId xmlns:p14="http://schemas.microsoft.com/office/powerpoint/2010/main" val="3789401996"/>
+        <p14:creationId xmlns:p14="http://schemas.microsoft.com/office/powerpoint/2010/main" xmlns="" val="3789401996"/>
       </p:ext>
     </p:extLst>
   </p:cSld>
@@ -6288,7 +6328,7 @@
           <a:blip r:embed="rId19">
             <a:extLst>
               <a:ext uri="{28A0092B-C50C-407E-A947-70E740481C1C}">
-                <a14:useLocalDpi xmlns:a14="http://schemas.microsoft.com/office/drawing/2010/main" val="0"/>
+                <a14:useLocalDpi xmlns:a14="http://schemas.microsoft.com/office/drawing/2010/main" xmlns="" val="0"/>
               </a:ext>
             </a:extLst>
           </a:blip>
@@ -6317,7 +6357,7 @@
           <a:blip r:embed="rId20">
             <a:extLst>
               <a:ext uri="{28A0092B-C50C-407E-A947-70E740481C1C}">
-                <a14:useLocalDpi xmlns:a14="http://schemas.microsoft.com/office/drawing/2010/main" val="0"/>
+                <a14:useLocalDpi xmlns:a14="http://schemas.microsoft.com/office/drawing/2010/main" xmlns="" val="0"/>
               </a:ext>
             </a:extLst>
           </a:blip>
@@ -6409,7 +6449,7 @@
           <a:blip r:embed="rId21">
             <a:extLst>
               <a:ext uri="{28A0092B-C50C-407E-A947-70E740481C1C}">
-                <a14:useLocalDpi xmlns:a14="http://schemas.microsoft.com/office/drawing/2010/main" val="0"/>
+                <a14:useLocalDpi xmlns:a14="http://schemas.microsoft.com/office/drawing/2010/main" xmlns="" val="0"/>
               </a:ext>
             </a:extLst>
           </a:blip>
@@ -6438,7 +6478,7 @@
           <a:blip r:embed="rId22">
             <a:extLst>
               <a:ext uri="{28A0092B-C50C-407E-A947-70E740481C1C}">
-                <a14:useLocalDpi xmlns:a14="http://schemas.microsoft.com/office/drawing/2010/main" val="0"/>
+                <a14:useLocalDpi xmlns:a14="http://schemas.microsoft.com/office/drawing/2010/main" xmlns="" val="0"/>
               </a:ext>
             </a:extLst>
           </a:blip>
@@ -6622,7 +6662,8 @@
           <a:p>
             <a:fld id="{E38830CC-0F50-4545-98DB-FF6C52E0EC20}" type="datetime1">
               <a:rPr lang="en-US" smtClean="0"/>
-              <a:t>6/21/2013</a:t>
+              <a:pPr/>
+              <a:t>6/22/2013</a:t>
             </a:fld>
             <a:endParaRPr lang="en-US" dirty="0"/>
           </a:p>
@@ -6701,7 +6742,8 @@
           <a:p>
             <a:fld id="{D57F1E4F-1CFF-5643-939E-02111984F565}" type="slidenum">
               <a:rPr lang="en-US" smtClean="0"/>
-              <a:t>‹#›</a:t>
+              <a:pPr/>
+              <a:t>‹nr.›</a:t>
             </a:fld>
             <a:endParaRPr lang="en-US" dirty="0"/>
           </a:p>
@@ -6710,7 +6752,7 @@
     </p:spTree>
     <p:extLst>
       <p:ext uri="{BB962C8B-B14F-4D97-AF65-F5344CB8AC3E}">
-        <p14:creationId xmlns:p14="http://schemas.microsoft.com/office/powerpoint/2010/main" val="2940686128"/>
+        <p14:creationId xmlns:p14="http://schemas.microsoft.com/office/powerpoint/2010/main" xmlns="" val="2940686128"/>
       </p:ext>
     </p:extLst>
   </p:cSld>
@@ -7185,7 +7227,7 @@
     </p:spTree>
     <p:extLst>
       <p:ext uri="{BB962C8B-B14F-4D97-AF65-F5344CB8AC3E}">
-        <p14:creationId xmlns:p14="http://schemas.microsoft.com/office/powerpoint/2010/main" val="3950674696"/>
+        <p14:creationId xmlns:p14="http://schemas.microsoft.com/office/powerpoint/2010/main" xmlns="" val="3950674696"/>
       </p:ext>
     </p:extLst>
   </p:cSld>
@@ -7262,7 +7304,7 @@
             </a:clrChange>
             <a:extLst>
               <a:ext uri="{28A0092B-C50C-407E-A947-70E740481C1C}">
-                <a14:useLocalDpi xmlns:a14="http://schemas.microsoft.com/office/drawing/2010/main" val="0"/>
+                <a14:useLocalDpi xmlns:a14="http://schemas.microsoft.com/office/drawing/2010/main" xmlns="" val="0"/>
               </a:ext>
             </a:extLst>
           </a:blip>
@@ -7289,7 +7331,7 @@
           </a:effectLst>
           <a:extLst>
             <a:ext uri="{91240B29-F687-4F45-9708-019B960494DF}">
-              <a14:hiddenLine xmlns:a14="http://schemas.microsoft.com/office/drawing/2010/main" w="9525">
+              <a14:hiddenLine xmlns:a14="http://schemas.microsoft.com/office/drawing/2010/main" xmlns="" w="9525">
                 <a:solidFill>
                   <a:schemeClr val="tx1"/>
                 </a:solidFill>
@@ -7299,7 +7341,7 @@
               </a14:hiddenLine>
             </a:ext>
             <a:ext uri="{AF507438-7753-43E0-B8FC-AC1667EBCBE1}">
-              <a14:hiddenEffects xmlns:a14="http://schemas.microsoft.com/office/drawing/2010/main">
+              <a14:hiddenEffects xmlns:a14="http://schemas.microsoft.com/office/drawing/2010/main" xmlns="">
                 <a:effectLst>
                   <a:outerShdw dist="35921" dir="2700000" algn="ctr" rotWithShape="0">
                     <a:schemeClr val="bg2"/>
@@ -7332,7 +7374,7 @@
             </a:clrChange>
             <a:extLst>
               <a:ext uri="{28A0092B-C50C-407E-A947-70E740481C1C}">
-                <a14:useLocalDpi xmlns:a14="http://schemas.microsoft.com/office/drawing/2010/main" val="0"/>
+                <a14:useLocalDpi xmlns:a14="http://schemas.microsoft.com/office/drawing/2010/main" xmlns="" val="0"/>
               </a:ext>
             </a:extLst>
           </a:blip>
@@ -7364,7 +7406,7 @@
           </a:effectLst>
           <a:extLst>
             <a:ext uri="{91240B29-F687-4F45-9708-019B960494DF}">
-              <a14:hiddenLine xmlns:a14="http://schemas.microsoft.com/office/drawing/2010/main" w="9525">
+              <a14:hiddenLine xmlns:a14="http://schemas.microsoft.com/office/drawing/2010/main" xmlns="" w="9525">
                 <a:solidFill>
                   <a:schemeClr val="tx1"/>
                 </a:solidFill>
@@ -7374,7 +7416,7 @@
               </a14:hiddenLine>
             </a:ext>
             <a:ext uri="{AF507438-7753-43E0-B8FC-AC1667EBCBE1}">
-              <a14:hiddenEffects xmlns:a14="http://schemas.microsoft.com/office/drawing/2010/main">
+              <a14:hiddenEffects xmlns:a14="http://schemas.microsoft.com/office/drawing/2010/main" xmlns="">
                 <a:effectLst>
                   <a:outerShdw dist="35921" dir="2700000" algn="ctr" rotWithShape="0">
                     <a:schemeClr val="bg2"/>
@@ -7402,6 +7444,7 @@
           <a:p>
             <a:fld id="{D57F1E4F-1CFF-5643-939E-02111984F565}" type="slidenum">
               <a:rPr lang="en-US" smtClean="0"/>
+              <a:pPr/>
               <a:t>10</a:t>
             </a:fld>
             <a:endParaRPr lang="en-US" dirty="0"/>
@@ -7411,7 +7454,7 @@
     </p:spTree>
     <p:extLst>
       <p:ext uri="{BB962C8B-B14F-4D97-AF65-F5344CB8AC3E}">
-        <p14:creationId xmlns:p14="http://schemas.microsoft.com/office/powerpoint/2010/main" val="1606566323"/>
+        <p14:creationId xmlns:p14="http://schemas.microsoft.com/office/powerpoint/2010/main" xmlns="" val="1606566323"/>
       </p:ext>
     </p:extLst>
   </p:cSld>
@@ -7495,7 +7538,7 @@
           <a:blip r:embed="rId2">
             <a:extLst>
               <a:ext uri="{28A0092B-C50C-407E-A947-70E740481C1C}">
-                <a14:useLocalDpi xmlns:a14="http://schemas.microsoft.com/office/drawing/2010/main" val="0"/>
+                <a14:useLocalDpi xmlns:a14="http://schemas.microsoft.com/office/drawing/2010/main" xmlns="" val="0"/>
               </a:ext>
             </a:extLst>
           </a:blip>
@@ -7524,7 +7567,7 @@
           </a:effectLst>
           <a:extLst>
             <a:ext uri="{91240B29-F687-4F45-9708-019B960494DF}">
-              <a14:hiddenLine xmlns:a14="http://schemas.microsoft.com/office/drawing/2010/main" w="9525">
+              <a14:hiddenLine xmlns:a14="http://schemas.microsoft.com/office/drawing/2010/main" xmlns="" w="9525">
                 <a:solidFill>
                   <a:schemeClr val="tx1"/>
                 </a:solidFill>
@@ -7534,7 +7577,7 @@
               </a14:hiddenLine>
             </a:ext>
             <a:ext uri="{AF507438-7753-43E0-B8FC-AC1667EBCBE1}">
-              <a14:hiddenEffects xmlns:a14="http://schemas.microsoft.com/office/drawing/2010/main">
+              <a14:hiddenEffects xmlns:a14="http://schemas.microsoft.com/office/drawing/2010/main" xmlns="">
                 <a:effectLst>
                   <a:outerShdw dist="35921" dir="2700000" algn="ctr" rotWithShape="0">
                     <a:schemeClr val="bg2"/>
@@ -7562,6 +7605,7 @@
           <a:p>
             <a:fld id="{D57F1E4F-1CFF-5643-939E-02111984F565}" type="slidenum">
               <a:rPr lang="en-US" smtClean="0"/>
+              <a:pPr/>
               <a:t>11</a:t>
             </a:fld>
             <a:endParaRPr lang="en-US" dirty="0"/>
@@ -7571,7 +7615,7 @@
     </p:spTree>
     <p:extLst>
       <p:ext uri="{BB962C8B-B14F-4D97-AF65-F5344CB8AC3E}">
-        <p14:creationId xmlns:p14="http://schemas.microsoft.com/office/powerpoint/2010/main" val="147532247"/>
+        <p14:creationId xmlns:p14="http://schemas.microsoft.com/office/powerpoint/2010/main" xmlns="" val="147532247"/>
       </p:ext>
     </p:extLst>
   </p:cSld>
@@ -7689,6 +7733,7 @@
           <a:p>
             <a:fld id="{D57F1E4F-1CFF-5643-939E-02111984F565}" type="slidenum">
               <a:rPr lang="en-US" smtClean="0"/>
+              <a:pPr/>
               <a:t>12</a:t>
             </a:fld>
             <a:endParaRPr lang="en-US" dirty="0"/>
@@ -7698,7 +7743,7 @@
     </p:spTree>
     <p:extLst>
       <p:ext uri="{BB962C8B-B14F-4D97-AF65-F5344CB8AC3E}">
-        <p14:creationId xmlns:p14="http://schemas.microsoft.com/office/powerpoint/2010/main" val="2871410945"/>
+        <p14:creationId xmlns:p14="http://schemas.microsoft.com/office/powerpoint/2010/main" xmlns="" val="2871410945"/>
       </p:ext>
     </p:extLst>
   </p:cSld>
@@ -7841,6 +7886,7 @@
           <a:p>
             <a:fld id="{D57F1E4F-1CFF-5643-939E-02111984F565}" type="slidenum">
               <a:rPr lang="en-US" smtClean="0"/>
+              <a:pPr/>
               <a:t>13</a:t>
             </a:fld>
             <a:endParaRPr lang="en-US" dirty="0"/>
@@ -7850,7 +7896,7 @@
     </p:spTree>
     <p:extLst>
       <p:ext uri="{BB962C8B-B14F-4D97-AF65-F5344CB8AC3E}">
-        <p14:creationId xmlns:p14="http://schemas.microsoft.com/office/powerpoint/2010/main" val="3508717513"/>
+        <p14:creationId xmlns:p14="http://schemas.microsoft.com/office/powerpoint/2010/main" xmlns="" val="3508717513"/>
       </p:ext>
     </p:extLst>
   </p:cSld>
@@ -7931,7 +7977,7 @@
             </a:clrChange>
             <a:extLst>
               <a:ext uri="{28A0092B-C50C-407E-A947-70E740481C1C}">
-                <a14:useLocalDpi xmlns:a14="http://schemas.microsoft.com/office/drawing/2010/main" val="0"/>
+                <a14:useLocalDpi xmlns:a14="http://schemas.microsoft.com/office/drawing/2010/main" xmlns="" val="0"/>
               </a:ext>
             </a:extLst>
           </a:blip>
@@ -7960,14 +8006,14 @@
           </a:effectLst>
           <a:extLst>
             <a:ext uri="{909E8E84-426E-40DD-AFC4-6F175D3DCCD1}">
-              <a14:hiddenFill xmlns:a14="http://schemas.microsoft.com/office/drawing/2010/main">
+              <a14:hiddenFill xmlns:a14="http://schemas.microsoft.com/office/drawing/2010/main" xmlns="">
                 <a:solidFill>
                   <a:schemeClr val="accent1"/>
                 </a:solidFill>
               </a14:hiddenFill>
             </a:ext>
             <a:ext uri="{91240B29-F687-4F45-9708-019B960494DF}">
-              <a14:hiddenLine xmlns:a14="http://schemas.microsoft.com/office/drawing/2010/main" w="9525">
+              <a14:hiddenLine xmlns:a14="http://schemas.microsoft.com/office/drawing/2010/main" xmlns="" w="9525">
                 <a:solidFill>
                   <a:schemeClr val="tx1"/>
                 </a:solidFill>
@@ -8348,6 +8394,7 @@
           <a:p>
             <a:fld id="{D57F1E4F-1CFF-5643-939E-02111984F565}" type="slidenum">
               <a:rPr lang="en-US" smtClean="0"/>
+              <a:pPr/>
               <a:t>14</a:t>
             </a:fld>
             <a:endParaRPr lang="en-US" dirty="0"/>
@@ -8357,7 +8404,7 @@
     </p:spTree>
     <p:extLst>
       <p:ext uri="{BB962C8B-B14F-4D97-AF65-F5344CB8AC3E}">
-        <p14:creationId xmlns:p14="http://schemas.microsoft.com/office/powerpoint/2010/main" val="2371069470"/>
+        <p14:creationId xmlns:p14="http://schemas.microsoft.com/office/powerpoint/2010/main" xmlns="" val="2371069470"/>
       </p:ext>
     </p:extLst>
   </p:cSld>
@@ -8482,6 +8529,7 @@
           <a:p>
             <a:fld id="{D57F1E4F-1CFF-5643-939E-02111984F565}" type="slidenum">
               <a:rPr lang="en-US" smtClean="0"/>
+              <a:pPr/>
               <a:t>15</a:t>
             </a:fld>
             <a:endParaRPr lang="en-US" dirty="0"/>
@@ -8491,7 +8539,7 @@
     </p:spTree>
     <p:extLst>
       <p:ext uri="{BB962C8B-B14F-4D97-AF65-F5344CB8AC3E}">
-        <p14:creationId xmlns:p14="http://schemas.microsoft.com/office/powerpoint/2010/main" val="2320858105"/>
+        <p14:creationId xmlns:p14="http://schemas.microsoft.com/office/powerpoint/2010/main" xmlns="" val="2320858105"/>
       </p:ext>
     </p:extLst>
   </p:cSld>
@@ -8553,7 +8601,7 @@
         </p:txBody>
       </p:sp>
       <mc:AlternateContent xmlns:mc="http://schemas.openxmlformats.org/markup-compatibility/2006">
-        <mc:Choice xmlns:a14="http://schemas.microsoft.com/office/drawing/2010/main" Requires="a14">
+        <mc:Choice xmlns:a14="http://schemas.microsoft.com/office/drawing/2010/main" xmlns="" Requires="a14">
           <p:sp>
             <p:nvSpPr>
               <p:cNvPr id="3" name="Content Placeholder 2"/>
@@ -9195,6 +9243,7 @@
           <a:p>
             <a:fld id="{D57F1E4F-1CFF-5643-939E-02111984F565}" type="slidenum">
               <a:rPr lang="en-US" smtClean="0"/>
+              <a:pPr/>
               <a:t>16</a:t>
             </a:fld>
             <a:endParaRPr lang="en-US" dirty="0"/>
@@ -9204,7 +9253,7 @@
     </p:spTree>
     <p:extLst>
       <p:ext uri="{BB962C8B-B14F-4D97-AF65-F5344CB8AC3E}">
-        <p14:creationId xmlns:p14="http://schemas.microsoft.com/office/powerpoint/2010/main" val="1648392087"/>
+        <p14:creationId xmlns:p14="http://schemas.microsoft.com/office/powerpoint/2010/main" xmlns="" val="1648392087"/>
       </p:ext>
     </p:extLst>
   </p:cSld>
@@ -9300,7 +9349,7 @@
           <a:blip r:embed="rId2">
             <a:extLst>
               <a:ext uri="{28A0092B-C50C-407E-A947-70E740481C1C}">
-                <a14:useLocalDpi xmlns:a14="http://schemas.microsoft.com/office/drawing/2010/main" val="0"/>
+                <a14:useLocalDpi xmlns:a14="http://schemas.microsoft.com/office/drawing/2010/main" xmlns="" val="0"/>
               </a:ext>
             </a:extLst>
           </a:blip>
@@ -9332,7 +9381,7 @@
           </a:effectLst>
           <a:extLst>
             <a:ext uri="{91240B29-F687-4F45-9708-019B960494DF}">
-              <a14:hiddenLine xmlns:a14="http://schemas.microsoft.com/office/drawing/2010/main" w="9525">
+              <a14:hiddenLine xmlns:a14="http://schemas.microsoft.com/office/drawing/2010/main" xmlns="" w="9525">
                 <a:solidFill>
                   <a:schemeClr val="tx1"/>
                 </a:solidFill>
@@ -9361,6 +9410,7 @@
           <a:p>
             <a:fld id="{D57F1E4F-1CFF-5643-939E-02111984F565}" type="slidenum">
               <a:rPr lang="en-US" smtClean="0"/>
+              <a:pPr/>
               <a:t>17</a:t>
             </a:fld>
             <a:endParaRPr lang="en-US" dirty="0"/>
@@ -9370,7 +9420,7 @@
     </p:spTree>
     <p:extLst>
       <p:ext uri="{BB962C8B-B14F-4D97-AF65-F5344CB8AC3E}">
-        <p14:creationId xmlns:p14="http://schemas.microsoft.com/office/powerpoint/2010/main" val="556762913"/>
+        <p14:creationId xmlns:p14="http://schemas.microsoft.com/office/powerpoint/2010/main" xmlns="" val="556762913"/>
       </p:ext>
     </p:extLst>
   </p:cSld>
@@ -9432,7 +9482,7 @@
         </p:txBody>
       </p:sp>
       <mc:AlternateContent xmlns:mc="http://schemas.openxmlformats.org/markup-compatibility/2006">
-        <mc:Choice xmlns:a14="http://schemas.microsoft.com/office/drawing/2010/main" Requires="a14">
+        <mc:Choice xmlns:a14="http://schemas.microsoft.com/office/drawing/2010/main" xmlns="" Requires="a14">
           <p:sp>
             <p:nvSpPr>
               <p:cNvPr id="3" name="Content Placeholder 2"/>
@@ -9665,6 +9715,7 @@
           <a:p>
             <a:fld id="{D57F1E4F-1CFF-5643-939E-02111984F565}" type="slidenum">
               <a:rPr lang="en-US" smtClean="0"/>
+              <a:pPr/>
               <a:t>18</a:t>
             </a:fld>
             <a:endParaRPr lang="en-US" dirty="0"/>
@@ -9674,7 +9725,7 @@
     </p:spTree>
     <p:extLst>
       <p:ext uri="{BB962C8B-B14F-4D97-AF65-F5344CB8AC3E}">
-        <p14:creationId xmlns:p14="http://schemas.microsoft.com/office/powerpoint/2010/main" val="3981789974"/>
+        <p14:creationId xmlns:p14="http://schemas.microsoft.com/office/powerpoint/2010/main" xmlns="" val="3981789974"/>
       </p:ext>
     </p:extLst>
   </p:cSld>
@@ -9745,7 +9796,7 @@
           <a:blip r:embed="rId2">
             <a:extLst>
               <a:ext uri="{28A0092B-C50C-407E-A947-70E740481C1C}">
-                <a14:useLocalDpi xmlns:a14="http://schemas.microsoft.com/office/drawing/2010/main" val="0"/>
+                <a14:useLocalDpi xmlns:a14="http://schemas.microsoft.com/office/drawing/2010/main" xmlns="" val="0"/>
               </a:ext>
             </a:extLst>
           </a:blip>
@@ -9777,7 +9828,7 @@
           </a:effectLst>
           <a:extLst>
             <a:ext uri="{91240B29-F687-4F45-9708-019B960494DF}">
-              <a14:hiddenLine xmlns:a14="http://schemas.microsoft.com/office/drawing/2010/main" w="9525">
+              <a14:hiddenLine xmlns:a14="http://schemas.microsoft.com/office/drawing/2010/main" xmlns="" w="9525">
                 <a:solidFill>
                   <a:schemeClr val="tx1"/>
                 </a:solidFill>
@@ -9806,6 +9857,7 @@
           <a:p>
             <a:fld id="{D57F1E4F-1CFF-5643-939E-02111984F565}" type="slidenum">
               <a:rPr lang="en-US" smtClean="0"/>
+              <a:pPr/>
               <a:t>19</a:t>
             </a:fld>
             <a:endParaRPr lang="en-US" dirty="0"/>
@@ -9815,7 +9867,7 @@
     </p:spTree>
     <p:extLst>
       <p:ext uri="{BB962C8B-B14F-4D97-AF65-F5344CB8AC3E}">
-        <p14:creationId xmlns:p14="http://schemas.microsoft.com/office/powerpoint/2010/main" val="4143647463"/>
+        <p14:creationId xmlns:p14="http://schemas.microsoft.com/office/powerpoint/2010/main" xmlns="" val="4143647463"/>
       </p:ext>
     </p:extLst>
   </p:cSld>
@@ -10018,6 +10070,7 @@
           <a:p>
             <a:fld id="{D57F1E4F-1CFF-5643-939E-02111984F565}" type="slidenum">
               <a:rPr lang="en-US" smtClean="0"/>
+              <a:pPr/>
               <a:t>2</a:t>
             </a:fld>
             <a:endParaRPr lang="en-US" dirty="0"/>
@@ -10027,7 +10080,7 @@
     </p:spTree>
     <p:extLst>
       <p:ext uri="{BB962C8B-B14F-4D97-AF65-F5344CB8AC3E}">
-        <p14:creationId xmlns:p14="http://schemas.microsoft.com/office/powerpoint/2010/main" val="2296655487"/>
+        <p14:creationId xmlns:p14="http://schemas.microsoft.com/office/powerpoint/2010/main" xmlns="" val="2296655487"/>
       </p:ext>
     </p:extLst>
   </p:cSld>
@@ -10167,6 +10220,7 @@
           <a:p>
             <a:fld id="{D57F1E4F-1CFF-5643-939E-02111984F565}" type="slidenum">
               <a:rPr lang="en-US" smtClean="0"/>
+              <a:pPr/>
               <a:t>20</a:t>
             </a:fld>
             <a:endParaRPr lang="en-US" dirty="0"/>
@@ -10176,7 +10230,7 @@
     </p:spTree>
     <p:extLst>
       <p:ext uri="{BB962C8B-B14F-4D97-AF65-F5344CB8AC3E}">
-        <p14:creationId xmlns:p14="http://schemas.microsoft.com/office/powerpoint/2010/main" val="1238075687"/>
+        <p14:creationId xmlns:p14="http://schemas.microsoft.com/office/powerpoint/2010/main" xmlns="" val="1238075687"/>
       </p:ext>
     </p:extLst>
   </p:cSld>
@@ -10332,6 +10386,7 @@
           <a:p>
             <a:fld id="{D57F1E4F-1CFF-5643-939E-02111984F565}" type="slidenum">
               <a:rPr lang="en-US" smtClean="0"/>
+              <a:pPr/>
               <a:t>21</a:t>
             </a:fld>
             <a:endParaRPr lang="en-US" dirty="0"/>
@@ -10341,7 +10396,7 @@
     </p:spTree>
     <p:extLst>
       <p:ext uri="{BB962C8B-B14F-4D97-AF65-F5344CB8AC3E}">
-        <p14:creationId xmlns:p14="http://schemas.microsoft.com/office/powerpoint/2010/main" val="249438557"/>
+        <p14:creationId xmlns:p14="http://schemas.microsoft.com/office/powerpoint/2010/main" xmlns="" val="249438557"/>
       </p:ext>
     </p:extLst>
   </p:cSld>
@@ -10482,6 +10537,7 @@
           <a:p>
             <a:fld id="{D57F1E4F-1CFF-5643-939E-02111984F565}" type="slidenum">
               <a:rPr lang="en-US" smtClean="0"/>
+              <a:pPr/>
               <a:t>22</a:t>
             </a:fld>
             <a:endParaRPr lang="en-US" dirty="0"/>
@@ -10491,7 +10547,7 @@
     </p:spTree>
     <p:extLst>
       <p:ext uri="{BB962C8B-B14F-4D97-AF65-F5344CB8AC3E}">
-        <p14:creationId xmlns:p14="http://schemas.microsoft.com/office/powerpoint/2010/main" val="2630679411"/>
+        <p14:creationId xmlns:p14="http://schemas.microsoft.com/office/powerpoint/2010/main" xmlns="" val="2630679411"/>
       </p:ext>
     </p:extLst>
   </p:cSld>
@@ -10643,6 +10699,7 @@
           <a:p>
             <a:fld id="{D57F1E4F-1CFF-5643-939E-02111984F565}" type="slidenum">
               <a:rPr lang="en-US" smtClean="0"/>
+              <a:pPr/>
               <a:t>23</a:t>
             </a:fld>
             <a:endParaRPr lang="en-US" dirty="0"/>
@@ -10652,7 +10709,7 @@
     </p:spTree>
     <p:extLst>
       <p:ext uri="{BB962C8B-B14F-4D97-AF65-F5344CB8AC3E}">
-        <p14:creationId xmlns:p14="http://schemas.microsoft.com/office/powerpoint/2010/main" val="3950121826"/>
+        <p14:creationId xmlns:p14="http://schemas.microsoft.com/office/powerpoint/2010/main" xmlns="" val="3950121826"/>
       </p:ext>
     </p:extLst>
   </p:cSld>
@@ -10721,7 +10778,7 @@
           <a:blip r:embed="rId2">
             <a:extLst>
               <a:ext uri="{28A0092B-C50C-407E-A947-70E740481C1C}">
-                <a14:useLocalDpi xmlns:a14="http://schemas.microsoft.com/office/drawing/2010/main" val="0"/>
+                <a14:useLocalDpi xmlns:a14="http://schemas.microsoft.com/office/drawing/2010/main" xmlns="" val="0"/>
               </a:ext>
             </a:extLst>
           </a:blip>
@@ -11126,6 +11183,7 @@
           <a:p>
             <a:fld id="{D57F1E4F-1CFF-5643-939E-02111984F565}" type="slidenum">
               <a:rPr lang="en-US" smtClean="0"/>
+              <a:pPr/>
               <a:t>24</a:t>
             </a:fld>
             <a:endParaRPr lang="en-US" dirty="0"/>
@@ -11135,7 +11193,7 @@
     </p:spTree>
     <p:extLst>
       <p:ext uri="{BB962C8B-B14F-4D97-AF65-F5344CB8AC3E}">
-        <p14:creationId xmlns:p14="http://schemas.microsoft.com/office/powerpoint/2010/main" val="2884966997"/>
+        <p14:creationId xmlns:p14="http://schemas.microsoft.com/office/powerpoint/2010/main" xmlns="" val="2884966997"/>
       </p:ext>
     </p:extLst>
   </p:cSld>
@@ -11299,6 +11357,7 @@
           <a:p>
             <a:fld id="{D57F1E4F-1CFF-5643-939E-02111984F565}" type="slidenum">
               <a:rPr lang="en-US" smtClean="0"/>
+              <a:pPr/>
               <a:t>25</a:t>
             </a:fld>
             <a:endParaRPr lang="en-US" dirty="0"/>
@@ -11308,7 +11367,7 @@
     </p:spTree>
     <p:extLst>
       <p:ext uri="{BB962C8B-B14F-4D97-AF65-F5344CB8AC3E}">
-        <p14:creationId xmlns:p14="http://schemas.microsoft.com/office/powerpoint/2010/main" val="3130798529"/>
+        <p14:creationId xmlns:p14="http://schemas.microsoft.com/office/powerpoint/2010/main" xmlns="" val="3130798529"/>
       </p:ext>
     </p:extLst>
   </p:cSld>
@@ -11432,6 +11491,7 @@
           <a:p>
             <a:fld id="{D57F1E4F-1CFF-5643-939E-02111984F565}" type="slidenum">
               <a:rPr lang="en-US" smtClean="0"/>
+              <a:pPr/>
               <a:t>26</a:t>
             </a:fld>
             <a:endParaRPr lang="en-US" dirty="0"/>
@@ -11441,7 +11501,7 @@
     </p:spTree>
     <p:extLst>
       <p:ext uri="{BB962C8B-B14F-4D97-AF65-F5344CB8AC3E}">
-        <p14:creationId xmlns:p14="http://schemas.microsoft.com/office/powerpoint/2010/main" val="376163761"/>
+        <p14:creationId xmlns:p14="http://schemas.microsoft.com/office/powerpoint/2010/main" xmlns="" val="376163761"/>
       </p:ext>
     </p:extLst>
   </p:cSld>
@@ -11562,6 +11622,7 @@
           <a:p>
             <a:fld id="{D57F1E4F-1CFF-5643-939E-02111984F565}" type="slidenum">
               <a:rPr lang="en-US" smtClean="0"/>
+              <a:pPr/>
               <a:t>27</a:t>
             </a:fld>
             <a:endParaRPr lang="en-US" dirty="0"/>
@@ -11571,7 +11632,7 @@
     </p:spTree>
     <p:extLst>
       <p:ext uri="{BB962C8B-B14F-4D97-AF65-F5344CB8AC3E}">
-        <p14:creationId xmlns:p14="http://schemas.microsoft.com/office/powerpoint/2010/main" val="3847635991"/>
+        <p14:creationId xmlns:p14="http://schemas.microsoft.com/office/powerpoint/2010/main" xmlns="" val="3847635991"/>
       </p:ext>
     </p:extLst>
   </p:cSld>
@@ -11738,6 +11799,7 @@
           <a:p>
             <a:fld id="{D57F1E4F-1CFF-5643-939E-02111984F565}" type="slidenum">
               <a:rPr lang="en-US" smtClean="0"/>
+              <a:pPr/>
               <a:t>28</a:t>
             </a:fld>
             <a:endParaRPr lang="en-US" dirty="0"/>
@@ -11747,7 +11809,7 @@
     </p:spTree>
     <p:extLst>
       <p:ext uri="{BB962C8B-B14F-4D97-AF65-F5344CB8AC3E}">
-        <p14:creationId xmlns:p14="http://schemas.microsoft.com/office/powerpoint/2010/main" val="276049290"/>
+        <p14:creationId xmlns:p14="http://schemas.microsoft.com/office/powerpoint/2010/main" xmlns="" val="276049290"/>
       </p:ext>
     </p:extLst>
   </p:cSld>
@@ -11966,6 +12028,7 @@
           <a:p>
             <a:fld id="{D57F1E4F-1CFF-5643-939E-02111984F565}" type="slidenum">
               <a:rPr lang="en-US" smtClean="0"/>
+              <a:pPr/>
               <a:t>29</a:t>
             </a:fld>
             <a:endParaRPr lang="en-US" dirty="0"/>
@@ -11975,7 +12038,7 @@
     </p:spTree>
     <p:extLst>
       <p:ext uri="{BB962C8B-B14F-4D97-AF65-F5344CB8AC3E}">
-        <p14:creationId xmlns:p14="http://schemas.microsoft.com/office/powerpoint/2010/main" val="3075833889"/>
+        <p14:creationId xmlns:p14="http://schemas.microsoft.com/office/powerpoint/2010/main" xmlns="" val="3075833889"/>
       </p:ext>
     </p:extLst>
   </p:cSld>
@@ -12040,11 +12103,7 @@
             </a:r>
             <a:r>
               <a:rPr lang="da-DK" sz="4000" dirty="0" smtClean="0"/>
-              <a:t> </a:t>
-            </a:r>
-            <a:r>
-              <a:rPr lang="da-DK" sz="4000" dirty="0" smtClean="0"/>
-              <a:t>of Presentation</a:t>
+              <a:t> of Presentation</a:t>
             </a:r>
             <a:endParaRPr lang="da-DK" sz="4000" dirty="0"/>
           </a:p>
@@ -12126,6 +12185,7 @@
           <a:p>
             <a:fld id="{D57F1E4F-1CFF-5643-939E-02111984F565}" type="slidenum">
               <a:rPr lang="en-US" smtClean="0"/>
+              <a:pPr/>
               <a:t>3</a:t>
             </a:fld>
             <a:endParaRPr lang="en-US" dirty="0"/>
@@ -12135,7 +12195,7 @@
     </p:spTree>
     <p:extLst>
       <p:ext uri="{BB962C8B-B14F-4D97-AF65-F5344CB8AC3E}">
-        <p14:creationId xmlns:p14="http://schemas.microsoft.com/office/powerpoint/2010/main" val="2404246688"/>
+        <p14:creationId xmlns:p14="http://schemas.microsoft.com/office/powerpoint/2010/main" xmlns="" val="2404246688"/>
       </p:ext>
     </p:extLst>
   </p:cSld>
@@ -12281,6 +12341,7 @@
           <a:p>
             <a:fld id="{D57F1E4F-1CFF-5643-939E-02111984F565}" type="slidenum">
               <a:rPr lang="en-US" smtClean="0"/>
+              <a:pPr/>
               <a:t>30</a:t>
             </a:fld>
             <a:endParaRPr lang="en-US" dirty="0"/>
@@ -12290,7 +12351,7 @@
     </p:spTree>
     <p:extLst>
       <p:ext uri="{BB962C8B-B14F-4D97-AF65-F5344CB8AC3E}">
-        <p14:creationId xmlns:p14="http://schemas.microsoft.com/office/powerpoint/2010/main" val="3744726847"/>
+        <p14:creationId xmlns:p14="http://schemas.microsoft.com/office/powerpoint/2010/main" xmlns="" val="3744726847"/>
       </p:ext>
     </p:extLst>
   </p:cSld>
@@ -12509,6 +12570,7 @@
           <a:p>
             <a:fld id="{D57F1E4F-1CFF-5643-939E-02111984F565}" type="slidenum">
               <a:rPr lang="en-US" smtClean="0"/>
+              <a:pPr/>
               <a:t>31</a:t>
             </a:fld>
             <a:endParaRPr lang="en-US" dirty="0"/>
@@ -12518,7 +12580,7 @@
     </p:spTree>
     <p:extLst>
       <p:ext uri="{BB962C8B-B14F-4D97-AF65-F5344CB8AC3E}">
-        <p14:creationId xmlns:p14="http://schemas.microsoft.com/office/powerpoint/2010/main" val="552338076"/>
+        <p14:creationId xmlns:p14="http://schemas.microsoft.com/office/powerpoint/2010/main" xmlns="" val="552338076"/>
       </p:ext>
     </p:extLst>
   </p:cSld>
@@ -12679,6 +12741,7 @@
           <a:p>
             <a:fld id="{D57F1E4F-1CFF-5643-939E-02111984F565}" type="slidenum">
               <a:rPr lang="en-US" smtClean="0"/>
+              <a:pPr/>
               <a:t>32</a:t>
             </a:fld>
             <a:endParaRPr lang="en-US" dirty="0"/>
@@ -12688,7 +12751,7 @@
     </p:spTree>
     <p:extLst>
       <p:ext uri="{BB962C8B-B14F-4D97-AF65-F5344CB8AC3E}">
-        <p14:creationId xmlns:p14="http://schemas.microsoft.com/office/powerpoint/2010/main" val="1429005581"/>
+        <p14:creationId xmlns:p14="http://schemas.microsoft.com/office/powerpoint/2010/main" xmlns="" val="1429005581"/>
       </p:ext>
     </p:extLst>
   </p:cSld>
@@ -12724,7 +12787,7 @@
       </p:grpSpPr>
       <p:sp>
         <p:nvSpPr>
-          <p:cNvPr id="2" name="Titel 1"/>
+          <p:cNvPr id="2" name="Title 1"/>
           <p:cNvSpPr>
             <a:spLocks noGrp="1"/>
           </p:cNvSpPr>
@@ -12732,84 +12795,109 @@
             <p:ph type="title"/>
           </p:nvPr>
         </p:nvSpPr>
+        <p:spPr>
+          <a:xfrm>
+            <a:off x="646111" y="452718"/>
+            <a:ext cx="10037931" cy="1400530"/>
+          </a:xfrm>
+        </p:spPr>
+        <p:txBody>
+          <a:bodyPr/>
+          <a:lstStyle/>
+          <a:p>
+            <a:pPr>
+              <a:lnSpc>
+                <a:spcPct val="100000"/>
+              </a:lnSpc>
+            </a:pPr>
+            <a:r>
+              <a:rPr lang="da-DK" sz="4000" dirty="0" smtClean="0"/>
+              <a:t>Unit Test</a:t>
+            </a:r>
+            <a:endParaRPr lang="da-DK" sz="4000" dirty="0"/>
+          </a:p>
+        </p:txBody>
+      </p:sp>
+      <p:sp>
+        <p:nvSpPr>
+          <p:cNvPr id="3" name="Content Placeholder 2"/>
+          <p:cNvSpPr>
+            <a:spLocks noGrp="1"/>
+          </p:cNvSpPr>
+          <p:nvPr>
+            <p:ph idx="1"/>
+          </p:nvPr>
+        </p:nvSpPr>
+        <p:spPr>
+          <a:xfrm>
+            <a:off x="1103312" y="1853248"/>
+            <a:ext cx="8946541" cy="4395151"/>
+          </a:xfrm>
+        </p:spPr>
+        <p:txBody>
+          <a:bodyPr>
+            <a:normAutofit/>
+          </a:bodyPr>
+          <a:lstStyle/>
+          <a:p>
+            <a:r>
+              <a:rPr lang="da-DK" sz="2800" dirty="0" smtClean="0"/>
+              <a:t>Unit </a:t>
+            </a:r>
+            <a:r>
+              <a:rPr lang="da-DK" sz="2800" dirty="0" err="1" smtClean="0"/>
+              <a:t>testing</a:t>
+            </a:r>
+            <a:r>
+              <a:rPr lang="da-DK" sz="2800" dirty="0" smtClean="0"/>
+              <a:t> </a:t>
+            </a:r>
+            <a:r>
+              <a:rPr lang="da-DK" sz="2800" dirty="0" smtClean="0"/>
+              <a:t>in </a:t>
+            </a:r>
+            <a:r>
+              <a:rPr lang="da-DK" sz="2800" dirty="0" smtClean="0"/>
+              <a:t>general</a:t>
+            </a:r>
+          </a:p>
+          <a:p>
+            <a:pPr lvl="1"/>
+            <a:r>
+              <a:rPr lang="da-DK" sz="2600" dirty="0" err="1" smtClean="0"/>
+              <a:t>JUnit</a:t>
+            </a:r>
+            <a:endParaRPr lang="da-DK" sz="2600" dirty="0" smtClean="0"/>
+          </a:p>
+        </p:txBody>
+      </p:sp>
+      <p:sp>
+        <p:nvSpPr>
+          <p:cNvPr id="4" name="Slide Number Placeholder 3"/>
+          <p:cNvSpPr>
+            <a:spLocks noGrp="1"/>
+          </p:cNvSpPr>
+          <p:nvPr>
+            <p:ph type="sldNum" sz="quarter" idx="12"/>
+          </p:nvPr>
+        </p:nvSpPr>
         <p:spPr/>
         <p:txBody>
           <a:bodyPr/>
           <a:lstStyle/>
           <a:p>
-            <a:r>
-              <a:rPr lang="da-DK" dirty="0" smtClean="0"/>
-              <a:t>Unit Test</a:t>
-            </a:r>
-            <a:endParaRPr lang="da-DK" dirty="0"/>
-          </a:p>
-        </p:txBody>
-      </p:sp>
-      <p:sp>
-        <p:nvSpPr>
-          <p:cNvPr id="3" name="Pladsholder til indhold 2"/>
-          <p:cNvSpPr>
-            <a:spLocks noGrp="1"/>
-          </p:cNvSpPr>
-          <p:nvPr>
-            <p:ph idx="1"/>
-          </p:nvPr>
-        </p:nvSpPr>
-        <p:spPr/>
-        <p:txBody>
-          <a:bodyPr/>
-          <a:lstStyle/>
-          <a:p>
-            <a:r>
-              <a:rPr lang="da-DK" sz="3600" dirty="0" smtClean="0"/>
-              <a:t>Unit test in general</a:t>
-            </a:r>
-          </a:p>
-          <a:p>
-            <a:r>
-              <a:rPr lang="da-DK" sz="3600" dirty="0" err="1" smtClean="0"/>
-              <a:t>Code</a:t>
-            </a:r>
-            <a:r>
-              <a:rPr lang="da-DK" sz="3600" dirty="0" smtClean="0"/>
-              <a:t> </a:t>
-            </a:r>
-            <a:r>
-              <a:rPr lang="da-DK" sz="3600" dirty="0" err="1" smtClean="0"/>
-              <a:t>coverage</a:t>
-            </a:r>
-            <a:r>
-              <a:rPr lang="da-DK" sz="3600" dirty="0" smtClean="0"/>
-              <a:t> of the </a:t>
-            </a:r>
-            <a:r>
-              <a:rPr lang="da-DK" sz="3600" dirty="0" err="1" smtClean="0"/>
-              <a:t>Value</a:t>
-            </a:r>
-            <a:r>
-              <a:rPr lang="da-DK" sz="3600" dirty="0" smtClean="0"/>
-              <a:t> </a:t>
-            </a:r>
-            <a:r>
-              <a:rPr lang="da-DK" sz="3600" dirty="0" err="1" smtClean="0"/>
-              <a:t>class</a:t>
-            </a:r>
-            <a:endParaRPr lang="da-DK" sz="3600" dirty="0" smtClean="0"/>
-          </a:p>
-          <a:p>
-            <a:endParaRPr lang="da-DK" dirty="0" smtClean="0"/>
-          </a:p>
-          <a:p>
-            <a:pPr>
-              <a:buNone/>
-            </a:pPr>
-            <a:endParaRPr lang="da-DK" dirty="0"/>
+            <a:fld id="{D57F1E4F-1CFF-5643-939E-02111984F565}" type="slidenum">
+              <a:rPr lang="en-US" smtClean="0"/>
+              <a:pPr/>
+              <a:t>33</a:t>
+            </a:fld>
+            <a:endParaRPr lang="en-US" dirty="0"/>
           </a:p>
         </p:txBody>
       </p:sp>
       <p:pic>
         <p:nvPicPr>
-          <p:cNvPr id="4" name="Picture 3"/>
+          <p:cNvPr id="6" name="Picture 3"/>
           <p:cNvPicPr>
             <a:picLocks noChangeAspect="1"/>
           </p:cNvPicPr>
@@ -12834,7 +12922,7 @@
         </p:blipFill>
         <p:spPr>
           <a:xfrm>
-            <a:off x="469648" y="3545306"/>
+            <a:off x="469648" y="3312831"/>
             <a:ext cx="11195881" cy="2389020"/>
           </a:xfrm>
           <a:prstGeom prst="roundRect">
@@ -12858,7 +12946,7 @@
     </p:spTree>
     <p:extLst>
       <p:ext uri="{BB962C8B-B14F-4D97-AF65-F5344CB8AC3E}">
-        <p14:creationId xmlns:p14="http://schemas.microsoft.com/office/powerpoint/2010/main" val="3258514947"/>
+        <p14:creationId xmlns:p14="http://schemas.microsoft.com/office/powerpoint/2010/main" xmlns="" val="4157361282"/>
       </p:ext>
     </p:extLst>
   </p:cSld>
@@ -12918,8 +13006,8 @@
               </a:lnSpc>
             </a:pPr>
             <a:r>
-              <a:rPr lang="da-DK" sz="4000" dirty="0" err="1" smtClean="0"/>
-              <a:t>Discussion</a:t>
+              <a:rPr lang="da-DK" sz="4000" dirty="0" smtClean="0"/>
+              <a:t>Unit Test</a:t>
             </a:r>
             <a:endParaRPr lang="da-DK" sz="4000" dirty="0"/>
           </a:p>
@@ -12948,22 +13036,91 @@
           <a:lstStyle/>
           <a:p>
             <a:r>
-              <a:rPr lang="da-DK" sz="2800" dirty="0"/>
-              <a:t>SPLAD vs. </a:t>
-            </a:r>
-            <a:r>
-              <a:rPr lang="da-DK" sz="2800" dirty="0" err="1"/>
-              <a:t>Arduino</a:t>
-            </a:r>
-            <a:r>
-              <a:rPr lang="da-DK" sz="2800" dirty="0"/>
-              <a:t> C/C</a:t>
+              <a:rPr lang="da-DK" sz="2800" dirty="0" err="1" smtClean="0"/>
+              <a:t>Code</a:t>
             </a:r>
             <a:r>
               <a:rPr lang="da-DK" sz="2800" dirty="0" smtClean="0"/>
-              <a:t>++</a:t>
-            </a:r>
-            <a:endParaRPr lang="da-DK" sz="2800" dirty="0"/>
+              <a:t> </a:t>
+            </a:r>
+            <a:r>
+              <a:rPr lang="da-DK" sz="2800" dirty="0" err="1" smtClean="0"/>
+              <a:t>coverage</a:t>
+            </a:r>
+            <a:r>
+              <a:rPr lang="da-DK" sz="2800" dirty="0" smtClean="0"/>
+              <a:t> of the </a:t>
+            </a:r>
+            <a:r>
+              <a:rPr lang="da-DK" sz="2800" dirty="0" err="1" smtClean="0"/>
+              <a:t>Value</a:t>
+            </a:r>
+            <a:r>
+              <a:rPr lang="da-DK" sz="2800" dirty="0" smtClean="0"/>
+              <a:t> </a:t>
+            </a:r>
+            <a:r>
+              <a:rPr lang="da-DK" sz="2800" dirty="0" err="1" smtClean="0"/>
+              <a:t>class</a:t>
+            </a:r>
+            <a:endParaRPr lang="da-DK" sz="2800" dirty="0" smtClean="0"/>
+          </a:p>
+          <a:p>
+            <a:pPr lvl="1"/>
+            <a:r>
+              <a:rPr lang="da-DK" sz="2600" dirty="0" err="1" smtClean="0"/>
+              <a:t>CodeCover</a:t>
+            </a:r>
+            <a:r>
+              <a:rPr lang="da-DK" sz="2600" dirty="0" smtClean="0"/>
+              <a:t> </a:t>
+            </a:r>
+            <a:r>
+              <a:rPr lang="da-DK" sz="2600" dirty="0" err="1" smtClean="0"/>
+              <a:t>plugin</a:t>
+            </a:r>
+            <a:endParaRPr lang="da-DK" sz="2600" dirty="0" smtClean="0"/>
+          </a:p>
+          <a:p>
+            <a:pPr lvl="1"/>
+            <a:r>
+              <a:rPr lang="da-DK" sz="2600" dirty="0" smtClean="0"/>
+              <a:t>100% </a:t>
+            </a:r>
+            <a:r>
+              <a:rPr lang="da-DK" sz="2600" dirty="0" err="1" smtClean="0"/>
+              <a:t>code</a:t>
+            </a:r>
+            <a:r>
+              <a:rPr lang="da-DK" sz="2600" dirty="0" smtClean="0"/>
+              <a:t> </a:t>
+            </a:r>
+            <a:r>
+              <a:rPr lang="da-DK" sz="2600" dirty="0" err="1" smtClean="0"/>
+              <a:t>coverage</a:t>
+            </a:r>
+            <a:endParaRPr lang="da-DK" sz="2600" dirty="0" smtClean="0"/>
+          </a:p>
+          <a:p>
+            <a:r>
+              <a:rPr lang="da-DK" sz="2800" dirty="0" err="1" smtClean="0"/>
+              <a:t>Statement-coverage</a:t>
+            </a:r>
+            <a:endParaRPr lang="da-DK" sz="2800" dirty="0" smtClean="0"/>
+          </a:p>
+          <a:p>
+            <a:r>
+              <a:rPr lang="da-DK" sz="2800" dirty="0" err="1" smtClean="0"/>
+              <a:t>Branch-coverage</a:t>
+            </a:r>
+            <a:endParaRPr lang="da-DK" sz="2800" dirty="0" smtClean="0"/>
+          </a:p>
+          <a:p>
+            <a:r>
+              <a:rPr lang="da-DK" sz="2800" dirty="0" err="1" smtClean="0"/>
+              <a:t>Term-coverage</a:t>
+            </a:r>
+            <a:endParaRPr lang="da-DK" sz="2800" dirty="0" smtClean="0"/>
           </a:p>
         </p:txBody>
       </p:sp>
@@ -12984,69 +13141,17 @@
           <a:p>
             <a:fld id="{D57F1E4F-1CFF-5643-939E-02111984F565}" type="slidenum">
               <a:rPr lang="en-US" smtClean="0"/>
+              <a:pPr/>
               <a:t>34</a:t>
             </a:fld>
             <a:endParaRPr lang="en-US" dirty="0"/>
           </a:p>
         </p:txBody>
       </p:sp>
-      <p:pic>
-        <p:nvPicPr>
-          <p:cNvPr id="5" name="Picture 4"/>
-          <p:cNvPicPr>
-            <a:picLocks noChangeAspect="1"/>
-          </p:cNvPicPr>
-          <p:nvPr/>
-        </p:nvPicPr>
-        <p:blipFill>
-          <a:blip r:embed="rId2">
-            <a:clrChange>
-              <a:clrFrom>
-                <a:srgbClr val="FFFFFF"/>
-              </a:clrFrom>
-              <a:clrTo>
-                <a:srgbClr val="FFFFFF">
-                  <a:alpha val="0"/>
-                </a:srgbClr>
-              </a:clrTo>
-            </a:clrChange>
-            <a:extLst>
-              <a:ext uri="{28A0092B-C50C-407E-A947-70E740481C1C}">
-                <a14:useLocalDpi xmlns:a14="http://schemas.microsoft.com/office/drawing/2010/main" val="0"/>
-              </a:ext>
-            </a:extLst>
-          </a:blip>
-          <a:stretch>
-            <a:fillRect/>
-          </a:stretch>
-        </p:blipFill>
-        <p:spPr>
-          <a:xfrm>
-            <a:off x="1103312" y="2683603"/>
-            <a:ext cx="7411484" cy="2934109"/>
-          </a:xfrm>
-          <a:prstGeom prst="roundRect">
-            <a:avLst>
-              <a:gd name="adj" fmla="val 8594"/>
-            </a:avLst>
-          </a:prstGeom>
-          <a:solidFill>
-            <a:srgbClr val="FFFFFF">
-              <a:shade val="85000"/>
-            </a:srgbClr>
-          </a:solidFill>
-          <a:ln>
-            <a:noFill/>
-          </a:ln>
-          <a:effectLst>
-            <a:reflection blurRad="12700" stA="38000" endPos="28000" dist="5000" dir="5400000" sy="-100000" algn="bl" rotWithShape="0"/>
-          </a:effectLst>
-        </p:spPr>
-      </p:pic>
     </p:spTree>
     <p:extLst>
       <p:ext uri="{BB962C8B-B14F-4D97-AF65-F5344CB8AC3E}">
-        <p14:creationId xmlns:p14="http://schemas.microsoft.com/office/powerpoint/2010/main" val="4157361282"/>
+        <p14:creationId xmlns:p14="http://schemas.microsoft.com/office/powerpoint/2010/main" xmlns="" val="4157361282"/>
       </p:ext>
     </p:extLst>
   </p:cSld>
@@ -13123,14 +13228,50 @@
             <p:ph idx="1"/>
           </p:nvPr>
         </p:nvSpPr>
-        <p:spPr/>
+        <p:spPr>
+          <a:xfrm>
+            <a:off x="1103312" y="1853248"/>
+            <a:ext cx="8946541" cy="4395151"/>
+          </a:xfrm>
+        </p:spPr>
         <p:txBody>
           <a:bodyPr>
             <a:normAutofit/>
           </a:bodyPr>
           <a:lstStyle/>
           <a:p>
-            <a:endParaRPr lang="fr-FR" dirty="0" smtClean="0"/>
+            <a:r>
+              <a:rPr lang="da-DK" sz="2800" dirty="0" err="1" smtClean="0"/>
+              <a:t>Simplicity</a:t>
+            </a:r>
+            <a:r>
+              <a:rPr lang="da-DK" sz="2800" dirty="0" smtClean="0"/>
+              <a:t> </a:t>
+            </a:r>
+          </a:p>
+          <a:p>
+            <a:pPr lvl="1"/>
+            <a:r>
+              <a:rPr lang="da-DK" sz="2600" dirty="0" smtClean="0"/>
+              <a:t>SPLAD </a:t>
+            </a:r>
+            <a:r>
+              <a:rPr lang="da-DK" sz="2600" dirty="0"/>
+              <a:t>vs. </a:t>
+            </a:r>
+            <a:r>
+              <a:rPr lang="da-DK" sz="2600" dirty="0" err="1"/>
+              <a:t>Arduino</a:t>
+            </a:r>
+            <a:r>
+              <a:rPr lang="da-DK" sz="2600" dirty="0"/>
+              <a:t> C/C</a:t>
+            </a:r>
+            <a:r>
+              <a:rPr lang="da-DK" sz="2600" dirty="0" smtClean="0"/>
+              <a:t>++</a:t>
+            </a:r>
+            <a:endParaRPr lang="da-DK" sz="2600" dirty="0"/>
           </a:p>
         </p:txBody>
       </p:sp>
@@ -13151,6 +13292,7 @@
           <a:p>
             <a:fld id="{D57F1E4F-1CFF-5643-939E-02111984F565}" type="slidenum">
               <a:rPr lang="en-US" smtClean="0"/>
+              <a:pPr/>
               <a:t>35</a:t>
             </a:fld>
             <a:endParaRPr lang="en-US" dirty="0"/>
@@ -13159,7 +13301,7 @@
       </p:sp>
       <p:pic>
         <p:nvPicPr>
-          <p:cNvPr id="6" name="Picture 5"/>
+          <p:cNvPr id="5" name="Picture 4"/>
           <p:cNvPicPr>
             <a:picLocks noChangeAspect="1"/>
           </p:cNvPicPr>
@@ -13179,7 +13321,7 @@
             </a:clrChange>
             <a:extLst>
               <a:ext uri="{28A0092B-C50C-407E-A947-70E740481C1C}">
-                <a14:useLocalDpi xmlns:a14="http://schemas.microsoft.com/office/drawing/2010/main" val="0"/>
+                <a14:useLocalDpi xmlns:a14="http://schemas.microsoft.com/office/drawing/2010/main" xmlns="" val="0"/>
               </a:ext>
             </a:extLst>
           </a:blip>
@@ -13189,28 +13331,31 @@
         </p:blipFill>
         <p:spPr>
           <a:xfrm>
-            <a:off x="886743" y="2052918"/>
-            <a:ext cx="7363853" cy="3648584"/>
+            <a:off x="1103312" y="3009068"/>
+            <a:ext cx="7411484" cy="2934109"/>
           </a:xfrm>
-          <a:prstGeom prst="rect">
-            <a:avLst/>
+          <a:prstGeom prst="roundRect">
+            <a:avLst>
+              <a:gd name="adj" fmla="val 8594"/>
+            </a:avLst>
           </a:prstGeom>
+          <a:solidFill>
+            <a:srgbClr val="FFFFFF">
+              <a:shade val="85000"/>
+            </a:srgbClr>
+          </a:solidFill>
           <a:ln>
             <a:noFill/>
           </a:ln>
           <a:effectLst>
-            <a:outerShdw blurRad="292100" dist="139700" dir="2700000" algn="tl" rotWithShape="0">
-              <a:srgbClr val="333333">
-                <a:alpha val="65000"/>
-              </a:srgbClr>
-            </a:outerShdw>
+            <a:reflection blurRad="12700" stA="38000" endPos="28000" dist="5000" dir="5400000" sy="-100000" algn="bl" rotWithShape="0"/>
           </a:effectLst>
         </p:spPr>
       </p:pic>
     </p:spTree>
     <p:extLst>
       <p:ext uri="{BB962C8B-B14F-4D97-AF65-F5344CB8AC3E}">
-        <p14:creationId xmlns:p14="http://schemas.microsoft.com/office/powerpoint/2010/main" val="3618828069"/>
+        <p14:creationId xmlns:p14="http://schemas.microsoft.com/office/powerpoint/2010/main" xmlns="" val="4157361282"/>
       </p:ext>
     </p:extLst>
   </p:cSld>
@@ -13287,7 +13432,12 @@
             <p:ph idx="1"/>
           </p:nvPr>
         </p:nvSpPr>
-        <p:spPr/>
+        <p:spPr>
+          <a:xfrm>
+            <a:off x="1103312" y="1853248"/>
+            <a:ext cx="8946541" cy="4395151"/>
+          </a:xfrm>
+        </p:spPr>
         <p:txBody>
           <a:bodyPr>
             <a:normAutofit/>
@@ -13295,37 +13445,37 @@
           <a:lstStyle/>
           <a:p>
             <a:r>
+              <a:rPr lang="da-DK" sz="2800" dirty="0" err="1" smtClean="0"/>
+              <a:t>Simplicity</a:t>
+            </a:r>
+            <a:r>
               <a:rPr lang="da-DK" sz="2800" dirty="0" smtClean="0"/>
-              <a:t>Type </a:t>
-            </a:r>
-            <a:r>
-              <a:rPr lang="da-DK" sz="2800" dirty="0" err="1"/>
-              <a:t>checking</a:t>
-            </a:r>
-            <a:r>
-              <a:rPr lang="da-DK" sz="2800" dirty="0"/>
-              <a:t> and </a:t>
-            </a:r>
-            <a:r>
-              <a:rPr lang="da-DK" sz="2800" dirty="0" err="1" smtClean="0"/>
-              <a:t>built</a:t>
-            </a:r>
-            <a:r>
-              <a:rPr lang="da-DK" sz="2800" dirty="0"/>
-              <a:t>-</a:t>
-            </a:r>
-            <a:r>
-              <a:rPr lang="da-DK" sz="2800" dirty="0" smtClean="0"/>
-              <a:t>in </a:t>
-            </a:r>
-            <a:r>
-              <a:rPr lang="da-DK" sz="2800" dirty="0" err="1" smtClean="0"/>
-              <a:t>functions</a:t>
-            </a:r>
-            <a:endParaRPr lang="fr-FR" sz="2800" dirty="0" smtClean="0"/>
-          </a:p>
-          <a:p>
-            <a:endParaRPr lang="fr-FR" sz="2800" dirty="0" smtClean="0"/>
+              <a:t> </a:t>
+            </a:r>
+          </a:p>
+          <a:p>
+            <a:pPr lvl="1"/>
+            <a:r>
+              <a:rPr lang="da-DK" sz="2600" dirty="0" smtClean="0"/>
+              <a:t>SPLAD </a:t>
+            </a:r>
+            <a:r>
+              <a:rPr lang="da-DK" sz="2600" dirty="0"/>
+              <a:t>vs. </a:t>
+            </a:r>
+            <a:r>
+              <a:rPr lang="da-DK" sz="2600" dirty="0" err="1"/>
+              <a:t>Arduino</a:t>
+            </a:r>
+            <a:r>
+              <a:rPr lang="da-DK" sz="2600" dirty="0"/>
+              <a:t> C/C</a:t>
+            </a:r>
+            <a:r>
+              <a:rPr lang="da-DK" sz="2600" dirty="0" smtClean="0"/>
+              <a:t>++</a:t>
+            </a:r>
+            <a:endParaRPr lang="da-DK" sz="2600" dirty="0"/>
           </a:p>
         </p:txBody>
       </p:sp>
@@ -13346,16 +13496,67 @@
           <a:p>
             <a:fld id="{D57F1E4F-1CFF-5643-939E-02111984F565}" type="slidenum">
               <a:rPr lang="en-US" smtClean="0"/>
+              <a:pPr/>
               <a:t>36</a:t>
             </a:fld>
             <a:endParaRPr lang="en-US" dirty="0"/>
           </a:p>
         </p:txBody>
       </p:sp>
+      <p:pic>
+        <p:nvPicPr>
+          <p:cNvPr id="6" name="Picture 5"/>
+          <p:cNvPicPr>
+            <a:picLocks noChangeAspect="1"/>
+          </p:cNvPicPr>
+          <p:nvPr/>
+        </p:nvPicPr>
+        <p:blipFill>
+          <a:blip r:embed="rId2">
+            <a:clrChange>
+              <a:clrFrom>
+                <a:srgbClr val="FFFFFF"/>
+              </a:clrFrom>
+              <a:clrTo>
+                <a:srgbClr val="FFFFFF">
+                  <a:alpha val="0"/>
+                </a:srgbClr>
+              </a:clrTo>
+            </a:clrChange>
+            <a:extLst>
+              <a:ext uri="{28A0092B-C50C-407E-A947-70E740481C1C}">
+                <a14:useLocalDpi xmlns:a14="http://schemas.microsoft.com/office/drawing/2010/main" xmlns="" val="0"/>
+              </a:ext>
+            </a:extLst>
+          </a:blip>
+          <a:stretch>
+            <a:fillRect/>
+          </a:stretch>
+        </p:blipFill>
+        <p:spPr>
+          <a:xfrm>
+            <a:off x="1088221" y="2976941"/>
+            <a:ext cx="7363853" cy="3648584"/>
+          </a:xfrm>
+          <a:prstGeom prst="rect">
+            <a:avLst/>
+          </a:prstGeom>
+          <a:ln>
+            <a:noFill/>
+          </a:ln>
+          <a:effectLst>
+            <a:outerShdw blurRad="292100" dist="139700" dir="2700000" algn="tl" rotWithShape="0">
+              <a:srgbClr val="333333">
+                <a:alpha val="65000"/>
+              </a:srgbClr>
+            </a:outerShdw>
+          </a:effectLst>
+        </p:spPr>
+      </p:pic>
     </p:spTree>
     <p:extLst>
       <p:ext uri="{BB962C8B-B14F-4D97-AF65-F5344CB8AC3E}">
-        <p14:creationId xmlns:p14="http://schemas.microsoft.com/office/powerpoint/2010/main" val="3236351547"/>
+        <p14:creationId xmlns:p14="http://schemas.microsoft.com/office/powerpoint/2010/main" xmlns="" val="4157361282"/>
       </p:ext>
     </p:extLst>
   </p:cSld>
@@ -13391,12 +13592,45 @@
       </p:grpSpPr>
       <p:sp>
         <p:nvSpPr>
-          <p:cNvPr id="2" name="Titel 1"/>
+          <p:cNvPr id="2" name="Title 1"/>
           <p:cNvSpPr>
             <a:spLocks noGrp="1"/>
           </p:cNvSpPr>
           <p:nvPr>
             <p:ph type="title"/>
+          </p:nvPr>
+        </p:nvSpPr>
+        <p:spPr>
+          <a:xfrm>
+            <a:off x="646111" y="452718"/>
+            <a:ext cx="10037931" cy="1400530"/>
+          </a:xfrm>
+        </p:spPr>
+        <p:txBody>
+          <a:bodyPr/>
+          <a:lstStyle/>
+          <a:p>
+            <a:pPr>
+              <a:lnSpc>
+                <a:spcPct val="100000"/>
+              </a:lnSpc>
+            </a:pPr>
+            <a:r>
+              <a:rPr lang="da-DK" sz="4000" dirty="0" err="1" smtClean="0"/>
+              <a:t>Discussion</a:t>
+            </a:r>
+            <a:endParaRPr lang="da-DK" sz="4000" dirty="0"/>
+          </a:p>
+        </p:txBody>
+      </p:sp>
+      <p:sp>
+        <p:nvSpPr>
+          <p:cNvPr id="3" name="Content Placeholder 2"/>
+          <p:cNvSpPr>
+            <a:spLocks noGrp="1"/>
+          </p:cNvSpPr>
+          <p:nvPr>
+            <p:ph idx="1"/>
           </p:nvPr>
         </p:nvSpPr>
         <p:spPr/>
@@ -13407,119 +13641,62 @@
           <a:lstStyle/>
           <a:p>
             <a:r>
-              <a:rPr lang="da-DK" dirty="0" smtClean="0"/>
-              <a:t>Future </a:t>
-            </a:r>
-            <a:r>
-              <a:rPr lang="da-DK" dirty="0" err="1" smtClean="0"/>
-              <a:t>works</a:t>
-            </a:r>
-            <a:endParaRPr lang="da-DK" dirty="0"/>
-          </a:p>
-        </p:txBody>
-      </p:sp>
-      <p:sp>
-        <p:nvSpPr>
-          <p:cNvPr id="3" name="Pladsholder til indhold 2"/>
-          <p:cNvSpPr>
-            <a:spLocks noGrp="1"/>
-          </p:cNvSpPr>
-          <p:nvPr>
-            <p:ph idx="1"/>
+              <a:rPr lang="da-DK" sz="3600" dirty="0" smtClean="0"/>
+              <a:t>Type </a:t>
+            </a:r>
+            <a:r>
+              <a:rPr lang="da-DK" sz="3600" dirty="0" err="1" smtClean="0"/>
+              <a:t>checking</a:t>
+            </a:r>
+            <a:endParaRPr lang="da-DK" sz="3600" dirty="0" smtClean="0"/>
+          </a:p>
+          <a:p>
+            <a:pPr lvl="1"/>
+            <a:r>
+              <a:rPr lang="da-DK" sz="3600" dirty="0" err="1" smtClean="0"/>
+              <a:t>Built-in</a:t>
+            </a:r>
+            <a:r>
+              <a:rPr lang="da-DK" sz="3600" dirty="0" smtClean="0"/>
+              <a:t> Arduino </a:t>
+            </a:r>
+            <a:r>
+              <a:rPr lang="da-DK" sz="3600" dirty="0" err="1" smtClean="0"/>
+              <a:t>functions</a:t>
+            </a:r>
+            <a:endParaRPr lang="da-DK" sz="3600" dirty="0" smtClean="0"/>
+          </a:p>
+          <a:p>
+            <a:pPr lvl="1"/>
+            <a:r>
+              <a:rPr lang="da-DK" sz="3600" dirty="0" err="1" smtClean="0"/>
+              <a:t>Error</a:t>
+            </a:r>
+            <a:r>
+              <a:rPr lang="da-DK" sz="3600" dirty="0" smtClean="0"/>
+              <a:t> handling</a:t>
+            </a:r>
+          </a:p>
+        </p:txBody>
+      </p:sp>
+      <p:sp>
+        <p:nvSpPr>
+          <p:cNvPr id="4" name="Slide Number Placeholder 3"/>
+          <p:cNvSpPr>
+            <a:spLocks noGrp="1"/>
+          </p:cNvSpPr>
+          <p:nvPr>
+            <p:ph type="sldNum" sz="quarter" idx="12"/>
           </p:nvPr>
         </p:nvSpPr>
         <p:spPr/>
         <p:txBody>
-          <a:bodyPr>
-            <a:normAutofit/>
-          </a:bodyPr>
-          <a:lstStyle/>
-          <a:p>
-            <a:r>
-              <a:rPr lang="da-DK" sz="2800" dirty="0" smtClean="0"/>
-              <a:t>The </a:t>
-            </a:r>
-            <a:r>
-              <a:rPr lang="da-DK" sz="2800" dirty="0" err="1" smtClean="0"/>
-              <a:t>compiler</a:t>
-            </a:r>
-            <a:endParaRPr lang="da-DK" sz="2800" dirty="0" smtClean="0"/>
-          </a:p>
-          <a:p>
-            <a:r>
-              <a:rPr lang="da-DK" sz="2800" dirty="0" smtClean="0"/>
-              <a:t>The </a:t>
-            </a:r>
-            <a:r>
-              <a:rPr lang="da-DK" sz="2800" dirty="0" err="1" smtClean="0"/>
-              <a:t>language</a:t>
-            </a:r>
-            <a:r>
-              <a:rPr lang="da-DK" sz="2800" dirty="0" smtClean="0"/>
-              <a:t> types</a:t>
-            </a:r>
-          </a:p>
-          <a:p>
-            <a:r>
-              <a:rPr lang="da-DK" sz="2800" dirty="0" err="1" smtClean="0"/>
-              <a:t>Security</a:t>
-            </a:r>
-            <a:endParaRPr lang="da-DK" sz="2800" dirty="0" smtClean="0"/>
-          </a:p>
-          <a:p>
-            <a:r>
-              <a:rPr lang="da-DK" sz="2800" dirty="0" err="1" smtClean="0"/>
-              <a:t>Error</a:t>
-            </a:r>
-            <a:r>
-              <a:rPr lang="da-DK" sz="2800" dirty="0" smtClean="0"/>
-              <a:t> handling</a:t>
-            </a:r>
-          </a:p>
-          <a:p>
-            <a:r>
-              <a:rPr lang="da-DK" sz="2800" dirty="0" err="1" smtClean="0"/>
-              <a:t>Mulitiple</a:t>
-            </a:r>
-            <a:r>
-              <a:rPr lang="da-DK" sz="2800" dirty="0" smtClean="0"/>
-              <a:t> drinks</a:t>
-            </a:r>
-          </a:p>
-          <a:p>
-            <a:r>
-              <a:rPr lang="da-DK" sz="2800" dirty="0" err="1" smtClean="0"/>
-              <a:t>Only</a:t>
-            </a:r>
-            <a:r>
-              <a:rPr lang="da-DK" sz="2800" dirty="0" smtClean="0"/>
-              <a:t> </a:t>
-            </a:r>
-            <a:r>
-              <a:rPr lang="da-DK" sz="2800" dirty="0" err="1" smtClean="0"/>
-              <a:t>pour</a:t>
-            </a:r>
-            <a:endParaRPr lang="da-DK" sz="2800" dirty="0"/>
-          </a:p>
-        </p:txBody>
-      </p:sp>
-      <p:sp>
-        <p:nvSpPr>
-          <p:cNvPr id="4" name="Slide Number Placeholder 3"/>
-          <p:cNvSpPr>
-            <a:spLocks noGrp="1"/>
-          </p:cNvSpPr>
-          <p:nvPr>
-            <p:ph type="sldNum" sz="quarter" idx="12"/>
-          </p:nvPr>
-        </p:nvSpPr>
-        <p:spPr/>
-        <p:txBody>
           <a:bodyPr/>
           <a:lstStyle/>
           <a:p>
             <a:fld id="{D57F1E4F-1CFF-5643-939E-02111984F565}" type="slidenum">
               <a:rPr lang="en-US" smtClean="0"/>
+              <a:pPr/>
               <a:t>37</a:t>
             </a:fld>
             <a:endParaRPr lang="en-US" dirty="0"/>
@@ -13529,7 +13706,7 @@
     </p:spTree>
     <p:extLst>
       <p:ext uri="{BB962C8B-B14F-4D97-AF65-F5344CB8AC3E}">
-        <p14:creationId xmlns:p14="http://schemas.microsoft.com/office/powerpoint/2010/main" val="1832533540"/>
+        <p14:creationId xmlns:p14="http://schemas.microsoft.com/office/powerpoint/2010/main" xmlns="" val="3236351547"/>
       </p:ext>
     </p:extLst>
   </p:cSld>
@@ -13565,6 +13742,193 @@
       </p:grpSpPr>
       <p:sp>
         <p:nvSpPr>
+          <p:cNvPr id="2" name="Titel 1"/>
+          <p:cNvSpPr>
+            <a:spLocks noGrp="1"/>
+          </p:cNvSpPr>
+          <p:nvPr>
+            <p:ph type="title"/>
+          </p:nvPr>
+        </p:nvSpPr>
+        <p:spPr/>
+        <p:txBody>
+          <a:bodyPr>
+            <a:normAutofit/>
+          </a:bodyPr>
+          <a:lstStyle/>
+          <a:p>
+            <a:r>
+              <a:rPr lang="da-DK" dirty="0" smtClean="0"/>
+              <a:t>Future </a:t>
+            </a:r>
+            <a:r>
+              <a:rPr lang="da-DK" dirty="0" err="1" smtClean="0"/>
+              <a:t>works</a:t>
+            </a:r>
+            <a:endParaRPr lang="da-DK" dirty="0"/>
+          </a:p>
+        </p:txBody>
+      </p:sp>
+      <p:sp>
+        <p:nvSpPr>
+          <p:cNvPr id="3" name="Pladsholder til indhold 2"/>
+          <p:cNvSpPr>
+            <a:spLocks noGrp="1"/>
+          </p:cNvSpPr>
+          <p:nvPr>
+            <p:ph idx="1"/>
+          </p:nvPr>
+        </p:nvSpPr>
+        <p:spPr/>
+        <p:txBody>
+          <a:bodyPr>
+            <a:normAutofit/>
+          </a:bodyPr>
+          <a:lstStyle/>
+          <a:p>
+            <a:r>
+              <a:rPr lang="da-DK" sz="2800" dirty="0" err="1" smtClean="0"/>
+              <a:t>Compile</a:t>
+            </a:r>
+            <a:r>
+              <a:rPr lang="da-DK" sz="2800" dirty="0" smtClean="0"/>
+              <a:t> to </a:t>
+            </a:r>
+            <a:r>
+              <a:rPr lang="da-DK" sz="2800" dirty="0" err="1" smtClean="0"/>
+              <a:t>machine</a:t>
+            </a:r>
+            <a:r>
+              <a:rPr lang="da-DK" sz="2800" dirty="0" smtClean="0"/>
+              <a:t> </a:t>
+            </a:r>
+            <a:r>
+              <a:rPr lang="da-DK" sz="2800" dirty="0" err="1" smtClean="0"/>
+              <a:t>code</a:t>
+            </a:r>
+            <a:endParaRPr lang="da-DK" sz="2800" dirty="0" smtClean="0"/>
+          </a:p>
+          <a:p>
+            <a:r>
+              <a:rPr lang="da-DK" sz="2800" dirty="0" smtClean="0"/>
+              <a:t>The </a:t>
+            </a:r>
+            <a:r>
+              <a:rPr lang="da-DK" sz="2800" dirty="0" err="1" smtClean="0"/>
+              <a:t>language</a:t>
+            </a:r>
+            <a:r>
+              <a:rPr lang="da-DK" sz="2800" dirty="0" smtClean="0"/>
+              <a:t> types</a:t>
+            </a:r>
+          </a:p>
+          <a:p>
+            <a:r>
+              <a:rPr lang="da-DK" sz="2800" dirty="0" err="1" smtClean="0"/>
+              <a:t>Security</a:t>
+            </a:r>
+            <a:endParaRPr lang="da-DK" sz="2800" dirty="0" smtClean="0"/>
+          </a:p>
+          <a:p>
+            <a:r>
+              <a:rPr lang="da-DK" sz="2800" dirty="0" err="1" smtClean="0"/>
+              <a:t>Error</a:t>
+            </a:r>
+            <a:r>
+              <a:rPr lang="da-DK" sz="2800" dirty="0" smtClean="0"/>
+              <a:t> handling</a:t>
+            </a:r>
+          </a:p>
+          <a:p>
+            <a:r>
+              <a:rPr lang="da-DK" sz="2800" dirty="0" err="1" smtClean="0"/>
+              <a:t>Mulitiple</a:t>
+            </a:r>
+            <a:r>
+              <a:rPr lang="da-DK" sz="2800" dirty="0" smtClean="0"/>
+              <a:t> drinks</a:t>
+            </a:r>
+          </a:p>
+          <a:p>
+            <a:r>
+              <a:rPr lang="da-DK" sz="2800" dirty="0" err="1" smtClean="0"/>
+              <a:t>Only</a:t>
+            </a:r>
+            <a:r>
+              <a:rPr lang="da-DK" sz="2800" dirty="0" smtClean="0"/>
+              <a:t> </a:t>
+            </a:r>
+            <a:r>
+              <a:rPr lang="da-DK" sz="2800" dirty="0" err="1" smtClean="0"/>
+              <a:t>pour</a:t>
+            </a:r>
+            <a:endParaRPr lang="da-DK" sz="2800" dirty="0"/>
+          </a:p>
+        </p:txBody>
+      </p:sp>
+      <p:sp>
+        <p:nvSpPr>
+          <p:cNvPr id="4" name="Slide Number Placeholder 3"/>
+          <p:cNvSpPr>
+            <a:spLocks noGrp="1"/>
+          </p:cNvSpPr>
+          <p:nvPr>
+            <p:ph type="sldNum" sz="quarter" idx="12"/>
+          </p:nvPr>
+        </p:nvSpPr>
+        <p:spPr/>
+        <p:txBody>
+          <a:bodyPr/>
+          <a:lstStyle/>
+          <a:p>
+            <a:fld id="{D57F1E4F-1CFF-5643-939E-02111984F565}" type="slidenum">
+              <a:rPr lang="en-US" smtClean="0"/>
+              <a:pPr/>
+              <a:t>38</a:t>
+            </a:fld>
+            <a:endParaRPr lang="en-US" dirty="0"/>
+          </a:p>
+        </p:txBody>
+      </p:sp>
+    </p:spTree>
+    <p:extLst>
+      <p:ext uri="{BB962C8B-B14F-4D97-AF65-F5344CB8AC3E}">
+        <p14:creationId xmlns:p14="http://schemas.microsoft.com/office/powerpoint/2010/main" xmlns="" val="1832533540"/>
+      </p:ext>
+    </p:extLst>
+  </p:cSld>
+  <p:clrMapOvr>
+    <a:masterClrMapping/>
+  </p:clrMapOvr>
+  <p:timing>
+    <p:tnLst>
+      <p:par>
+        <p:cTn id="1" dur="indefinite" restart="never" nodeType="tmRoot"/>
+      </p:par>
+    </p:tnLst>
+  </p:timing>
+</p:sld>
+</file>
+
+<file path=ppt/slides/slide39.xml><?xml version="1.0" encoding="utf-8"?>
+<p:sld xmlns:a="http://schemas.openxmlformats.org/drawingml/2006/main" xmlns:r="http://schemas.openxmlformats.org/officeDocument/2006/relationships" xmlns:p="http://schemas.openxmlformats.org/presentationml/2006/main">
+  <p:cSld>
+    <p:spTree>
+      <p:nvGrpSpPr>
+        <p:cNvPr id="1" name=""/>
+        <p:cNvGrpSpPr/>
+        <p:nvPr/>
+      </p:nvGrpSpPr>
+      <p:grpSpPr>
+        <a:xfrm>
+          <a:off x="0" y="0"/>
+          <a:ext cx="0" cy="0"/>
+          <a:chOff x="0" y="0"/>
+          <a:chExt cx="0" cy="0"/>
+        </a:xfrm>
+      </p:grpSpPr>
+      <p:sp>
+        <p:nvSpPr>
           <p:cNvPr id="2" name="Title 1"/>
           <p:cNvSpPr>
             <a:spLocks noGrp="1"/>
@@ -13606,7 +13970,12 @@
             <p:ph idx="1"/>
           </p:nvPr>
         </p:nvSpPr>
-        <p:spPr/>
+        <p:spPr>
+          <a:xfrm>
+            <a:off x="1103312" y="1797804"/>
+            <a:ext cx="8946541" cy="4450596"/>
+          </a:xfrm>
+        </p:spPr>
         <p:txBody>
           <a:bodyPr>
             <a:normAutofit/>
@@ -13703,44 +14072,81 @@
             </a:r>
             <a:r>
               <a:rPr lang="da-DK" sz="2800" dirty="0"/>
-              <a:t> on </a:t>
-            </a:r>
-            <a:r>
-              <a:rPr lang="da-DK" sz="2800" dirty="0" err="1"/>
-              <a:t>Arduino</a:t>
-            </a:r>
-            <a:r>
-              <a:rPr lang="da-DK" sz="2800" dirty="0"/>
-              <a:t> platforms</a:t>
+              <a:t> on Arduino platforms</a:t>
             </a:r>
             <a:r>
               <a:rPr lang="da-DK" sz="2800" dirty="0" smtClean="0"/>
               <a:t>?”</a:t>
             </a:r>
-            <a:endParaRPr lang="da-DK" sz="2800" dirty="0"/>
-          </a:p>
-          <a:p>
-            <a:r>
-              <a:rPr lang="fr-FR" sz="2800" dirty="0" err="1" smtClean="0"/>
-              <a:t>Fulfillment</a:t>
-            </a:r>
-            <a:r>
-              <a:rPr lang="fr-FR" sz="2800" dirty="0" smtClean="0"/>
-              <a:t> of the </a:t>
-            </a:r>
-            <a:r>
-              <a:rPr lang="fr-FR" sz="2800" dirty="0" err="1" smtClean="0"/>
-              <a:t>problem</a:t>
-            </a:r>
-            <a:r>
-              <a:rPr lang="fr-FR" sz="2800" dirty="0" smtClean="0"/>
+          </a:p>
+          <a:p>
+            <a:r>
+              <a:rPr lang="da-DK" sz="2800" dirty="0" err="1" smtClean="0"/>
+              <a:t>Increased</a:t>
+            </a:r>
+            <a:r>
+              <a:rPr lang="da-DK" sz="2800" dirty="0" smtClean="0"/>
               <a:t> </a:t>
             </a:r>
             <a:r>
-              <a:rPr lang="fr-FR" sz="2800" dirty="0" err="1" smtClean="0"/>
-              <a:t>statment</a:t>
-            </a:r>
-            <a:endParaRPr lang="fr-FR" sz="2800" dirty="0" smtClean="0"/>
+              <a:rPr lang="da-DK" sz="2800" dirty="0" err="1" smtClean="0"/>
+              <a:t>readability</a:t>
+            </a:r>
+            <a:endParaRPr lang="da-DK" sz="2800" dirty="0" smtClean="0"/>
+          </a:p>
+          <a:p>
+            <a:pPr lvl="1"/>
+            <a:r>
+              <a:rPr lang="da-DK" sz="2600" dirty="0" err="1" smtClean="0"/>
+              <a:t>No</a:t>
+            </a:r>
+            <a:r>
+              <a:rPr lang="da-DK" sz="2600" dirty="0" smtClean="0"/>
+              <a:t> </a:t>
+            </a:r>
+            <a:r>
+              <a:rPr lang="da-DK" sz="2600" dirty="0" err="1" smtClean="0"/>
+              <a:t>shorthands</a:t>
+            </a:r>
+            <a:endParaRPr lang="da-DK" sz="2600" dirty="0" smtClean="0"/>
+          </a:p>
+          <a:p>
+            <a:pPr lvl="1"/>
+            <a:r>
+              <a:rPr lang="da-DK" sz="2600" dirty="0" smtClean="0"/>
+              <a:t>The </a:t>
+            </a:r>
+            <a:r>
+              <a:rPr lang="da-DK" sz="2600" dirty="0" err="1" smtClean="0"/>
+              <a:t>assignment</a:t>
+            </a:r>
+            <a:r>
+              <a:rPr lang="da-DK" sz="2600" dirty="0" smtClean="0"/>
+              <a:t> </a:t>
+            </a:r>
+            <a:r>
+              <a:rPr lang="da-DK" sz="2600" dirty="0" err="1" smtClean="0"/>
+              <a:t>arrow</a:t>
+            </a:r>
+            <a:r>
+              <a:rPr lang="da-DK" sz="2600" dirty="0" smtClean="0"/>
+              <a:t> &lt;-- </a:t>
+            </a:r>
+          </a:p>
+          <a:p>
+            <a:r>
+              <a:rPr lang="da-DK" sz="2800" dirty="0" err="1" smtClean="0"/>
+              <a:t>Our</a:t>
+            </a:r>
+            <a:r>
+              <a:rPr lang="da-DK" sz="2800" dirty="0" smtClean="0"/>
+              <a:t> </a:t>
+            </a:r>
+            <a:r>
+              <a:rPr lang="da-DK" sz="2800" dirty="0" err="1" smtClean="0"/>
+              <a:t>compiler</a:t>
+            </a:r>
+            <a:endParaRPr lang="da-DK" sz="2800" dirty="0" smtClean="0"/>
           </a:p>
         </p:txBody>
       </p:sp>
@@ -13761,7 +14167,8 @@
           <a:p>
             <a:fld id="{D57F1E4F-1CFF-5643-939E-02111984F565}" type="slidenum">
               <a:rPr lang="en-US" smtClean="0"/>
-              <a:t>38</a:t>
+              <a:pPr/>
+              <a:t>39</a:t>
             </a:fld>
             <a:endParaRPr lang="en-US" dirty="0"/>
           </a:p>
@@ -13770,7 +14177,7 @@
     </p:spTree>
     <p:extLst>
       <p:ext uri="{BB962C8B-B14F-4D97-AF65-F5344CB8AC3E}">
-        <p14:creationId xmlns:p14="http://schemas.microsoft.com/office/powerpoint/2010/main" val="3511873530"/>
+        <p14:creationId xmlns:p14="http://schemas.microsoft.com/office/powerpoint/2010/main" xmlns="" val="3511873530"/>
       </p:ext>
     </p:extLst>
   </p:cSld>
@@ -13883,11 +14290,7 @@
             </a:r>
             <a:r>
               <a:rPr lang="fr-FR" sz="2800" dirty="0" smtClean="0"/>
-              <a:t> </a:t>
-            </a:r>
-            <a:r>
-              <a:rPr lang="fr-FR" sz="2800" dirty="0" smtClean="0"/>
-              <a:t>the </a:t>
+              <a:t> the </a:t>
             </a:r>
             <a:r>
               <a:rPr lang="fr-FR" sz="2800" dirty="0" err="1" smtClean="0"/>
@@ -13943,6 +14346,7 @@
           <a:p>
             <a:fld id="{D57F1E4F-1CFF-5643-939E-02111984F565}" type="slidenum">
               <a:rPr lang="en-US" smtClean="0"/>
+              <a:pPr/>
               <a:t>4</a:t>
             </a:fld>
             <a:endParaRPr lang="en-US" dirty="0"/>
@@ -13952,7 +14356,7 @@
     </p:spTree>
     <p:extLst>
       <p:ext uri="{BB962C8B-B14F-4D97-AF65-F5344CB8AC3E}">
-        <p14:creationId xmlns:p14="http://schemas.microsoft.com/office/powerpoint/2010/main" val="1877408611"/>
+        <p14:creationId xmlns:p14="http://schemas.microsoft.com/office/powerpoint/2010/main" xmlns="" val="1877408611"/>
       </p:ext>
     </p:extLst>
   </p:cSld>
@@ -14077,11 +14481,7 @@
             </a:r>
             <a:r>
               <a:rPr lang="fr-FR" sz="2800" dirty="0" smtClean="0"/>
-              <a:t>t</a:t>
-            </a:r>
-            <a:r>
-              <a:rPr lang="fr-FR" sz="2800" dirty="0" smtClean="0"/>
-              <a:t>he </a:t>
+              <a:t>the </a:t>
             </a:r>
             <a:r>
               <a:rPr lang="fr-FR" sz="2800" dirty="0" err="1"/>
@@ -14159,6 +14559,7 @@
           <a:p>
             <a:fld id="{D57F1E4F-1CFF-5643-939E-02111984F565}" type="slidenum">
               <a:rPr lang="en-US" smtClean="0"/>
+              <a:pPr/>
               <a:t>5</a:t>
             </a:fld>
             <a:endParaRPr lang="en-US" dirty="0"/>
@@ -14168,7 +14569,7 @@
     </p:spTree>
     <p:extLst>
       <p:ext uri="{BB962C8B-B14F-4D97-AF65-F5344CB8AC3E}">
-        <p14:creationId xmlns:p14="http://schemas.microsoft.com/office/powerpoint/2010/main" val="2725437142"/>
+        <p14:creationId xmlns:p14="http://schemas.microsoft.com/office/powerpoint/2010/main" xmlns="" val="2725437142"/>
       </p:ext>
     </p:extLst>
   </p:cSld>
@@ -14303,6 +14704,7 @@
           <a:p>
             <a:fld id="{D57F1E4F-1CFF-5643-939E-02111984F565}" type="slidenum">
               <a:rPr lang="en-US" smtClean="0"/>
+              <a:pPr/>
               <a:t>6</a:t>
             </a:fld>
             <a:endParaRPr lang="en-US" dirty="0"/>
@@ -14312,7 +14714,7 @@
     </p:spTree>
     <p:extLst>
       <p:ext uri="{BB962C8B-B14F-4D97-AF65-F5344CB8AC3E}">
-        <p14:creationId xmlns:p14="http://schemas.microsoft.com/office/powerpoint/2010/main" val="2662647360"/>
+        <p14:creationId xmlns:p14="http://schemas.microsoft.com/office/powerpoint/2010/main" xmlns="" val="2662647360"/>
       </p:ext>
     </p:extLst>
   </p:cSld>
@@ -14398,15 +14800,7 @@
           <a:p>
             <a:r>
               <a:rPr lang="en-US" sz="2800" dirty="0" smtClean="0"/>
-              <a:t>Readability is </a:t>
-            </a:r>
-            <a:r>
-              <a:rPr lang="en-US" sz="2800" dirty="0" smtClean="0"/>
-              <a:t>prioritized </a:t>
-            </a:r>
-            <a:r>
-              <a:rPr lang="en-US" sz="2800" dirty="0" smtClean="0"/>
-              <a:t>high</a:t>
+              <a:t>Readability is prioritized high</a:t>
             </a:r>
           </a:p>
           <a:p>
@@ -14439,6 +14833,7 @@
           <a:p>
             <a:fld id="{D57F1E4F-1CFF-5643-939E-02111984F565}" type="slidenum">
               <a:rPr lang="en-US" smtClean="0"/>
+              <a:pPr/>
               <a:t>7</a:t>
             </a:fld>
             <a:endParaRPr lang="en-US" dirty="0"/>
@@ -14448,7 +14843,7 @@
     </p:spTree>
     <p:extLst>
       <p:ext uri="{BB962C8B-B14F-4D97-AF65-F5344CB8AC3E}">
-        <p14:creationId xmlns:p14="http://schemas.microsoft.com/office/powerpoint/2010/main" val="4065155768"/>
+        <p14:creationId xmlns:p14="http://schemas.microsoft.com/office/powerpoint/2010/main" xmlns="" val="4065155768"/>
       </p:ext>
     </p:extLst>
   </p:cSld>
@@ -14523,7 +14918,7 @@
           <a:blip r:embed="rId2">
             <a:extLst>
               <a:ext uri="{28A0092B-C50C-407E-A947-70E740481C1C}">
-                <a14:useLocalDpi xmlns:a14="http://schemas.microsoft.com/office/drawing/2010/main" val="0"/>
+                <a14:useLocalDpi xmlns:a14="http://schemas.microsoft.com/office/drawing/2010/main" xmlns="" val="0"/>
               </a:ext>
             </a:extLst>
           </a:blip>
@@ -14555,7 +14950,7 @@
           </a:effectLst>
           <a:extLst>
             <a:ext uri="{91240B29-F687-4F45-9708-019B960494DF}">
-              <a14:hiddenLine xmlns:a14="http://schemas.microsoft.com/office/drawing/2010/main" w="9525">
+              <a14:hiddenLine xmlns:a14="http://schemas.microsoft.com/office/drawing/2010/main" xmlns="" w="9525">
                 <a:solidFill>
                   <a:schemeClr val="tx1"/>
                 </a:solidFill>
@@ -14565,7 +14960,7 @@
               </a14:hiddenLine>
             </a:ext>
             <a:ext uri="{AF507438-7753-43E0-B8FC-AC1667EBCBE1}">
-              <a14:hiddenEffects xmlns:a14="http://schemas.microsoft.com/office/drawing/2010/main">
+              <a14:hiddenEffects xmlns:a14="http://schemas.microsoft.com/office/drawing/2010/main" xmlns="">
                 <a:effectLst>
                   <a:outerShdw dist="35921" dir="2700000" algn="ctr" rotWithShape="0">
                     <a:schemeClr val="bg2"/>
@@ -14588,7 +14983,7 @@
           <a:blip r:embed="rId3">
             <a:extLst>
               <a:ext uri="{28A0092B-C50C-407E-A947-70E740481C1C}">
-                <a14:useLocalDpi xmlns:a14="http://schemas.microsoft.com/office/drawing/2010/main" val="0"/>
+                <a14:useLocalDpi xmlns:a14="http://schemas.microsoft.com/office/drawing/2010/main" xmlns="" val="0"/>
               </a:ext>
             </a:extLst>
           </a:blip>
@@ -14620,7 +15015,7 @@
           </a:effectLst>
           <a:extLst>
             <a:ext uri="{91240B29-F687-4F45-9708-019B960494DF}">
-              <a14:hiddenLine xmlns:a14="http://schemas.microsoft.com/office/drawing/2010/main" w="9525">
+              <a14:hiddenLine xmlns:a14="http://schemas.microsoft.com/office/drawing/2010/main" xmlns="" w="9525">
                 <a:solidFill>
                   <a:schemeClr val="tx1"/>
                 </a:solidFill>
@@ -14630,7 +15025,7 @@
               </a14:hiddenLine>
             </a:ext>
             <a:ext uri="{AF507438-7753-43E0-B8FC-AC1667EBCBE1}">
-              <a14:hiddenEffects xmlns:a14="http://schemas.microsoft.com/office/drawing/2010/main">
+              <a14:hiddenEffects xmlns:a14="http://schemas.microsoft.com/office/drawing/2010/main" xmlns="">
                 <a:effectLst>
                   <a:outerShdw dist="35921" dir="2700000" algn="ctr" rotWithShape="0">
                     <a:schemeClr val="bg2"/>
@@ -14658,6 +15053,7 @@
           <a:p>
             <a:fld id="{D57F1E4F-1CFF-5643-939E-02111984F565}" type="slidenum">
               <a:rPr lang="en-US" smtClean="0"/>
+              <a:pPr/>
               <a:t>8</a:t>
             </a:fld>
             <a:endParaRPr lang="en-US" dirty="0"/>
@@ -14667,7 +15063,7 @@
     </p:spTree>
     <p:extLst>
       <p:ext uri="{BB962C8B-B14F-4D97-AF65-F5344CB8AC3E}">
-        <p14:creationId xmlns:p14="http://schemas.microsoft.com/office/powerpoint/2010/main" val="1076587920"/>
+        <p14:creationId xmlns:p14="http://schemas.microsoft.com/office/powerpoint/2010/main" xmlns="" val="1076587920"/>
       </p:ext>
     </p:extLst>
   </p:cSld>
@@ -14827,6 +15223,7 @@
           <a:p>
             <a:fld id="{D57F1E4F-1CFF-5643-939E-02111984F565}" type="slidenum">
               <a:rPr lang="en-US" smtClean="0"/>
+              <a:pPr/>
               <a:t>9</a:t>
             </a:fld>
             <a:endParaRPr lang="en-US" dirty="0"/>
@@ -14836,7 +15233,7 @@
     </p:spTree>
     <p:extLst>
       <p:ext uri="{BB962C8B-B14F-4D97-AF65-F5344CB8AC3E}">
-        <p14:creationId xmlns:p14="http://schemas.microsoft.com/office/powerpoint/2010/main" val="2965639071"/>
+        <p14:creationId xmlns:p14="http://schemas.microsoft.com/office/powerpoint/2010/main" xmlns="" val="2965639071"/>
       </p:ext>
     </p:extLst>
   </p:cSld>
@@ -14896,7 +15293,7 @@
     </a:clrScheme>
     <a:fontScheme name="Ion">
       <a:majorFont>
-        <a:latin typeface="Century Gothic" panose="020B0502020202020204"/>
+        <a:latin typeface="Century Gothic"/>
         <a:ea typeface=""/>
         <a:cs typeface=""/>
         <a:font script="Jpan" typeface="メイリオ"/>
@@ -14931,7 +15328,7 @@
         <a:font script="Geor" typeface="Sylfaen"/>
       </a:majorFont>
       <a:minorFont>
-        <a:latin typeface="Century Gothic" panose="020B0502020202020204"/>
+        <a:latin typeface="Century Gothic"/>
         <a:ea typeface=""/>
         <a:cs typeface=""/>
         <a:font script="Jpan" typeface="メイリオ"/>
@@ -15112,7 +15509,7 @@
   <a:extraClrSchemeLst/>
   <a:extLst>
     <a:ext uri="{05A4C25C-085E-4340-85A3-A5531E510DB2}">
-      <thm15:themeFamily xmlns:thm15="http://schemas.microsoft.com/office/thememl/2012/main" name="Ion" id="{B8441ADB-2E43-4AF7-B97A-BD870242C6A8}" vid="{BACC050B-8757-4460-95D8-E37B46A6B421}"/>
+      <thm15:themeFamily xmlns:thm15="http://schemas.microsoft.com/office/thememl/2012/main" xmlns="" name="Ion" id="{B8441ADB-2E43-4AF7-B97A-BD870242C6A8}" vid="{BACC050B-8757-4460-95D8-E37B46A6B421}"/>
     </a:ext>
   </a:extLst>
 </a:theme>
@@ -15161,7 +15558,7 @@
     </a:clrScheme>
     <a:fontScheme name="Office">
       <a:majorFont>
-        <a:latin typeface="Calibri Light" panose="020F0302020204030204"/>
+        <a:latin typeface="Calibri Light"/>
         <a:ea typeface=""/>
         <a:cs typeface=""/>
         <a:font script="Jpan" typeface="ＭＳ Ｐゴシック"/>
@@ -15196,7 +15593,7 @@
         <a:font script="Geor" typeface="Sylfaen"/>
       </a:majorFont>
       <a:minorFont>
-        <a:latin typeface="Calibri" panose="020F0502020204030204"/>
+        <a:latin typeface="Calibri"/>
         <a:ea typeface=""/>
         <a:cs typeface=""/>
         <a:font script="Jpan" typeface="ＭＳ Ｐゴシック"/>
@@ -15373,7 +15770,7 @@
   <a:extraClrSchemeLst/>
   <a:extLst>
     <a:ext uri="{05A4C25C-085E-4340-85A3-A5531E510DB2}">
-      <thm15:themeFamily xmlns:thm15="http://schemas.microsoft.com/office/thememl/2012/main" name="Office Theme" id="{62F939B6-93AF-4DB8-9C6B-D6C7DFDC589F}" vid="{4A3C46E8-61CC-4603-A589-7422A47A8E4A}"/>
+      <thm15:themeFamily xmlns:thm15="http://schemas.microsoft.com/office/thememl/2012/main" xmlns="" name="Office Theme" id="{62F939B6-93AF-4DB8-9C6B-D6C7DFDC589F}" vid="{4A3C46E8-61CC-4603-A589-7422A47A8E4A}"/>
     </a:ext>
   </a:extLst>
 </a:theme>

--- a/P4 PræsentationNY.pptx
+++ b/P4 PræsentationNY.pptx
@@ -147,7 +147,7 @@
   </p:defaultTextStyle>
   <p:extLst>
     <p:ext uri="{EFAFB233-063F-42B5-8137-9DF3F51BA10A}">
-      <p15:sldGuideLst xmlns:p15="http://schemas.microsoft.com/office/powerpoint/2012/main" xmlns=""/>
+      <p15:sldGuideLst xmlns="" xmlns:p15="http://schemas.microsoft.com/office/powerpoint/2012/main"/>
     </p:ext>
   </p:extLst>
 </p:presentation>
@@ -405,7 +405,7 @@
     </p:spTree>
     <p:extLst>
       <p:ext uri="{BB962C8B-B14F-4D97-AF65-F5344CB8AC3E}">
-        <p14:creationId xmlns:p14="http://schemas.microsoft.com/office/powerpoint/2010/main" xmlns="" val="3698641948"/>
+        <p14:creationId xmlns:p14="http://schemas.microsoft.com/office/powerpoint/2010/main" val="3698641948"/>
       </p:ext>
     </p:extLst>
   </p:cSld>
@@ -580,7 +580,7 @@
     </p:spTree>
     <p:extLst>
       <p:ext uri="{BB962C8B-B14F-4D97-AF65-F5344CB8AC3E}">
-        <p14:creationId xmlns:p14="http://schemas.microsoft.com/office/powerpoint/2010/main" xmlns="" val="1525341716"/>
+        <p14:creationId xmlns:p14="http://schemas.microsoft.com/office/powerpoint/2010/main" val="1525341716"/>
       </p:ext>
     </p:extLst>
   </p:cSld>
@@ -665,7 +665,7 @@
     </p:spTree>
     <p:extLst>
       <p:ext uri="{BB962C8B-B14F-4D97-AF65-F5344CB8AC3E}">
-        <p14:creationId xmlns:p14="http://schemas.microsoft.com/office/powerpoint/2010/main" xmlns="" val="3121044800"/>
+        <p14:creationId xmlns:p14="http://schemas.microsoft.com/office/powerpoint/2010/main" val="3121044800"/>
       </p:ext>
     </p:extLst>
   </p:cSld>
@@ -814,7 +814,7 @@
     </p:spTree>
     <p:extLst>
       <p:ext uri="{BB962C8B-B14F-4D97-AF65-F5344CB8AC3E}">
-        <p14:creationId xmlns:p14="http://schemas.microsoft.com/office/powerpoint/2010/main" xmlns="" val="1959102068"/>
+        <p14:creationId xmlns:p14="http://schemas.microsoft.com/office/powerpoint/2010/main" val="1959102068"/>
       </p:ext>
     </p:extLst>
   </p:cSld>
@@ -1219,7 +1219,7 @@
     </p:spTree>
     <p:extLst>
       <p:ext uri="{BB962C8B-B14F-4D97-AF65-F5344CB8AC3E}">
-        <p14:creationId xmlns:p14="http://schemas.microsoft.com/office/powerpoint/2010/main" xmlns="" val="3139743069"/>
+        <p14:creationId xmlns:p14="http://schemas.microsoft.com/office/powerpoint/2010/main" val="3139743069"/>
       </p:ext>
     </p:extLst>
   </p:cSld>
@@ -1465,7 +1465,7 @@
     </p:spTree>
     <p:extLst>
       <p:ext uri="{BB962C8B-B14F-4D97-AF65-F5344CB8AC3E}">
-        <p14:creationId xmlns:p14="http://schemas.microsoft.com/office/powerpoint/2010/main" xmlns="" val="732864836"/>
+        <p14:creationId xmlns:p14="http://schemas.microsoft.com/office/powerpoint/2010/main" val="732864836"/>
       </p:ext>
     </p:extLst>
   </p:cSld>
@@ -1742,7 +1742,7 @@
     </p:spTree>
     <p:extLst>
       <p:ext uri="{BB962C8B-B14F-4D97-AF65-F5344CB8AC3E}">
-        <p14:creationId xmlns:p14="http://schemas.microsoft.com/office/powerpoint/2010/main" xmlns="" val="1500031978"/>
+        <p14:creationId xmlns:p14="http://schemas.microsoft.com/office/powerpoint/2010/main" val="1500031978"/>
       </p:ext>
     </p:extLst>
   </p:cSld>
@@ -1938,7 +1938,7 @@
     </p:spTree>
     <p:extLst>
       <p:ext uri="{BB962C8B-B14F-4D97-AF65-F5344CB8AC3E}">
-        <p14:creationId xmlns:p14="http://schemas.microsoft.com/office/powerpoint/2010/main" xmlns="" val="3662668711"/>
+        <p14:creationId xmlns:p14="http://schemas.microsoft.com/office/powerpoint/2010/main" val="3662668711"/>
       </p:ext>
     </p:extLst>
   </p:cSld>
@@ -2296,7 +2296,7 @@
     </p:spTree>
     <p:extLst>
       <p:ext uri="{BB962C8B-B14F-4D97-AF65-F5344CB8AC3E}">
-        <p14:creationId xmlns:p14="http://schemas.microsoft.com/office/powerpoint/2010/main" xmlns="" val="1219518226"/>
+        <p14:creationId xmlns:p14="http://schemas.microsoft.com/office/powerpoint/2010/main" val="1219518226"/>
       </p:ext>
     </p:extLst>
   </p:cSld>
@@ -2542,7 +2542,7 @@
     </p:spTree>
     <p:extLst>
       <p:ext uri="{BB962C8B-B14F-4D97-AF65-F5344CB8AC3E}">
-        <p14:creationId xmlns:p14="http://schemas.microsoft.com/office/powerpoint/2010/main" xmlns="" val="3019710673"/>
+        <p14:creationId xmlns:p14="http://schemas.microsoft.com/office/powerpoint/2010/main" val="3019710673"/>
       </p:ext>
     </p:extLst>
   </p:cSld>
@@ -3154,7 +3154,7 @@
     </p:spTree>
     <p:extLst>
       <p:ext uri="{BB962C8B-B14F-4D97-AF65-F5344CB8AC3E}">
-        <p14:creationId xmlns:p14="http://schemas.microsoft.com/office/powerpoint/2010/main" xmlns="" val="1960643781"/>
+        <p14:creationId xmlns:p14="http://schemas.microsoft.com/office/powerpoint/2010/main" val="1960643781"/>
       </p:ext>
     </p:extLst>
   </p:cSld>
@@ -4003,7 +4003,7 @@
     </p:spTree>
     <p:extLst>
       <p:ext uri="{BB962C8B-B14F-4D97-AF65-F5344CB8AC3E}">
-        <p14:creationId xmlns:p14="http://schemas.microsoft.com/office/powerpoint/2010/main" xmlns="" val="389484570"/>
+        <p14:creationId xmlns:p14="http://schemas.microsoft.com/office/powerpoint/2010/main" val="389484570"/>
       </p:ext>
     </p:extLst>
   </p:cSld>
@@ -4175,7 +4175,7 @@
     </p:spTree>
     <p:extLst>
       <p:ext uri="{BB962C8B-B14F-4D97-AF65-F5344CB8AC3E}">
-        <p14:creationId xmlns:p14="http://schemas.microsoft.com/office/powerpoint/2010/main" xmlns="" val="1244265866"/>
+        <p14:creationId xmlns:p14="http://schemas.microsoft.com/office/powerpoint/2010/main" val="1244265866"/>
       </p:ext>
     </p:extLst>
   </p:cSld>
@@ -4357,7 +4357,7 @@
     </p:spTree>
     <p:extLst>
       <p:ext uri="{BB962C8B-B14F-4D97-AF65-F5344CB8AC3E}">
-        <p14:creationId xmlns:p14="http://schemas.microsoft.com/office/powerpoint/2010/main" xmlns="" val="3471008039"/>
+        <p14:creationId xmlns:p14="http://schemas.microsoft.com/office/powerpoint/2010/main" val="3471008039"/>
       </p:ext>
     </p:extLst>
   </p:cSld>
@@ -4529,7 +4529,7 @@
     </p:spTree>
     <p:extLst>
       <p:ext uri="{BB962C8B-B14F-4D97-AF65-F5344CB8AC3E}">
-        <p14:creationId xmlns:p14="http://schemas.microsoft.com/office/powerpoint/2010/main" xmlns="" val="2241778123"/>
+        <p14:creationId xmlns:p14="http://schemas.microsoft.com/office/powerpoint/2010/main" val="2241778123"/>
       </p:ext>
     </p:extLst>
   </p:cSld>
@@ -4775,7 +4775,7 @@
     </p:spTree>
     <p:extLst>
       <p:ext uri="{BB962C8B-B14F-4D97-AF65-F5344CB8AC3E}">
-        <p14:creationId xmlns:p14="http://schemas.microsoft.com/office/powerpoint/2010/main" xmlns="" val="1066466615"/>
+        <p14:creationId xmlns:p14="http://schemas.microsoft.com/office/powerpoint/2010/main" val="1066466615"/>
       </p:ext>
     </p:extLst>
   </p:cSld>
@@ -5069,7 +5069,7 @@
     </p:spTree>
     <p:extLst>
       <p:ext uri="{BB962C8B-B14F-4D97-AF65-F5344CB8AC3E}">
-        <p14:creationId xmlns:p14="http://schemas.microsoft.com/office/powerpoint/2010/main" xmlns="" val="1552170654"/>
+        <p14:creationId xmlns:p14="http://schemas.microsoft.com/office/powerpoint/2010/main" val="1552170654"/>
       </p:ext>
     </p:extLst>
   </p:cSld>
@@ -5509,7 +5509,7 @@
     </p:spTree>
     <p:extLst>
       <p:ext uri="{BB962C8B-B14F-4D97-AF65-F5344CB8AC3E}">
-        <p14:creationId xmlns:p14="http://schemas.microsoft.com/office/powerpoint/2010/main" xmlns="" val="2445141360"/>
+        <p14:creationId xmlns:p14="http://schemas.microsoft.com/office/powerpoint/2010/main" val="2445141360"/>
       </p:ext>
     </p:extLst>
   </p:cSld>
@@ -5629,7 +5629,7 @@
     </p:spTree>
     <p:extLst>
       <p:ext uri="{BB962C8B-B14F-4D97-AF65-F5344CB8AC3E}">
-        <p14:creationId xmlns:p14="http://schemas.microsoft.com/office/powerpoint/2010/main" xmlns="" val="171307283"/>
+        <p14:creationId xmlns:p14="http://schemas.microsoft.com/office/powerpoint/2010/main" val="171307283"/>
       </p:ext>
     </p:extLst>
   </p:cSld>
@@ -5726,7 +5726,7 @@
     </p:spTree>
     <p:extLst>
       <p:ext uri="{BB962C8B-B14F-4D97-AF65-F5344CB8AC3E}">
-        <p14:creationId xmlns:p14="http://schemas.microsoft.com/office/powerpoint/2010/main" xmlns="" val="454905040"/>
+        <p14:creationId xmlns:p14="http://schemas.microsoft.com/office/powerpoint/2010/main" val="454905040"/>
       </p:ext>
     </p:extLst>
   </p:cSld>
@@ -6007,7 +6007,7 @@
     </p:spTree>
     <p:extLst>
       <p:ext uri="{BB962C8B-B14F-4D97-AF65-F5344CB8AC3E}">
-        <p14:creationId xmlns:p14="http://schemas.microsoft.com/office/powerpoint/2010/main" xmlns="" val="3820055682"/>
+        <p14:creationId xmlns:p14="http://schemas.microsoft.com/office/powerpoint/2010/main" val="3820055682"/>
       </p:ext>
     </p:extLst>
   </p:cSld>
@@ -6284,7 +6284,7 @@
     </p:spTree>
     <p:extLst>
       <p:ext uri="{BB962C8B-B14F-4D97-AF65-F5344CB8AC3E}">
-        <p14:creationId xmlns:p14="http://schemas.microsoft.com/office/powerpoint/2010/main" xmlns="" val="3789401996"/>
+        <p14:creationId xmlns:p14="http://schemas.microsoft.com/office/powerpoint/2010/main" val="3789401996"/>
       </p:ext>
     </p:extLst>
   </p:cSld>
@@ -6328,7 +6328,7 @@
           <a:blip r:embed="rId19">
             <a:extLst>
               <a:ext uri="{28A0092B-C50C-407E-A947-70E740481C1C}">
-                <a14:useLocalDpi xmlns:a14="http://schemas.microsoft.com/office/drawing/2010/main" xmlns="" val="0"/>
+                <a14:useLocalDpi xmlns:a14="http://schemas.microsoft.com/office/drawing/2010/main" val="0"/>
               </a:ext>
             </a:extLst>
           </a:blip>
@@ -6357,7 +6357,7 @@
           <a:blip r:embed="rId20">
             <a:extLst>
               <a:ext uri="{28A0092B-C50C-407E-A947-70E740481C1C}">
-                <a14:useLocalDpi xmlns:a14="http://schemas.microsoft.com/office/drawing/2010/main" xmlns="" val="0"/>
+                <a14:useLocalDpi xmlns:a14="http://schemas.microsoft.com/office/drawing/2010/main" val="0"/>
               </a:ext>
             </a:extLst>
           </a:blip>
@@ -6449,7 +6449,7 @@
           <a:blip r:embed="rId21">
             <a:extLst>
               <a:ext uri="{28A0092B-C50C-407E-A947-70E740481C1C}">
-                <a14:useLocalDpi xmlns:a14="http://schemas.microsoft.com/office/drawing/2010/main" xmlns="" val="0"/>
+                <a14:useLocalDpi xmlns:a14="http://schemas.microsoft.com/office/drawing/2010/main" val="0"/>
               </a:ext>
             </a:extLst>
           </a:blip>
@@ -6478,7 +6478,7 @@
           <a:blip r:embed="rId22">
             <a:extLst>
               <a:ext uri="{28A0092B-C50C-407E-A947-70E740481C1C}">
-                <a14:useLocalDpi xmlns:a14="http://schemas.microsoft.com/office/drawing/2010/main" xmlns="" val="0"/>
+                <a14:useLocalDpi xmlns:a14="http://schemas.microsoft.com/office/drawing/2010/main" val="0"/>
               </a:ext>
             </a:extLst>
           </a:blip>
@@ -6752,7 +6752,7 @@
     </p:spTree>
     <p:extLst>
       <p:ext uri="{BB962C8B-B14F-4D97-AF65-F5344CB8AC3E}">
-        <p14:creationId xmlns:p14="http://schemas.microsoft.com/office/powerpoint/2010/main" xmlns="" val="2940686128"/>
+        <p14:creationId xmlns:p14="http://schemas.microsoft.com/office/powerpoint/2010/main" val="2940686128"/>
       </p:ext>
     </p:extLst>
   </p:cSld>
@@ -7227,7 +7227,7 @@
     </p:spTree>
     <p:extLst>
       <p:ext uri="{BB962C8B-B14F-4D97-AF65-F5344CB8AC3E}">
-        <p14:creationId xmlns:p14="http://schemas.microsoft.com/office/powerpoint/2010/main" xmlns="" val="3950674696"/>
+        <p14:creationId xmlns:p14="http://schemas.microsoft.com/office/powerpoint/2010/main" val="3950674696"/>
       </p:ext>
     </p:extLst>
   </p:cSld>
@@ -7304,7 +7304,7 @@
             </a:clrChange>
             <a:extLst>
               <a:ext uri="{28A0092B-C50C-407E-A947-70E740481C1C}">
-                <a14:useLocalDpi xmlns:a14="http://schemas.microsoft.com/office/drawing/2010/main" xmlns="" val="0"/>
+                <a14:useLocalDpi xmlns:a14="http://schemas.microsoft.com/office/drawing/2010/main" val="0"/>
               </a:ext>
             </a:extLst>
           </a:blip>
@@ -7331,7 +7331,7 @@
           </a:effectLst>
           <a:extLst>
             <a:ext uri="{91240B29-F687-4F45-9708-019B960494DF}">
-              <a14:hiddenLine xmlns:a14="http://schemas.microsoft.com/office/drawing/2010/main" xmlns="" w="9525">
+              <a14:hiddenLine xmlns:a14="http://schemas.microsoft.com/office/drawing/2010/main" w="9525">
                 <a:solidFill>
                   <a:schemeClr val="tx1"/>
                 </a:solidFill>
@@ -7339,15 +7339,6 @@
                 <a:headEnd/>
                 <a:tailEnd/>
               </a14:hiddenLine>
-            </a:ext>
-            <a:ext uri="{AF507438-7753-43E0-B8FC-AC1667EBCBE1}">
-              <a14:hiddenEffects xmlns:a14="http://schemas.microsoft.com/office/drawing/2010/main" xmlns="">
-                <a:effectLst>
-                  <a:outerShdw dist="35921" dir="2700000" algn="ctr" rotWithShape="0">
-                    <a:schemeClr val="bg2"/>
-                  </a:outerShdw>
-                </a:effectLst>
-              </a14:hiddenEffects>
             </a:ext>
           </a:extLst>
         </p:spPr>
@@ -7374,7 +7365,7 @@
             </a:clrChange>
             <a:extLst>
               <a:ext uri="{28A0092B-C50C-407E-A947-70E740481C1C}">
-                <a14:useLocalDpi xmlns:a14="http://schemas.microsoft.com/office/drawing/2010/main" xmlns="" val="0"/>
+                <a14:useLocalDpi xmlns:a14="http://schemas.microsoft.com/office/drawing/2010/main" val="0"/>
               </a:ext>
             </a:extLst>
           </a:blip>
@@ -7406,7 +7397,7 @@
           </a:effectLst>
           <a:extLst>
             <a:ext uri="{91240B29-F687-4F45-9708-019B960494DF}">
-              <a14:hiddenLine xmlns:a14="http://schemas.microsoft.com/office/drawing/2010/main" xmlns="" w="9525">
+              <a14:hiddenLine xmlns:a14="http://schemas.microsoft.com/office/drawing/2010/main" w="9525">
                 <a:solidFill>
                   <a:schemeClr val="tx1"/>
                 </a:solidFill>
@@ -7416,7 +7407,7 @@
               </a14:hiddenLine>
             </a:ext>
             <a:ext uri="{AF507438-7753-43E0-B8FC-AC1667EBCBE1}">
-              <a14:hiddenEffects xmlns:a14="http://schemas.microsoft.com/office/drawing/2010/main" xmlns="">
+              <a14:hiddenEffects xmlns:a14="http://schemas.microsoft.com/office/drawing/2010/main">
                 <a:effectLst>
                   <a:outerShdw dist="35921" dir="2700000" algn="ctr" rotWithShape="0">
                     <a:schemeClr val="bg2"/>
@@ -7454,7 +7445,7 @@
     </p:spTree>
     <p:extLst>
       <p:ext uri="{BB962C8B-B14F-4D97-AF65-F5344CB8AC3E}">
-        <p14:creationId xmlns:p14="http://schemas.microsoft.com/office/powerpoint/2010/main" xmlns="" val="1606566323"/>
+        <p14:creationId xmlns:p14="http://schemas.microsoft.com/office/powerpoint/2010/main" val="1606566323"/>
       </p:ext>
     </p:extLst>
   </p:cSld>
@@ -7538,7 +7529,7 @@
           <a:blip r:embed="rId2">
             <a:extLst>
               <a:ext uri="{28A0092B-C50C-407E-A947-70E740481C1C}">
-                <a14:useLocalDpi xmlns:a14="http://schemas.microsoft.com/office/drawing/2010/main" xmlns="" val="0"/>
+                <a14:useLocalDpi xmlns:a14="http://schemas.microsoft.com/office/drawing/2010/main" val="0"/>
               </a:ext>
             </a:extLst>
           </a:blip>
@@ -7567,7 +7558,7 @@
           </a:effectLst>
           <a:extLst>
             <a:ext uri="{91240B29-F687-4F45-9708-019B960494DF}">
-              <a14:hiddenLine xmlns:a14="http://schemas.microsoft.com/office/drawing/2010/main" xmlns="" w="9525">
+              <a14:hiddenLine xmlns:a14="http://schemas.microsoft.com/office/drawing/2010/main" w="9525">
                 <a:solidFill>
                   <a:schemeClr val="tx1"/>
                 </a:solidFill>
@@ -7576,15 +7567,6 @@
                 <a:tailEnd/>
               </a14:hiddenLine>
             </a:ext>
-            <a:ext uri="{AF507438-7753-43E0-B8FC-AC1667EBCBE1}">
-              <a14:hiddenEffects xmlns:a14="http://schemas.microsoft.com/office/drawing/2010/main" xmlns="">
-                <a:effectLst>
-                  <a:outerShdw dist="35921" dir="2700000" algn="ctr" rotWithShape="0">
-                    <a:schemeClr val="bg2"/>
-                  </a:outerShdw>
-                </a:effectLst>
-              </a14:hiddenEffects>
-            </a:ext>
           </a:extLst>
         </p:spPr>
       </p:pic>
@@ -7615,7 +7597,7 @@
     </p:spTree>
     <p:extLst>
       <p:ext uri="{BB962C8B-B14F-4D97-AF65-F5344CB8AC3E}">
-        <p14:creationId xmlns:p14="http://schemas.microsoft.com/office/powerpoint/2010/main" xmlns="" val="147532247"/>
+        <p14:creationId xmlns:p14="http://schemas.microsoft.com/office/powerpoint/2010/main" val="147532247"/>
       </p:ext>
     </p:extLst>
   </p:cSld>
@@ -7743,7 +7725,7 @@
     </p:spTree>
     <p:extLst>
       <p:ext uri="{BB962C8B-B14F-4D97-AF65-F5344CB8AC3E}">
-        <p14:creationId xmlns:p14="http://schemas.microsoft.com/office/powerpoint/2010/main" xmlns="" val="2871410945"/>
+        <p14:creationId xmlns:p14="http://schemas.microsoft.com/office/powerpoint/2010/main" val="2871410945"/>
       </p:ext>
     </p:extLst>
   </p:cSld>
@@ -7896,7 +7878,7 @@
     </p:spTree>
     <p:extLst>
       <p:ext uri="{BB962C8B-B14F-4D97-AF65-F5344CB8AC3E}">
-        <p14:creationId xmlns:p14="http://schemas.microsoft.com/office/powerpoint/2010/main" xmlns="" val="3508717513"/>
+        <p14:creationId xmlns:p14="http://schemas.microsoft.com/office/powerpoint/2010/main" val="3508717513"/>
       </p:ext>
     </p:extLst>
   </p:cSld>
@@ -7977,7 +7959,7 @@
             </a:clrChange>
             <a:extLst>
               <a:ext uri="{28A0092B-C50C-407E-A947-70E740481C1C}">
-                <a14:useLocalDpi xmlns:a14="http://schemas.microsoft.com/office/drawing/2010/main" xmlns="" val="0"/>
+                <a14:useLocalDpi xmlns:a14="http://schemas.microsoft.com/office/drawing/2010/main" val="0"/>
               </a:ext>
             </a:extLst>
           </a:blip>
@@ -8006,14 +7988,14 @@
           </a:effectLst>
           <a:extLst>
             <a:ext uri="{909E8E84-426E-40DD-AFC4-6F175D3DCCD1}">
-              <a14:hiddenFill xmlns:a14="http://schemas.microsoft.com/office/drawing/2010/main" xmlns="">
+              <a14:hiddenFill xmlns:a14="http://schemas.microsoft.com/office/drawing/2010/main">
                 <a:solidFill>
                   <a:schemeClr val="accent1"/>
                 </a:solidFill>
               </a14:hiddenFill>
             </a:ext>
             <a:ext uri="{91240B29-F687-4F45-9708-019B960494DF}">
-              <a14:hiddenLine xmlns:a14="http://schemas.microsoft.com/office/drawing/2010/main" xmlns="" w="9525">
+              <a14:hiddenLine xmlns:a14="http://schemas.microsoft.com/office/drawing/2010/main" w="9525">
                 <a:solidFill>
                   <a:schemeClr val="tx1"/>
                 </a:solidFill>
@@ -8404,7 +8386,7 @@
     </p:spTree>
     <p:extLst>
       <p:ext uri="{BB962C8B-B14F-4D97-AF65-F5344CB8AC3E}">
-        <p14:creationId xmlns:p14="http://schemas.microsoft.com/office/powerpoint/2010/main" xmlns="" val="2371069470"/>
+        <p14:creationId xmlns:p14="http://schemas.microsoft.com/office/powerpoint/2010/main" val="2371069470"/>
       </p:ext>
     </p:extLst>
   </p:cSld>
@@ -8487,28 +8469,13 @@
             <a:pPr lvl="1"/>
             <a:r>
               <a:rPr lang="en-US" sz="2800" dirty="0"/>
-              <a:t>Static scoping is used</a:t>
-            </a:r>
-          </a:p>
-          <a:p>
-            <a:r>
-              <a:rPr lang="en-US" sz="3200" dirty="0"/>
-              <a:t>Symbol tables</a:t>
-            </a:r>
-          </a:p>
-          <a:p>
-            <a:pPr lvl="1"/>
-            <a:r>
-              <a:rPr lang="en-US" sz="2800" dirty="0"/>
-              <a:t>Multiple symbol table</a:t>
-            </a:r>
-          </a:p>
-          <a:p>
-            <a:pPr lvl="1"/>
-            <a:r>
-              <a:rPr lang="en-US" sz="2800" dirty="0"/>
-              <a:t>One symbol table</a:t>
-            </a:r>
+              <a:t>Static scoping is </a:t>
+            </a:r>
+            <a:r>
+              <a:rPr lang="en-US" sz="2800" dirty="0" smtClean="0"/>
+              <a:t>used</a:t>
+            </a:r>
+            <a:endParaRPr lang="en-US" sz="2800" dirty="0"/>
           </a:p>
         </p:txBody>
       </p:sp>
@@ -8539,7 +8506,7 @@
     </p:spTree>
     <p:extLst>
       <p:ext uri="{BB962C8B-B14F-4D97-AF65-F5344CB8AC3E}">
-        <p14:creationId xmlns:p14="http://schemas.microsoft.com/office/powerpoint/2010/main" xmlns="" val="2320858105"/>
+        <p14:creationId xmlns:p14="http://schemas.microsoft.com/office/powerpoint/2010/main" val="2320858105"/>
       </p:ext>
     </p:extLst>
   </p:cSld>
@@ -8601,7 +8568,7 @@
         </p:txBody>
       </p:sp>
       <mc:AlternateContent xmlns:mc="http://schemas.openxmlformats.org/markup-compatibility/2006">
-        <mc:Choice xmlns:a14="http://schemas.microsoft.com/office/drawing/2010/main" xmlns="" Requires="a14">
+        <mc:Choice xmlns:a14="http://schemas.microsoft.com/office/drawing/2010/main" Requires="a14">
           <p:sp>
             <p:nvSpPr>
               <p:cNvPr id="3" name="Content Placeholder 2"/>
@@ -8620,7 +8587,7 @@
               <a:lstStyle/>
               <a:p>
                 <a:r>
-                  <a:rPr lang="da-DK" sz="3200" dirty="0"/>
+                  <a:rPr lang="da-DK" sz="3200" dirty="0" smtClean="0"/>
                   <a:t>Informal type </a:t>
                 </a:r>
                 <a:r>
@@ -8641,16 +8608,13 @@
                 </a:r>
                 <a:r>
                   <a:rPr lang="da-DK" sz="2800" dirty="0"/>
-                  <a:t> for &lt;-- (</a:t>
+                  <a:t> for </a:t>
                 </a:r>
                 <a:r>
-                  <a:rPr lang="da-DK" sz="2800" dirty="0" err="1"/>
-                  <a:t>assign</a:t>
+                  <a:rPr lang="da-DK" sz="2800" dirty="0" smtClean="0"/>
+                  <a:t>”from to step”-statement:</a:t>
                 </a:r>
-                <a:r>
-                  <a:rPr lang="da-DK" sz="2800" dirty="0"/>
-                  <a:t>) :</a:t>
-                </a:r>
+                <a:endParaRPr lang="da-DK" sz="2800" dirty="0"/>
               </a:p>
               <a:p>
                 <a:pPr marL="457200" lvl="1" indent="0">
@@ -8658,7 +8622,44 @@
                 </a:pPr>
                 <a:r>
                   <a:rPr lang="da-DK" sz="2800" dirty="0"/>
-                  <a:t>	”</a:t>
+                  <a:t>	</a:t>
+                </a:r>
+                <a:r>
+                  <a:rPr lang="da-DK" sz="2800" dirty="0" smtClean="0"/>
+                  <a:t>”from </a:t>
+                </a:r>
+                <a14:m>
+                  <m:oMath xmlns:m="http://schemas.openxmlformats.org/officeDocument/2006/math">
+                    <m:sSub>
+                      <m:sSubPr>
+                        <m:ctrlPr>
+                          <a:rPr lang="da-DK" sz="2800" b="0" i="1" smtClean="0">
+                            <a:latin typeface="Cambria Math"/>
+                          </a:rPr>
+                        </m:ctrlPr>
+                      </m:sSubPr>
+                      <m:e>
+                        <m:r>
+                          <a:rPr lang="da-DK" sz="2800" b="0" i="1" smtClean="0">
+                            <a:latin typeface="Cambria Math"/>
+                          </a:rPr>
+                          <m:t>𝐸</m:t>
+                        </m:r>
+                      </m:e>
+                      <m:sub>
+                        <m:r>
+                          <a:rPr lang="da-DK" sz="2800" b="0" i="1" smtClean="0">
+                            <a:latin typeface="Cambria Math"/>
+                          </a:rPr>
+                          <m:t>1</m:t>
+                        </m:r>
+                      </m:sub>
+                    </m:sSub>
+                  </m:oMath>
+                </a14:m>
+                <a:r>
+                  <a:rPr lang="da-DK" sz="2800" dirty="0" smtClean="0"/>
+                  <a:t> to </a:t>
                 </a:r>
                 <a14:m>
                   <m:oMath xmlns:m="http://schemas.openxmlformats.org/officeDocument/2006/math">
@@ -8666,7 +8667,111 @@
                       <m:sSubPr>
                         <m:ctrlPr>
                           <a:rPr lang="da-DK" sz="2800" i="1">
-                            <a:latin typeface="Cambria Math" panose="02040503050406030204" pitchFamily="18" charset="0"/>
+                            <a:latin typeface="Cambria Math"/>
+                          </a:rPr>
+                        </m:ctrlPr>
+                      </m:sSubPr>
+                      <m:e>
+                        <m:r>
+                          <a:rPr lang="da-DK" sz="2800" i="1">
+                            <a:latin typeface="Cambria Math"/>
+                          </a:rPr>
+                          <m:t>𝐸</m:t>
+                        </m:r>
+                      </m:e>
+                      <m:sub>
+                        <m:r>
+                          <a:rPr lang="da-DK" sz="2800" b="0" i="1" smtClean="0">
+                            <a:latin typeface="Cambria Math"/>
+                          </a:rPr>
+                          <m:t>2</m:t>
+                        </m:r>
+                      </m:sub>
+                    </m:sSub>
+                  </m:oMath>
+                </a14:m>
+                <a:r>
+                  <a:rPr lang="da-DK" sz="2800" dirty="0" smtClean="0"/>
+                  <a:t> step </a:t>
+                </a:r>
+                <a14:m>
+                  <m:oMath xmlns:m="http://schemas.openxmlformats.org/officeDocument/2006/math">
+                    <m:sSub>
+                      <m:sSubPr>
+                        <m:ctrlPr>
+                          <a:rPr lang="da-DK" sz="2800" i="1">
+                            <a:latin typeface="Cambria Math"/>
+                          </a:rPr>
+                        </m:ctrlPr>
+                      </m:sSubPr>
+                      <m:e>
+                        <m:r>
+                          <a:rPr lang="da-DK" sz="2800" i="1">
+                            <a:latin typeface="Cambria Math"/>
+                          </a:rPr>
+                          <m:t>𝐸</m:t>
+                        </m:r>
+                      </m:e>
+                      <m:sub>
+                        <m:r>
+                          <a:rPr lang="da-DK" sz="2800" b="0" i="1" smtClean="0">
+                            <a:latin typeface="Cambria Math"/>
+                          </a:rPr>
+                          <m:t>3</m:t>
+                        </m:r>
+                      </m:sub>
+                    </m:sSub>
+                  </m:oMath>
+                </a14:m>
+                <a:r>
+                  <a:rPr lang="da-DK" sz="2800" dirty="0" smtClean="0"/>
+                  <a:t> </a:t>
+                </a:r>
+                <a:r>
+                  <a:rPr lang="da-DK" sz="2800" dirty="0" err="1" smtClean="0"/>
+                  <a:t>begin</a:t>
+                </a:r>
+                <a:r>
+                  <a:rPr lang="da-DK" sz="2800" dirty="0" smtClean="0"/>
+                  <a:t> </a:t>
+                </a:r>
+                <a14:m>
+                  <m:oMath xmlns:m="http://schemas.openxmlformats.org/officeDocument/2006/math">
+                    <m:r>
+                      <a:rPr lang="da-DK" sz="2800" b="0" i="1" smtClean="0">
+                        <a:latin typeface="Cambria Math"/>
+                      </a:rPr>
+                      <m:t>𝑆</m:t>
+                    </m:r>
+                  </m:oMath>
+                </a14:m>
+                <a:r>
+                  <a:rPr lang="da-DK" sz="2800" dirty="0" smtClean="0"/>
+                  <a:t> end” it type </a:t>
+                </a:r>
+                <a:r>
+                  <a:rPr lang="da-DK" sz="2800" dirty="0" err="1" smtClean="0"/>
+                  <a:t>correct</a:t>
+                </a:r>
+                <a:r>
+                  <a:rPr lang="da-DK" sz="2800" dirty="0" smtClean="0"/>
+                  <a:t> </a:t>
+                </a:r>
+                <a:r>
+                  <a:rPr lang="da-DK" sz="2800" dirty="0" err="1" smtClean="0"/>
+                  <a:t>if</a:t>
+                </a:r>
+                <a:r>
+                  <a:rPr lang="da-DK" sz="2800" dirty="0" smtClean="0"/>
+                  <a:t> </a:t>
+                </a:r>
+                <a14:m>
+                  <m:oMath xmlns:m="http://schemas.openxmlformats.org/officeDocument/2006/math">
+                    <m:sSub>
+                      <m:sSubPr>
+                        <m:ctrlPr>
+                          <a:rPr lang="da-DK" sz="2800" i="1">
+                            <a:latin typeface="Cambria Math"/>
                           </a:rPr>
                         </m:ctrlPr>
                       </m:sSubPr>
@@ -8690,57 +8795,8 @@
                   </m:oMath>
                 </a14:m>
                 <a:r>
-                  <a:rPr lang="da-DK" sz="2800" dirty="0"/>
-                  <a:t>&lt;-- </a:t>
-                </a:r>
-                <a14:m>
-                  <m:oMath xmlns:m="http://schemas.openxmlformats.org/officeDocument/2006/math">
-                    <m:sSub>
-                      <m:sSubPr>
-                        <m:ctrlPr>
-                          <a:rPr lang="da-DK" sz="2800" i="1" dirty="0">
-                            <a:latin typeface="Cambria Math" panose="02040503050406030204" pitchFamily="18" charset="0"/>
-                          </a:rPr>
-                        </m:ctrlPr>
-                      </m:sSubPr>
-                      <m:e>
-                        <m:r>
-                          <a:rPr lang="da-DK" sz="2800" i="1" dirty="0">
-                            <a:latin typeface="Cambria Math"/>
-                          </a:rPr>
-                          <m:t>𝐸</m:t>
-                        </m:r>
-                      </m:e>
-                      <m:sub>
-                        <m:r>
-                          <a:rPr lang="da-DK" sz="2800" i="1" dirty="0">
-                            <a:latin typeface="Cambria Math"/>
-                          </a:rPr>
-                          <m:t>2</m:t>
-                        </m:r>
-                      </m:sub>
-                    </m:sSub>
-                  </m:oMath>
-                </a14:m>
-                <a:r>
-                  <a:rPr lang="da-DK" sz="2800" dirty="0"/>
-                  <a:t>” is type </a:t>
-                </a:r>
-                <a:r>
-                  <a:rPr lang="da-DK" sz="2800" dirty="0" err="1"/>
-                  <a:t>correct</a:t>
-                </a:r>
-                <a:r>
-                  <a:rPr lang="da-DK" sz="2800" dirty="0"/>
-                  <a:t> </a:t>
-                </a:r>
-                <a:r>
-                  <a:rPr lang="da-DK" sz="2800" dirty="0" err="1"/>
-                  <a:t>if</a:t>
-                </a:r>
-                <a:r>
-                  <a:rPr lang="da-DK" sz="2800" dirty="0"/>
-                  <a:t> </a:t>
+                  <a:rPr lang="da-DK" sz="2800" dirty="0" smtClean="0"/>
+                  <a:t>, </a:t>
                 </a:r>
                 <a14:m>
                   <m:oMath xmlns:m="http://schemas.openxmlformats.org/officeDocument/2006/math">
@@ -8748,7 +8804,7 @@
                       <m:sSubPr>
                         <m:ctrlPr>
                           <a:rPr lang="da-DK" sz="2800" i="1">
-                            <a:latin typeface="Cambria Math" panose="02040503050406030204" pitchFamily="18" charset="0"/>
+                            <a:latin typeface="Cambria Math"/>
                           </a:rPr>
                         </m:ctrlPr>
                       </m:sSubPr>
@@ -8762,18 +8818,18 @@
                       </m:e>
                       <m:sub>
                         <m:r>
-                          <a:rPr lang="da-DK" sz="2800" i="1">
+                          <a:rPr lang="da-DK" sz="2800" b="0" i="1" smtClean="0">
                             <a:latin typeface="Cambria Math"/>
                           </a:rPr>
-                          <m:t>1</m:t>
+                          <m:t>2</m:t>
                         </m:r>
                       </m:sub>
                     </m:sSub>
                   </m:oMath>
                 </a14:m>
                 <a:r>
-                  <a:rPr lang="da-DK" sz="2800" dirty="0"/>
-                  <a:t>and </a:t>
+                  <a:rPr lang="da-DK" sz="2800" dirty="0" smtClean="0"/>
+                  <a:t> and </a:t>
                 </a:r>
                 <a14:m>
                   <m:oMath xmlns:m="http://schemas.openxmlformats.org/officeDocument/2006/math">
@@ -8781,7 +8837,7 @@
                       <m:sSubPr>
                         <m:ctrlPr>
                           <a:rPr lang="da-DK" sz="2800" i="1">
-                            <a:latin typeface="Cambria Math" panose="02040503050406030204" pitchFamily="18" charset="0"/>
+                            <a:latin typeface="Cambria Math"/>
                           </a:rPr>
                         </m:ctrlPr>
                       </m:sSubPr>
@@ -8795,195 +8851,66 @@
                       </m:e>
                       <m:sub>
                         <m:r>
-                          <a:rPr lang="da-DK" sz="2800" i="1">
+                          <a:rPr lang="da-DK" sz="2800" b="0" i="1" smtClean="0">
                             <a:latin typeface="Cambria Math"/>
                           </a:rPr>
-                          <m:t>2</m:t>
+                          <m:t>3</m:t>
                         </m:r>
                       </m:sub>
                     </m:sSub>
                   </m:oMath>
                 </a14:m>
                 <a:r>
-                  <a:rPr lang="da-DK" sz="2800" dirty="0" err="1"/>
+                  <a:rPr lang="da-DK" sz="2800" dirty="0" smtClean="0"/>
+                  <a:t> </a:t>
+                </a:r>
+                <a:r>
+                  <a:rPr lang="da-DK" sz="2800" dirty="0" err="1" smtClean="0"/>
                   <a:t>are</a:t>
                 </a:r>
                 <a:r>
-                  <a:rPr lang="da-DK" sz="2800" dirty="0"/>
+                  <a:rPr lang="da-DK" sz="2800" dirty="0" smtClean="0"/>
                   <a:t> type </a:t>
                 </a:r>
                 <a:r>
-                  <a:rPr lang="da-DK" sz="2800" dirty="0" err="1"/>
+                  <a:rPr lang="da-DK" sz="2800" dirty="0" err="1" smtClean="0"/>
                   <a:t>correct</a:t>
                 </a:r>
                 <a:r>
-                  <a:rPr lang="da-DK" sz="2800" dirty="0"/>
-                  <a:t> and </a:t>
+                  <a:rPr lang="da-DK" sz="2800" dirty="0" smtClean="0"/>
+                  <a:t> and of type </a:t>
+                </a:r>
+                <a:r>
+                  <a:rPr lang="da-DK" sz="2800" dirty="0" err="1" smtClean="0"/>
+                  <a:t>integer</a:t>
+                </a:r>
+                <a:r>
+                  <a:rPr lang="da-DK" sz="2800" dirty="0" smtClean="0"/>
+                  <a:t>, and </a:t>
                 </a:r>
                 <a14:m>
                   <m:oMath xmlns:m="http://schemas.openxmlformats.org/officeDocument/2006/math">
-                    <m:sSub>
-                      <m:sSubPr>
-                        <m:ctrlPr>
-                          <a:rPr lang="da-DK" sz="2800" i="1">
-                            <a:latin typeface="Cambria Math" panose="02040503050406030204" pitchFamily="18" charset="0"/>
-                          </a:rPr>
-                        </m:ctrlPr>
-                      </m:sSubPr>
-                      <m:e>
-                        <m:r>
-                          <a:rPr lang="da-DK" sz="2800" i="1">
-                            <a:latin typeface="Cambria Math"/>
-                          </a:rPr>
-                          <m:t>𝐸</m:t>
-                        </m:r>
-                      </m:e>
-                      <m:sub>
-                        <m:r>
-                          <a:rPr lang="da-DK" sz="2800" i="1">
-                            <a:latin typeface="Cambria Math"/>
-                          </a:rPr>
-                          <m:t>1</m:t>
-                        </m:r>
-                      </m:sub>
-                    </m:sSub>
+                    <m:r>
+                      <a:rPr lang="da-DK" sz="2800" b="0" i="1" smtClean="0">
+                        <a:latin typeface="Cambria Math"/>
+                      </a:rPr>
+                      <m:t>𝑆</m:t>
+                    </m:r>
                   </m:oMath>
                 </a14:m>
                 <a:r>
-                  <a:rPr lang="da-DK" sz="2800" dirty="0"/>
-                  <a:t>and </a:t>
-                </a:r>
-                <a14:m>
-                  <m:oMath xmlns:m="http://schemas.openxmlformats.org/officeDocument/2006/math">
-                    <m:sSub>
-                      <m:sSubPr>
-                        <m:ctrlPr>
-                          <a:rPr lang="da-DK" sz="2800" i="1">
-                            <a:latin typeface="Cambria Math" panose="02040503050406030204" pitchFamily="18" charset="0"/>
-                          </a:rPr>
-                        </m:ctrlPr>
-                      </m:sSubPr>
-                      <m:e>
-                        <m:r>
-                          <a:rPr lang="da-DK" sz="2800" i="1">
-                            <a:latin typeface="Cambria Math"/>
-                          </a:rPr>
-                          <m:t>𝐸</m:t>
-                        </m:r>
-                      </m:e>
-                      <m:sub>
-                        <m:r>
-                          <a:rPr lang="da-DK" sz="2800" i="1">
-                            <a:latin typeface="Cambria Math"/>
-                          </a:rPr>
-                          <m:t>2</m:t>
-                        </m:r>
-                      </m:sub>
-                    </m:sSub>
-                  </m:oMath>
-                </a14:m>
-                <a:r>
-                  <a:rPr lang="da-DK" sz="2800" dirty="0"/>
-                  <a:t> </a:t>
+                  <a:rPr lang="da-DK" sz="2800" dirty="0" smtClean="0"/>
+                  <a:t> is type </a:t>
                 </a:r>
                 <a:r>
-                  <a:rPr lang="da-DK" sz="2800" dirty="0" err="1"/>
-                  <a:t>are</a:t>
+                  <a:rPr lang="da-DK" sz="2800" dirty="0" err="1" smtClean="0"/>
+                  <a:t>correct</a:t>
                 </a:r>
                 <a:r>
-                  <a:rPr lang="da-DK" sz="2800" dirty="0"/>
-                  <a:t> of the same type or </a:t>
+                  <a:rPr lang="da-DK" sz="2800" dirty="0" smtClean="0"/>
+                  <a:t>.</a:t>
                 </a:r>
-                <a:r>
-                  <a:rPr lang="da-DK" sz="2800" dirty="0" err="1"/>
-                  <a:t>if</a:t>
-                </a:r>
-                <a:r>
-                  <a:rPr lang="da-DK" sz="2800" dirty="0"/>
-                  <a:t> </a:t>
-                </a:r>
-                <a14:m>
-                  <m:oMath xmlns:m="http://schemas.openxmlformats.org/officeDocument/2006/math">
-                    <m:sSub>
-                      <m:sSubPr>
-                        <m:ctrlPr>
-                          <a:rPr lang="da-DK" sz="2800" i="1">
-                            <a:latin typeface="Cambria Math" panose="02040503050406030204" pitchFamily="18" charset="0"/>
-                          </a:rPr>
-                        </m:ctrlPr>
-                      </m:sSubPr>
-                      <m:e>
-                        <m:r>
-                          <a:rPr lang="da-DK" sz="2800" i="1">
-                            <a:latin typeface="Cambria Math"/>
-                          </a:rPr>
-                          <m:t>𝐸</m:t>
-                        </m:r>
-                      </m:e>
-                      <m:sub>
-                        <m:r>
-                          <a:rPr lang="da-DK" sz="2800" i="1">
-                            <a:latin typeface="Cambria Math"/>
-                          </a:rPr>
-                          <m:t>1</m:t>
-                        </m:r>
-                      </m:sub>
-                    </m:sSub>
-                  </m:oMath>
-                </a14:m>
-                <a:r>
-                  <a:rPr lang="da-DK" sz="2800" dirty="0"/>
-                  <a:t>and </a:t>
-                </a:r>
-                <a14:m>
-                  <m:oMath xmlns:m="http://schemas.openxmlformats.org/officeDocument/2006/math">
-                    <m:sSub>
-                      <m:sSubPr>
-                        <m:ctrlPr>
-                          <a:rPr lang="da-DK" sz="2800" i="1">
-                            <a:latin typeface="Cambria Math" panose="02040503050406030204" pitchFamily="18" charset="0"/>
-                          </a:rPr>
-                        </m:ctrlPr>
-                      </m:sSubPr>
-                      <m:e>
-                        <m:r>
-                          <a:rPr lang="da-DK" sz="2800" i="1">
-                            <a:latin typeface="Cambria Math"/>
-                          </a:rPr>
-                          <m:t>𝐸</m:t>
-                        </m:r>
-                      </m:e>
-                      <m:sub>
-                        <m:r>
-                          <a:rPr lang="da-DK" sz="2800" i="1">
-                            <a:latin typeface="Cambria Math"/>
-                          </a:rPr>
-                          <m:t>2</m:t>
-                        </m:r>
-                      </m:sub>
-                    </m:sSub>
-                  </m:oMath>
-                </a14:m>
-                <a:r>
-                  <a:rPr lang="da-DK" sz="2800" dirty="0"/>
-                  <a:t> </a:t>
-                </a:r>
-                <a:r>
-                  <a:rPr lang="da-DK" sz="2800" dirty="0" err="1"/>
-                  <a:t>are</a:t>
-                </a:r>
-                <a:r>
-                  <a:rPr lang="da-DK" sz="2800" dirty="0"/>
-                  <a:t> of type </a:t>
-                </a:r>
-                <a:r>
-                  <a:rPr lang="da-DK" sz="2800" dirty="0" err="1"/>
-                  <a:t>integer</a:t>
-                </a:r>
-                <a:r>
-                  <a:rPr lang="da-DK" sz="2800" dirty="0"/>
-                  <a:t> or double.</a:t>
-                </a:r>
+                <a:endParaRPr lang="da-DK" sz="2800" dirty="0"/>
               </a:p>
               <a:p>
                 <a:r>
@@ -8997,7 +8924,7 @@
                 <a:endParaRPr lang="da-DK" sz="3200" dirty="0"/>
               </a:p>
               <a:p>
-                <a:pPr lvl="1"/>
+                <a:pPr lvl="1" algn="just"/>
                 <a14:m>
                   <m:oMath xmlns:m="http://schemas.openxmlformats.org/officeDocument/2006/math">
                     <m:d>
@@ -9006,31 +8933,25 @@
                         <m:endChr m:val="]"/>
                         <m:ctrlPr>
                           <a:rPr lang="da-DK" sz="2800" i="1">
-                            <a:latin typeface="Cambria Math" panose="02040503050406030204" pitchFamily="18" charset="0"/>
+                            <a:latin typeface="Cambria Math"/>
                           </a:rPr>
                         </m:ctrlPr>
                       </m:dPr>
                       <m:e>
-                        <m:r>
-                          <a:rPr lang="da-DK" sz="2800" i="1">
-                            <a:latin typeface="Cambria Math"/>
-                          </a:rPr>
-                          <m:t>𝐴𝑆</m:t>
-                        </m:r>
                         <m:sSub>
                           <m:sSubPr>
                             <m:ctrlPr>
                               <a:rPr lang="da-DK" sz="2800" i="1">
-                                <a:latin typeface="Cambria Math" panose="02040503050406030204" pitchFamily="18" charset="0"/>
+                                <a:latin typeface="Cambria Math"/>
                               </a:rPr>
                             </m:ctrlPr>
                           </m:sSubPr>
                           <m:e>
                             <m:r>
-                              <a:rPr lang="da-DK" sz="2800" i="1">
+                              <a:rPr lang="da-DK" sz="2800" b="0" i="1" smtClean="0">
                                 <a:latin typeface="Cambria Math"/>
                               </a:rPr>
-                              <m:t>𝑆</m:t>
+                              <m:t>𝐹𝑅𝑂𝑀</m:t>
                             </m:r>
                           </m:e>
                           <m:sub>
@@ -9054,85 +8975,244 @@
                       <m:fPr>
                         <m:ctrlPr>
                           <a:rPr lang="da-DK" sz="2800" i="1">
-                            <a:latin typeface="Cambria Math" panose="02040503050406030204" pitchFamily="18" charset="0"/>
+                            <a:latin typeface="Cambria Math"/>
                           </a:rPr>
                         </m:ctrlPr>
                       </m:fPr>
                       <m:num>
                         <m:r>
-                          <a:rPr lang="da-DK" sz="2800" i="1">
+                          <a:rPr lang="da-DK" sz="2800" b="0" i="1" smtClean="0">
                             <a:latin typeface="Cambria Math"/>
                           </a:rPr>
                           <m:t>𝐸</m:t>
                         </m:r>
                         <m:r>
-                          <a:rPr lang="da-DK" sz="2800" i="1">
+                          <a:rPr lang="da-DK" sz="2800" b="0" i="1" smtClean="0">
                             <a:latin typeface="Cambria Math"/>
                           </a:rPr>
                           <m:t> ⊢ </m:t>
                         </m:r>
+                        <m:sSub>
+                          <m:sSubPr>
+                            <m:ctrlPr>
+                              <a:rPr lang="da-DK" sz="2800" b="0" i="1" smtClean="0">
+                                <a:latin typeface="Cambria Math"/>
+                                <a:ea typeface="Cambria Math"/>
+                              </a:rPr>
+                            </m:ctrlPr>
+                          </m:sSubPr>
+                          <m:e>
+                            <m:r>
+                              <a:rPr lang="da-DK" sz="2800" b="0" i="1" smtClean="0">
+                                <a:latin typeface="Cambria Math"/>
+                                <a:ea typeface="Cambria Math"/>
+                              </a:rPr>
+                              <m:t>𝑒</m:t>
+                            </m:r>
+                          </m:e>
+                          <m:sub>
+                            <m:r>
+                              <a:rPr lang="da-DK" sz="2800" b="0" i="1" smtClean="0">
+                                <a:latin typeface="Cambria Math"/>
+                                <a:ea typeface="Cambria Math"/>
+                              </a:rPr>
+                              <m:t>1</m:t>
+                            </m:r>
+                          </m:sub>
+                        </m:sSub>
                         <m:r>
-                          <a:rPr lang="da-DK" sz="2800" i="1">
-                            <a:latin typeface="Cambria Math"/>
-                            <a:ea typeface="Cambria Math"/>
-                          </a:rPr>
-                          <m:t>𝑥</m:t>
-                        </m:r>
-                        <m:r>
-                          <a:rPr lang="da-DK" sz="2800" i="1">
+                          <a:rPr lang="da-DK" sz="2800" b="0" i="1" smtClean="0">
                             <a:latin typeface="Cambria Math"/>
                             <a:ea typeface="Cambria Math"/>
                           </a:rPr>
                           <m:t>  : </m:t>
                         </m:r>
                         <m:r>
-                          <a:rPr lang="da-DK" sz="2800" i="1">
+                          <m:rPr>
+                            <m:sty m:val="p"/>
+                          </m:rPr>
+                          <a:rPr lang="da-DK" sz="2800" b="0" i="0" smtClean="0">
                             <a:latin typeface="Cambria Math"/>
                             <a:ea typeface="Cambria Math"/>
                           </a:rPr>
-                          <m:t>𝑇</m:t>
+                          <m:t>Int</m:t>
                         </m:r>
                         <m:r>
-                          <a:rPr lang="da-DK" sz="2800" i="1">
+                          <a:rPr lang="da-DK" sz="2800" b="0" i="1" smtClean="0">
                             <a:latin typeface="Cambria Math"/>
                             <a:ea typeface="Cambria Math"/>
                           </a:rPr>
-                          <m:t>   </m:t>
+                          <m:t>    </m:t>
                         </m:r>
                         <m:r>
-                          <a:rPr lang="da-DK" sz="2800" i="1">
+                          <a:rPr lang="da-DK" sz="2800" b="0" i="1" smtClean="0">
                             <a:latin typeface="Cambria Math"/>
                             <a:ea typeface="Cambria Math"/>
                           </a:rPr>
                           <m:t>𝐸</m:t>
                         </m:r>
                         <m:r>
-                          <a:rPr lang="da-DK" sz="2800" i="1">
+                          <a:rPr lang="da-DK" sz="2800" b="0" i="1" smtClean="0">
+                            <a:latin typeface="Cambria Math"/>
+                            <a:ea typeface="Cambria Math"/>
+                          </a:rPr>
+                          <m:t> ⊢ </m:t>
+                        </m:r>
+                        <m:sSub>
+                          <m:sSubPr>
+                            <m:ctrlPr>
+                              <a:rPr lang="da-DK" sz="2800" b="0" i="1" smtClean="0">
+                                <a:latin typeface="Cambria Math"/>
+                                <a:ea typeface="Cambria Math"/>
+                              </a:rPr>
+                            </m:ctrlPr>
+                          </m:sSubPr>
+                          <m:e>
+                            <m:r>
+                              <a:rPr lang="da-DK" sz="2800" b="0" i="1" smtClean="0">
+                                <a:latin typeface="Cambria Math"/>
+                                <a:ea typeface="Cambria Math"/>
+                              </a:rPr>
+                              <m:t>𝑒</m:t>
+                            </m:r>
+                          </m:e>
+                          <m:sub>
+                            <m:r>
+                              <a:rPr lang="da-DK" sz="2800" b="0" i="1" smtClean="0">
+                                <a:latin typeface="Cambria Math"/>
+                                <a:ea typeface="Cambria Math"/>
+                              </a:rPr>
+                              <m:t>2</m:t>
+                            </m:r>
+                          </m:sub>
+                        </m:sSub>
+                        <m:r>
+                          <a:rPr lang="da-DK" sz="2800" b="0" i="1" smtClean="0">
+                            <a:latin typeface="Cambria Math"/>
+                            <a:ea typeface="Cambria Math"/>
+                          </a:rPr>
+                          <m:t>  : </m:t>
+                        </m:r>
+                        <m:r>
+                          <m:rPr>
+                            <m:sty m:val="p"/>
+                          </m:rPr>
+                          <a:rPr lang="da-DK" sz="2800" b="0" i="0" smtClean="0">
+                            <a:latin typeface="Cambria Math"/>
+                            <a:ea typeface="Cambria Math"/>
+                          </a:rPr>
+                          <m:t>Int</m:t>
+                        </m:r>
+                        <m:r>
+                          <a:rPr lang="da-DK" sz="2800" b="0" i="1" smtClean="0">
+                            <a:latin typeface="Cambria Math"/>
+                            <a:ea typeface="Cambria Math"/>
+                          </a:rPr>
+                          <m:t>    </m:t>
+                        </m:r>
+                        <m:r>
+                          <a:rPr lang="da-DK" sz="2800" b="0" i="1" smtClean="0">
+                            <a:latin typeface="Cambria Math"/>
+                            <a:ea typeface="Cambria Math"/>
+                          </a:rPr>
+                          <m:t>𝐸</m:t>
+                        </m:r>
+                        <m:r>
+                          <a:rPr lang="da-DK" sz="2800" b="0" i="1" smtClean="0">
+                            <a:latin typeface="Cambria Math"/>
+                            <a:ea typeface="Cambria Math"/>
+                          </a:rPr>
+                          <m:t> ⊢ </m:t>
+                        </m:r>
+                        <m:sSub>
+                          <m:sSubPr>
+                            <m:ctrlPr>
+                              <a:rPr lang="da-DK" sz="2800" b="0" i="1" smtClean="0">
+                                <a:latin typeface="Cambria Math"/>
+                                <a:ea typeface="Cambria Math"/>
+                              </a:rPr>
+                            </m:ctrlPr>
+                          </m:sSubPr>
+                          <m:e>
+                            <m:r>
+                              <a:rPr lang="da-DK" sz="2800" b="0" i="1" smtClean="0">
+                                <a:latin typeface="Cambria Math"/>
+                                <a:ea typeface="Cambria Math"/>
+                              </a:rPr>
+                              <m:t>𝑒</m:t>
+                            </m:r>
+                          </m:e>
+                          <m:sub>
+                            <m:r>
+                              <a:rPr lang="da-DK" sz="2800" b="0" i="1" smtClean="0">
+                                <a:latin typeface="Cambria Math"/>
+                                <a:ea typeface="Cambria Math"/>
+                              </a:rPr>
+                              <m:t>3</m:t>
+                            </m:r>
+                          </m:sub>
+                        </m:sSub>
+                        <m:r>
+                          <a:rPr lang="da-DK" sz="2800" b="0" i="1" smtClean="0">
+                            <a:latin typeface="Cambria Math"/>
+                            <a:ea typeface="Cambria Math"/>
+                          </a:rPr>
+                          <m:t>  : </m:t>
+                        </m:r>
+                        <m:r>
+                          <m:rPr>
+                            <m:sty m:val="p"/>
+                          </m:rPr>
+                          <a:rPr lang="da-DK" sz="2800" b="0" i="0" smtClean="0">
+                            <a:latin typeface="Cambria Math"/>
+                            <a:ea typeface="Cambria Math"/>
+                          </a:rPr>
+                          <m:t>Int</m:t>
+                        </m:r>
+                        <m:r>
+                          <a:rPr lang="da-DK" sz="2800" b="0" i="1" smtClean="0">
+                            <a:latin typeface="Cambria Math"/>
+                            <a:ea typeface="Cambria Math"/>
+                          </a:rPr>
+                          <m:t>    </m:t>
+                        </m:r>
+                        <m:r>
+                          <a:rPr lang="da-DK" sz="2800" b="0" i="1" smtClean="0">
+                            <a:latin typeface="Cambria Math"/>
+                            <a:ea typeface="Cambria Math"/>
+                          </a:rPr>
+                          <m:t>𝐸</m:t>
+                        </m:r>
+                        <m:r>
+                          <a:rPr lang="da-DK" sz="2800" b="0" i="1" smtClean="0">
                             <a:latin typeface="Cambria Math"/>
                             <a:ea typeface="Cambria Math"/>
                           </a:rPr>
                           <m:t> ⊢ </m:t>
                         </m:r>
                         <m:r>
-                          <a:rPr lang="da-DK" sz="2800" i="1">
+                          <a:rPr lang="da-DK" sz="2800" b="0" i="1" smtClean="0">
                             <a:latin typeface="Cambria Math"/>
                             <a:ea typeface="Cambria Math"/>
                           </a:rPr>
-                          <m:t>𝑎</m:t>
+                          <m:t>𝑆</m:t>
                         </m:r>
                         <m:r>
-                          <a:rPr lang="da-DK" sz="2800" i="1">
+                          <a:rPr lang="da-DK" sz="2800" b="0" i="1" smtClean="0">
                             <a:latin typeface="Cambria Math"/>
                             <a:ea typeface="Cambria Math"/>
                           </a:rPr>
                           <m:t>  : </m:t>
                         </m:r>
                         <m:r>
-                          <a:rPr lang="da-DK" sz="2800" i="1">
+                          <m:rPr>
+                            <m:sty m:val="p"/>
+                          </m:rPr>
+                          <a:rPr lang="da-DK" sz="2800" b="0" i="0" smtClean="0">
                             <a:latin typeface="Cambria Math"/>
                             <a:ea typeface="Cambria Math"/>
                           </a:rPr>
-                          <m:t>𝑇</m:t>
+                          <m:t>ok</m:t>
                         </m:r>
                       </m:num>
                       <m:den>
@@ -9146,42 +9226,193 @@
                           <a:rPr lang="da-DK" sz="2800" i="1">
                             <a:latin typeface="Cambria Math"/>
                           </a:rPr>
-                          <m:t> ⊢ </m:t>
+                          <m:t> ⊢</m:t>
                         </m:r>
                         <m:r>
-                          <a:rPr lang="da-DK" sz="2800" i="1">
+                          <a:rPr lang="da-DK" sz="2800" b="0" i="0" smtClean="0">
                             <a:latin typeface="Cambria Math"/>
-                            <a:ea typeface="Cambria Math"/>
                           </a:rPr>
-                          <m:t>𝑥</m:t>
+                          <m:t> </m:t>
                         </m:r>
                         <m:r>
-                          <a:rPr lang="da-DK" sz="2800" i="1">
+                          <m:rPr>
+                            <m:sty m:val="p"/>
+                          </m:rPr>
+                          <a:rPr lang="da-DK" sz="2800" b="0" i="0" smtClean="0">
                             <a:latin typeface="Cambria Math"/>
-                            <a:ea typeface="Cambria Math"/>
                           </a:rPr>
-                          <m:t> &lt;−− </m:t>
+                          <m:t>from</m:t>
                         </m:r>
                         <m:r>
-                          <a:rPr lang="da-DK" sz="2800" i="1">
+                          <a:rPr lang="da-DK" sz="2800" b="0" i="1" smtClean="0">
                             <a:latin typeface="Cambria Math"/>
-                            <a:ea typeface="Cambria Math"/>
                           </a:rPr>
-                          <m:t>𝑎</m:t>
+                          <m:t> </m:t>
+                        </m:r>
+                        <m:sSub>
+                          <m:sSubPr>
+                            <m:ctrlPr>
+                              <a:rPr lang="da-DK" sz="2800" b="0" i="1" smtClean="0">
+                                <a:latin typeface="Cambria Math"/>
+                              </a:rPr>
+                            </m:ctrlPr>
+                          </m:sSubPr>
+                          <m:e>
+                            <m:r>
+                              <a:rPr lang="da-DK" sz="2800" b="0" i="1" smtClean="0">
+                                <a:latin typeface="Cambria Math"/>
+                              </a:rPr>
+                              <m:t>𝑒</m:t>
+                            </m:r>
+                          </m:e>
+                          <m:sub>
+                            <m:r>
+                              <a:rPr lang="da-DK" sz="2800" b="0" i="1" smtClean="0">
+                                <a:latin typeface="Cambria Math"/>
+                              </a:rPr>
+                              <m:t>1</m:t>
+                            </m:r>
+                          </m:sub>
+                        </m:sSub>
+                        <m:r>
+                          <a:rPr lang="da-DK" sz="2800" b="0" i="0" smtClean="0">
+                            <a:latin typeface="Cambria Math"/>
+                          </a:rPr>
+                          <m:t> </m:t>
                         </m:r>
                         <m:r>
-                          <a:rPr lang="da-DK" sz="2800" i="1">
+                          <m:rPr>
+                            <m:sty m:val="p"/>
+                          </m:rPr>
+                          <a:rPr lang="da-DK" sz="2800" b="0" i="0" smtClean="0">
                             <a:latin typeface="Cambria Math"/>
-                            <a:ea typeface="Cambria Math"/>
                           </a:rPr>
-                          <m:t>  : </m:t>
+                          <m:t>to</m:t>
                         </m:r>
                         <m:r>
-                          <a:rPr lang="da-DK" sz="2800" i="1">
+                          <a:rPr lang="da-DK" sz="2800" b="0" i="1" smtClean="0">
                             <a:latin typeface="Cambria Math"/>
-                            <a:ea typeface="Cambria Math"/>
                           </a:rPr>
-                          <m:t>𝑜𝑘</m:t>
+                          <m:t> </m:t>
+                        </m:r>
+                        <m:sSub>
+                          <m:sSubPr>
+                            <m:ctrlPr>
+                              <a:rPr lang="da-DK" sz="2800" b="0" i="1" smtClean="0">
+                                <a:latin typeface="Cambria Math"/>
+                              </a:rPr>
+                            </m:ctrlPr>
+                          </m:sSubPr>
+                          <m:e>
+                            <m:r>
+                              <a:rPr lang="da-DK" sz="2800" b="0" i="1" smtClean="0">
+                                <a:latin typeface="Cambria Math"/>
+                              </a:rPr>
+                              <m:t>𝑒</m:t>
+                            </m:r>
+                          </m:e>
+                          <m:sub>
+                            <m:r>
+                              <a:rPr lang="da-DK" sz="2800" b="0" i="1" smtClean="0">
+                                <a:latin typeface="Cambria Math"/>
+                              </a:rPr>
+                              <m:t>2</m:t>
+                            </m:r>
+                          </m:sub>
+                        </m:sSub>
+                        <m:r>
+                          <a:rPr lang="da-DK" sz="2800" b="0" i="1" smtClean="0">
+                            <a:latin typeface="Cambria Math"/>
+                          </a:rPr>
+                          <m:t>  </m:t>
+                        </m:r>
+                        <m:r>
+                          <m:rPr>
+                            <m:sty m:val="p"/>
+                          </m:rPr>
+                          <a:rPr lang="da-DK" sz="2800" b="0" i="0" smtClean="0">
+                            <a:latin typeface="Cambria Math"/>
+                          </a:rPr>
+                          <m:t>step</m:t>
+                        </m:r>
+                        <m:r>
+                          <a:rPr lang="da-DK" sz="2800" b="0" i="1" smtClean="0">
+                            <a:latin typeface="Cambria Math"/>
+                          </a:rPr>
+                          <m:t> </m:t>
+                        </m:r>
+                        <m:sSub>
+                          <m:sSubPr>
+                            <m:ctrlPr>
+                              <a:rPr lang="da-DK" sz="2800" b="0" i="1" smtClean="0">
+                                <a:latin typeface="Cambria Math"/>
+                              </a:rPr>
+                            </m:ctrlPr>
+                          </m:sSubPr>
+                          <m:e>
+                            <m:r>
+                              <a:rPr lang="da-DK" sz="2800" b="0" i="1" smtClean="0">
+                                <a:latin typeface="Cambria Math"/>
+                              </a:rPr>
+                              <m:t>𝑒</m:t>
+                            </m:r>
+                          </m:e>
+                          <m:sub>
+                            <m:r>
+                              <a:rPr lang="da-DK" sz="2800" b="0" i="1" smtClean="0">
+                                <a:latin typeface="Cambria Math"/>
+                              </a:rPr>
+                              <m:t>3</m:t>
+                            </m:r>
+                          </m:sub>
+                        </m:sSub>
+                        <m:r>
+                          <a:rPr lang="da-DK" sz="2800" b="0" i="1" smtClean="0">
+                            <a:latin typeface="Cambria Math"/>
+                          </a:rPr>
+                          <m:t> </m:t>
+                        </m:r>
+                        <m:r>
+                          <m:rPr>
+                            <m:sty m:val="p"/>
+                          </m:rPr>
+                          <a:rPr lang="da-DK" sz="2800" b="0" i="0" smtClean="0">
+                            <a:latin typeface="Cambria Math"/>
+                          </a:rPr>
+                          <m:t>do</m:t>
+                        </m:r>
+                        <m:r>
+                          <a:rPr lang="da-DK" sz="2800" b="0" i="1" smtClean="0">
+                            <a:latin typeface="Cambria Math"/>
+                          </a:rPr>
+                          <m:t> </m:t>
+                        </m:r>
+                        <m:r>
+                          <a:rPr lang="da-DK" sz="2800" b="0" i="1" smtClean="0">
+                            <a:latin typeface="Cambria Math"/>
+                          </a:rPr>
+                          <m:t>𝑆</m:t>
+                        </m:r>
+                        <m:r>
+                          <a:rPr lang="da-DK" sz="2800" b="0" i="1" smtClean="0">
+                            <a:latin typeface="Cambria Math"/>
+                          </a:rPr>
+                          <m:t>  :</m:t>
+                        </m:r>
+                        <m:r>
+                          <a:rPr lang="da-DK" sz="2800" b="0" i="0" smtClean="0">
+                            <a:latin typeface="Cambria Math"/>
+                          </a:rPr>
+                          <m:t> </m:t>
+                        </m:r>
+                        <m:r>
+                          <m:rPr>
+                            <m:sty m:val="p"/>
+                          </m:rPr>
+                          <a:rPr lang="da-DK" sz="2800" b="0" i="0" smtClean="0">
+                            <a:latin typeface="Cambria Math"/>
+                          </a:rPr>
+                          <m:t>ok</m:t>
                         </m:r>
                       </m:den>
                     </m:f>
@@ -9204,7 +9435,7 @@
               </p:nvPr>
             </p:nvSpPr>
             <p:spPr>
-              <a:blipFill rotWithShape="0">
+              <a:blipFill rotWithShape="1">
                 <a:blip r:embed="rId2"/>
                 <a:stretch>
                   <a:fillRect l="-1090" t="-1890"/>
@@ -9253,7 +9484,7 @@
     </p:spTree>
     <p:extLst>
       <p:ext uri="{BB962C8B-B14F-4D97-AF65-F5344CB8AC3E}">
-        <p14:creationId xmlns:p14="http://schemas.microsoft.com/office/powerpoint/2010/main" xmlns="" val="1648392087"/>
+        <p14:creationId xmlns:p14="http://schemas.microsoft.com/office/powerpoint/2010/main" val="1648392087"/>
       </p:ext>
     </p:extLst>
   </p:cSld>
@@ -9349,7 +9580,7 @@
           <a:blip r:embed="rId2">
             <a:extLst>
               <a:ext uri="{28A0092B-C50C-407E-A947-70E740481C1C}">
-                <a14:useLocalDpi xmlns:a14="http://schemas.microsoft.com/office/drawing/2010/main" xmlns="" val="0"/>
+                <a14:useLocalDpi xmlns:a14="http://schemas.microsoft.com/office/drawing/2010/main" val="0"/>
               </a:ext>
             </a:extLst>
           </a:blip>
@@ -9381,7 +9612,7 @@
           </a:effectLst>
           <a:extLst>
             <a:ext uri="{91240B29-F687-4F45-9708-019B960494DF}">
-              <a14:hiddenLine xmlns:a14="http://schemas.microsoft.com/office/drawing/2010/main" xmlns="" w="9525">
+              <a14:hiddenLine xmlns:a14="http://schemas.microsoft.com/office/drawing/2010/main" w="9525">
                 <a:solidFill>
                   <a:schemeClr val="tx1"/>
                 </a:solidFill>
@@ -9420,7 +9651,7 @@
     </p:spTree>
     <p:extLst>
       <p:ext uri="{BB962C8B-B14F-4D97-AF65-F5344CB8AC3E}">
-        <p14:creationId xmlns:p14="http://schemas.microsoft.com/office/powerpoint/2010/main" xmlns="" val="556762913"/>
+        <p14:creationId xmlns:p14="http://schemas.microsoft.com/office/powerpoint/2010/main" val="556762913"/>
       </p:ext>
     </p:extLst>
   </p:cSld>
@@ -9481,8 +9712,8 @@
           </a:p>
         </p:txBody>
       </p:sp>
-      <mc:AlternateContent xmlns:mc="http://schemas.openxmlformats.org/markup-compatibility/2006">
-        <mc:Choice xmlns:a14="http://schemas.microsoft.com/office/drawing/2010/main" xmlns="" Requires="a14">
+      <mc:AlternateContent xmlns:mc="http://schemas.openxmlformats.org/markup-compatibility/2006" xmlns:a14="http://schemas.microsoft.com/office/drawing/2010/main">
+        <mc:Choice Requires="a14">
           <p:sp>
             <p:nvSpPr>
               <p:cNvPr id="3" name="Content Placeholder 2"/>
@@ -9518,7 +9749,7 @@
                       <m:dPr>
                         <m:ctrlPr>
                           <a:rPr lang="da-DK" sz="2800" i="1">
-                            <a:latin typeface="Cambria Math" panose="02040503050406030204" pitchFamily="18" charset="0"/>
+                            <a:latin typeface="Cambria Math"/>
                           </a:rPr>
                         </m:ctrlPr>
                       </m:dPr>
@@ -9660,7 +9891,7 @@
             </p:txBody>
           </p:sp>
         </mc:Choice>
-        <mc:Fallback>
+        <mc:Fallback xmlns="">
           <p:sp>
             <p:nvSpPr>
               <p:cNvPr id="3" name="Content Placeholder 2"/>
@@ -9725,7 +9956,7 @@
     </p:spTree>
     <p:extLst>
       <p:ext uri="{BB962C8B-B14F-4D97-AF65-F5344CB8AC3E}">
-        <p14:creationId xmlns:p14="http://schemas.microsoft.com/office/powerpoint/2010/main" xmlns="" val="3981789974"/>
+        <p14:creationId xmlns:p14="http://schemas.microsoft.com/office/powerpoint/2010/main" val="3981789974"/>
       </p:ext>
     </p:extLst>
   </p:cSld>
@@ -9796,7 +10027,7 @@
           <a:blip r:embed="rId2">
             <a:extLst>
               <a:ext uri="{28A0092B-C50C-407E-A947-70E740481C1C}">
-                <a14:useLocalDpi xmlns:a14="http://schemas.microsoft.com/office/drawing/2010/main" xmlns="" val="0"/>
+                <a14:useLocalDpi xmlns:a14="http://schemas.microsoft.com/office/drawing/2010/main" val="0"/>
               </a:ext>
             </a:extLst>
           </a:blip>
@@ -9828,7 +10059,7 @@
           </a:effectLst>
           <a:extLst>
             <a:ext uri="{91240B29-F687-4F45-9708-019B960494DF}">
-              <a14:hiddenLine xmlns:a14="http://schemas.microsoft.com/office/drawing/2010/main" xmlns="" w="9525">
+              <a14:hiddenLine xmlns:a14="http://schemas.microsoft.com/office/drawing/2010/main" w="9525">
                 <a:solidFill>
                   <a:schemeClr val="tx1"/>
                 </a:solidFill>
@@ -9867,7 +10098,7 @@
     </p:spTree>
     <p:extLst>
       <p:ext uri="{BB962C8B-B14F-4D97-AF65-F5344CB8AC3E}">
-        <p14:creationId xmlns:p14="http://schemas.microsoft.com/office/powerpoint/2010/main" xmlns="" val="4143647463"/>
+        <p14:creationId xmlns:p14="http://schemas.microsoft.com/office/powerpoint/2010/main" val="4143647463"/>
       </p:ext>
     </p:extLst>
   </p:cSld>
@@ -10080,7 +10311,7 @@
     </p:spTree>
     <p:extLst>
       <p:ext uri="{BB962C8B-B14F-4D97-AF65-F5344CB8AC3E}">
-        <p14:creationId xmlns:p14="http://schemas.microsoft.com/office/powerpoint/2010/main" xmlns="" val="2296655487"/>
+        <p14:creationId xmlns:p14="http://schemas.microsoft.com/office/powerpoint/2010/main" val="2296655487"/>
       </p:ext>
     </p:extLst>
   </p:cSld>
@@ -10230,7 +10461,7 @@
     </p:spTree>
     <p:extLst>
       <p:ext uri="{BB962C8B-B14F-4D97-AF65-F5344CB8AC3E}">
-        <p14:creationId xmlns:p14="http://schemas.microsoft.com/office/powerpoint/2010/main" xmlns="" val="1238075687"/>
+        <p14:creationId xmlns:p14="http://schemas.microsoft.com/office/powerpoint/2010/main" val="1238075687"/>
       </p:ext>
     </p:extLst>
   </p:cSld>
@@ -10396,7 +10627,7 @@
     </p:spTree>
     <p:extLst>
       <p:ext uri="{BB962C8B-B14F-4D97-AF65-F5344CB8AC3E}">
-        <p14:creationId xmlns:p14="http://schemas.microsoft.com/office/powerpoint/2010/main" xmlns="" val="249438557"/>
+        <p14:creationId xmlns:p14="http://schemas.microsoft.com/office/powerpoint/2010/main" val="249438557"/>
       </p:ext>
     </p:extLst>
   </p:cSld>
@@ -10547,7 +10778,7 @@
     </p:spTree>
     <p:extLst>
       <p:ext uri="{BB962C8B-B14F-4D97-AF65-F5344CB8AC3E}">
-        <p14:creationId xmlns:p14="http://schemas.microsoft.com/office/powerpoint/2010/main" xmlns="" val="2630679411"/>
+        <p14:creationId xmlns:p14="http://schemas.microsoft.com/office/powerpoint/2010/main" val="2630679411"/>
       </p:ext>
     </p:extLst>
   </p:cSld>
@@ -10709,7 +10940,7 @@
     </p:spTree>
     <p:extLst>
       <p:ext uri="{BB962C8B-B14F-4D97-AF65-F5344CB8AC3E}">
-        <p14:creationId xmlns:p14="http://schemas.microsoft.com/office/powerpoint/2010/main" xmlns="" val="3950121826"/>
+        <p14:creationId xmlns:p14="http://schemas.microsoft.com/office/powerpoint/2010/main" val="3950121826"/>
       </p:ext>
     </p:extLst>
   </p:cSld>
@@ -10778,7 +11009,7 @@
           <a:blip r:embed="rId2">
             <a:extLst>
               <a:ext uri="{28A0092B-C50C-407E-A947-70E740481C1C}">
-                <a14:useLocalDpi xmlns:a14="http://schemas.microsoft.com/office/drawing/2010/main" xmlns="" val="0"/>
+                <a14:useLocalDpi xmlns:a14="http://schemas.microsoft.com/office/drawing/2010/main" val="0"/>
               </a:ext>
             </a:extLst>
           </a:blip>
@@ -11193,7 +11424,7 @@
     </p:spTree>
     <p:extLst>
       <p:ext uri="{BB962C8B-B14F-4D97-AF65-F5344CB8AC3E}">
-        <p14:creationId xmlns:p14="http://schemas.microsoft.com/office/powerpoint/2010/main" xmlns="" val="2884966997"/>
+        <p14:creationId xmlns:p14="http://schemas.microsoft.com/office/powerpoint/2010/main" val="2884966997"/>
       </p:ext>
     </p:extLst>
   </p:cSld>
@@ -11367,7 +11598,7 @@
     </p:spTree>
     <p:extLst>
       <p:ext uri="{BB962C8B-B14F-4D97-AF65-F5344CB8AC3E}">
-        <p14:creationId xmlns:p14="http://schemas.microsoft.com/office/powerpoint/2010/main" xmlns="" val="3130798529"/>
+        <p14:creationId xmlns:p14="http://schemas.microsoft.com/office/powerpoint/2010/main" val="3130798529"/>
       </p:ext>
     </p:extLst>
   </p:cSld>
@@ -11501,7 +11732,7 @@
     </p:spTree>
     <p:extLst>
       <p:ext uri="{BB962C8B-B14F-4D97-AF65-F5344CB8AC3E}">
-        <p14:creationId xmlns:p14="http://schemas.microsoft.com/office/powerpoint/2010/main" xmlns="" val="376163761"/>
+        <p14:creationId xmlns:p14="http://schemas.microsoft.com/office/powerpoint/2010/main" val="376163761"/>
       </p:ext>
     </p:extLst>
   </p:cSld>
@@ -11632,7 +11863,7 @@
     </p:spTree>
     <p:extLst>
       <p:ext uri="{BB962C8B-B14F-4D97-AF65-F5344CB8AC3E}">
-        <p14:creationId xmlns:p14="http://schemas.microsoft.com/office/powerpoint/2010/main" xmlns="" val="3847635991"/>
+        <p14:creationId xmlns:p14="http://schemas.microsoft.com/office/powerpoint/2010/main" val="3847635991"/>
       </p:ext>
     </p:extLst>
   </p:cSld>
@@ -11809,7 +12040,7 @@
     </p:spTree>
     <p:extLst>
       <p:ext uri="{BB962C8B-B14F-4D97-AF65-F5344CB8AC3E}">
-        <p14:creationId xmlns:p14="http://schemas.microsoft.com/office/powerpoint/2010/main" xmlns="" val="276049290"/>
+        <p14:creationId xmlns:p14="http://schemas.microsoft.com/office/powerpoint/2010/main" val="276049290"/>
       </p:ext>
     </p:extLst>
   </p:cSld>
@@ -12038,7 +12269,7 @@
     </p:spTree>
     <p:extLst>
       <p:ext uri="{BB962C8B-B14F-4D97-AF65-F5344CB8AC3E}">
-        <p14:creationId xmlns:p14="http://schemas.microsoft.com/office/powerpoint/2010/main" xmlns="" val="3075833889"/>
+        <p14:creationId xmlns:p14="http://schemas.microsoft.com/office/powerpoint/2010/main" val="3075833889"/>
       </p:ext>
     </p:extLst>
   </p:cSld>
@@ -12195,7 +12426,7 @@
     </p:spTree>
     <p:extLst>
       <p:ext uri="{BB962C8B-B14F-4D97-AF65-F5344CB8AC3E}">
-        <p14:creationId xmlns:p14="http://schemas.microsoft.com/office/powerpoint/2010/main" xmlns="" val="2404246688"/>
+        <p14:creationId xmlns:p14="http://schemas.microsoft.com/office/powerpoint/2010/main" val="2404246688"/>
       </p:ext>
     </p:extLst>
   </p:cSld>
@@ -12351,7 +12582,7 @@
     </p:spTree>
     <p:extLst>
       <p:ext uri="{BB962C8B-B14F-4D97-AF65-F5344CB8AC3E}">
-        <p14:creationId xmlns:p14="http://schemas.microsoft.com/office/powerpoint/2010/main" xmlns="" val="3744726847"/>
+        <p14:creationId xmlns:p14="http://schemas.microsoft.com/office/powerpoint/2010/main" val="3744726847"/>
       </p:ext>
     </p:extLst>
   </p:cSld>
@@ -12580,7 +12811,7 @@
     </p:spTree>
     <p:extLst>
       <p:ext uri="{BB962C8B-B14F-4D97-AF65-F5344CB8AC3E}">
-        <p14:creationId xmlns:p14="http://schemas.microsoft.com/office/powerpoint/2010/main" xmlns="" val="552338076"/>
+        <p14:creationId xmlns:p14="http://schemas.microsoft.com/office/powerpoint/2010/main" val="552338076"/>
       </p:ext>
     </p:extLst>
   </p:cSld>
@@ -12751,7 +12982,7 @@
     </p:spTree>
     <p:extLst>
       <p:ext uri="{BB962C8B-B14F-4D97-AF65-F5344CB8AC3E}">
-        <p14:creationId xmlns:p14="http://schemas.microsoft.com/office/powerpoint/2010/main" xmlns="" val="1429005581"/>
+        <p14:creationId xmlns:p14="http://schemas.microsoft.com/office/powerpoint/2010/main" val="1429005581"/>
       </p:ext>
     </p:extLst>
   </p:cSld>
@@ -12850,15 +13081,7 @@
             </a:r>
             <a:r>
               <a:rPr lang="da-DK" sz="2800" dirty="0" smtClean="0"/>
-              <a:t> </a:t>
-            </a:r>
-            <a:r>
-              <a:rPr lang="da-DK" sz="2800" dirty="0" smtClean="0"/>
-              <a:t>in </a:t>
-            </a:r>
-            <a:r>
-              <a:rPr lang="da-DK" sz="2800" dirty="0" smtClean="0"/>
-              <a:t>general</a:t>
+              <a:t> in general</a:t>
             </a:r>
           </a:p>
           <a:p>
@@ -12946,7 +13169,7 @@
     </p:spTree>
     <p:extLst>
       <p:ext uri="{BB962C8B-B14F-4D97-AF65-F5344CB8AC3E}">
-        <p14:creationId xmlns:p14="http://schemas.microsoft.com/office/powerpoint/2010/main" xmlns="" val="4157361282"/>
+        <p14:creationId xmlns:p14="http://schemas.microsoft.com/office/powerpoint/2010/main" val="4157361282"/>
       </p:ext>
     </p:extLst>
   </p:cSld>
@@ -13151,7 +13374,7 @@
     </p:spTree>
     <p:extLst>
       <p:ext uri="{BB962C8B-B14F-4D97-AF65-F5344CB8AC3E}">
-        <p14:creationId xmlns:p14="http://schemas.microsoft.com/office/powerpoint/2010/main" xmlns="" val="4157361282"/>
+        <p14:creationId xmlns:p14="http://schemas.microsoft.com/office/powerpoint/2010/main" val="4157361282"/>
       </p:ext>
     </p:extLst>
   </p:cSld>
@@ -13321,7 +13544,7 @@
             </a:clrChange>
             <a:extLst>
               <a:ext uri="{28A0092B-C50C-407E-A947-70E740481C1C}">
-                <a14:useLocalDpi xmlns:a14="http://schemas.microsoft.com/office/drawing/2010/main" xmlns="" val="0"/>
+                <a14:useLocalDpi xmlns:a14="http://schemas.microsoft.com/office/drawing/2010/main" val="0"/>
               </a:ext>
             </a:extLst>
           </a:blip>
@@ -13355,7 +13578,7 @@
     </p:spTree>
     <p:extLst>
       <p:ext uri="{BB962C8B-B14F-4D97-AF65-F5344CB8AC3E}">
-        <p14:creationId xmlns:p14="http://schemas.microsoft.com/office/powerpoint/2010/main" xmlns="" val="4157361282"/>
+        <p14:creationId xmlns:p14="http://schemas.microsoft.com/office/powerpoint/2010/main" val="4157361282"/>
       </p:ext>
     </p:extLst>
   </p:cSld>
@@ -13525,7 +13748,7 @@
             </a:clrChange>
             <a:extLst>
               <a:ext uri="{28A0092B-C50C-407E-A947-70E740481C1C}">
-                <a14:useLocalDpi xmlns:a14="http://schemas.microsoft.com/office/drawing/2010/main" xmlns="" val="0"/>
+                <a14:useLocalDpi xmlns:a14="http://schemas.microsoft.com/office/drawing/2010/main" val="0"/>
               </a:ext>
             </a:extLst>
           </a:blip>
@@ -13556,7 +13779,7 @@
     </p:spTree>
     <p:extLst>
       <p:ext uri="{BB962C8B-B14F-4D97-AF65-F5344CB8AC3E}">
-        <p14:creationId xmlns:p14="http://schemas.microsoft.com/office/powerpoint/2010/main" xmlns="" val="4157361282"/>
+        <p14:creationId xmlns:p14="http://schemas.microsoft.com/office/powerpoint/2010/main" val="4157361282"/>
       </p:ext>
     </p:extLst>
   </p:cSld>
@@ -13706,7 +13929,7 @@
     </p:spTree>
     <p:extLst>
       <p:ext uri="{BB962C8B-B14F-4D97-AF65-F5344CB8AC3E}">
-        <p14:creationId xmlns:p14="http://schemas.microsoft.com/office/powerpoint/2010/main" xmlns="" val="3236351547"/>
+        <p14:creationId xmlns:p14="http://schemas.microsoft.com/office/powerpoint/2010/main" val="3236351547"/>
       </p:ext>
     </p:extLst>
   </p:cSld>
@@ -13893,7 +14116,7 @@
     </p:spTree>
     <p:extLst>
       <p:ext uri="{BB962C8B-B14F-4D97-AF65-F5344CB8AC3E}">
-        <p14:creationId xmlns:p14="http://schemas.microsoft.com/office/powerpoint/2010/main" xmlns="" val="1832533540"/>
+        <p14:creationId xmlns:p14="http://schemas.microsoft.com/office/powerpoint/2010/main" val="1832533540"/>
       </p:ext>
     </p:extLst>
   </p:cSld>
@@ -14177,7 +14400,7 @@
     </p:spTree>
     <p:extLst>
       <p:ext uri="{BB962C8B-B14F-4D97-AF65-F5344CB8AC3E}">
-        <p14:creationId xmlns:p14="http://schemas.microsoft.com/office/powerpoint/2010/main" xmlns="" val="3511873530"/>
+        <p14:creationId xmlns:p14="http://schemas.microsoft.com/office/powerpoint/2010/main" val="3511873530"/>
       </p:ext>
     </p:extLst>
   </p:cSld>
@@ -14356,7 +14579,7 @@
     </p:spTree>
     <p:extLst>
       <p:ext uri="{BB962C8B-B14F-4D97-AF65-F5344CB8AC3E}">
-        <p14:creationId xmlns:p14="http://schemas.microsoft.com/office/powerpoint/2010/main" xmlns="" val="1877408611"/>
+        <p14:creationId xmlns:p14="http://schemas.microsoft.com/office/powerpoint/2010/main" val="1877408611"/>
       </p:ext>
     </p:extLst>
   </p:cSld>
@@ -14569,7 +14792,7 @@
     </p:spTree>
     <p:extLst>
       <p:ext uri="{BB962C8B-B14F-4D97-AF65-F5344CB8AC3E}">
-        <p14:creationId xmlns:p14="http://schemas.microsoft.com/office/powerpoint/2010/main" xmlns="" val="2725437142"/>
+        <p14:creationId xmlns:p14="http://schemas.microsoft.com/office/powerpoint/2010/main" val="2725437142"/>
       </p:ext>
     </p:extLst>
   </p:cSld>
@@ -14714,7 +14937,7 @@
     </p:spTree>
     <p:extLst>
       <p:ext uri="{BB962C8B-B14F-4D97-AF65-F5344CB8AC3E}">
-        <p14:creationId xmlns:p14="http://schemas.microsoft.com/office/powerpoint/2010/main" xmlns="" val="2662647360"/>
+        <p14:creationId xmlns:p14="http://schemas.microsoft.com/office/powerpoint/2010/main" val="2662647360"/>
       </p:ext>
     </p:extLst>
   </p:cSld>
@@ -14843,7 +15066,7 @@
     </p:spTree>
     <p:extLst>
       <p:ext uri="{BB962C8B-B14F-4D97-AF65-F5344CB8AC3E}">
-        <p14:creationId xmlns:p14="http://schemas.microsoft.com/office/powerpoint/2010/main" xmlns="" val="4065155768"/>
+        <p14:creationId xmlns:p14="http://schemas.microsoft.com/office/powerpoint/2010/main" val="4065155768"/>
       </p:ext>
     </p:extLst>
   </p:cSld>
@@ -14918,7 +15141,7 @@
           <a:blip r:embed="rId2">
             <a:extLst>
               <a:ext uri="{28A0092B-C50C-407E-A947-70E740481C1C}">
-                <a14:useLocalDpi xmlns:a14="http://schemas.microsoft.com/office/drawing/2010/main" xmlns="" val="0"/>
+                <a14:useLocalDpi xmlns:a14="http://schemas.microsoft.com/office/drawing/2010/main" val="0"/>
               </a:ext>
             </a:extLst>
           </a:blip>
@@ -14950,7 +15173,7 @@
           </a:effectLst>
           <a:extLst>
             <a:ext uri="{91240B29-F687-4F45-9708-019B960494DF}">
-              <a14:hiddenLine xmlns:a14="http://schemas.microsoft.com/office/drawing/2010/main" xmlns="" w="9525">
+              <a14:hiddenLine xmlns:a14="http://schemas.microsoft.com/office/drawing/2010/main" w="9525">
                 <a:solidFill>
                   <a:schemeClr val="tx1"/>
                 </a:solidFill>
@@ -14960,7 +15183,7 @@
               </a14:hiddenLine>
             </a:ext>
             <a:ext uri="{AF507438-7753-43E0-B8FC-AC1667EBCBE1}">
-              <a14:hiddenEffects xmlns:a14="http://schemas.microsoft.com/office/drawing/2010/main" xmlns="">
+              <a14:hiddenEffects xmlns:a14="http://schemas.microsoft.com/office/drawing/2010/main">
                 <a:effectLst>
                   <a:outerShdw dist="35921" dir="2700000" algn="ctr" rotWithShape="0">
                     <a:schemeClr val="bg2"/>
@@ -14983,7 +15206,7 @@
           <a:blip r:embed="rId3">
             <a:extLst>
               <a:ext uri="{28A0092B-C50C-407E-A947-70E740481C1C}">
-                <a14:useLocalDpi xmlns:a14="http://schemas.microsoft.com/office/drawing/2010/main" xmlns="" val="0"/>
+                <a14:useLocalDpi xmlns:a14="http://schemas.microsoft.com/office/drawing/2010/main" val="0"/>
               </a:ext>
             </a:extLst>
           </a:blip>
@@ -15015,7 +15238,7 @@
           </a:effectLst>
           <a:extLst>
             <a:ext uri="{91240B29-F687-4F45-9708-019B960494DF}">
-              <a14:hiddenLine xmlns:a14="http://schemas.microsoft.com/office/drawing/2010/main" xmlns="" w="9525">
+              <a14:hiddenLine xmlns:a14="http://schemas.microsoft.com/office/drawing/2010/main" w="9525">
                 <a:solidFill>
                   <a:schemeClr val="tx1"/>
                 </a:solidFill>
@@ -15025,7 +15248,7 @@
               </a14:hiddenLine>
             </a:ext>
             <a:ext uri="{AF507438-7753-43E0-B8FC-AC1667EBCBE1}">
-              <a14:hiddenEffects xmlns:a14="http://schemas.microsoft.com/office/drawing/2010/main" xmlns="">
+              <a14:hiddenEffects xmlns:a14="http://schemas.microsoft.com/office/drawing/2010/main">
                 <a:effectLst>
                   <a:outerShdw dist="35921" dir="2700000" algn="ctr" rotWithShape="0">
                     <a:schemeClr val="bg2"/>
@@ -15063,7 +15286,7 @@
     </p:spTree>
     <p:extLst>
       <p:ext uri="{BB962C8B-B14F-4D97-AF65-F5344CB8AC3E}">
-        <p14:creationId xmlns:p14="http://schemas.microsoft.com/office/powerpoint/2010/main" xmlns="" val="1076587920"/>
+        <p14:creationId xmlns:p14="http://schemas.microsoft.com/office/powerpoint/2010/main" val="1076587920"/>
       </p:ext>
     </p:extLst>
   </p:cSld>
@@ -15233,7 +15456,7 @@
     </p:spTree>
     <p:extLst>
       <p:ext uri="{BB962C8B-B14F-4D97-AF65-F5344CB8AC3E}">
-        <p14:creationId xmlns:p14="http://schemas.microsoft.com/office/powerpoint/2010/main" xmlns="" val="2965639071"/>
+        <p14:creationId xmlns:p14="http://schemas.microsoft.com/office/powerpoint/2010/main" val="2965639071"/>
       </p:ext>
     </p:extLst>
   </p:cSld>
@@ -15509,7 +15732,7 @@
   <a:extraClrSchemeLst/>
   <a:extLst>
     <a:ext uri="{05A4C25C-085E-4340-85A3-A5531E510DB2}">
-      <thm15:themeFamily xmlns:thm15="http://schemas.microsoft.com/office/thememl/2012/main" xmlns="" name="Ion" id="{B8441ADB-2E43-4AF7-B97A-BD870242C6A8}" vid="{BACC050B-8757-4460-95D8-E37B46A6B421}"/>
+      <thm15:themeFamily xmlns="" xmlns:thm15="http://schemas.microsoft.com/office/thememl/2012/main" name="Ion" id="{B8441ADB-2E43-4AF7-B97A-BD870242C6A8}" vid="{BACC050B-8757-4460-95D8-E37B46A6B421}"/>
     </a:ext>
   </a:extLst>
 </a:theme>
@@ -15770,7 +15993,7 @@
   <a:extraClrSchemeLst/>
   <a:extLst>
     <a:ext uri="{05A4C25C-085E-4340-85A3-A5531E510DB2}">
-      <thm15:themeFamily xmlns:thm15="http://schemas.microsoft.com/office/thememl/2012/main" xmlns="" name="Office Theme" id="{62F939B6-93AF-4DB8-9C6B-D6C7DFDC589F}" vid="{4A3C46E8-61CC-4603-A589-7422A47A8E4A}"/>
+      <thm15:themeFamily xmlns="" xmlns:thm15="http://schemas.microsoft.com/office/thememl/2012/main" name="Office Theme" id="{62F939B6-93AF-4DB8-9C6B-D6C7DFDC589F}" vid="{4A3C46E8-61CC-4603-A589-7422A47A8E4A}"/>
     </a:ext>
   </a:extLst>
 </a:theme>
